--- a/3장/20164091-송희령-3주차 과제.pptx
+++ b/3장/20164091-송희령-3주차 과제.pptx
@@ -8,7 +8,11 @@
     <p:sldId id="257" r:id="rId2"/>
     <p:sldId id="306" r:id="rId3"/>
     <p:sldId id="307" r:id="rId4"/>
-    <p:sldId id="258" r:id="rId5"/>
+    <p:sldId id="308" r:id="rId5"/>
+    <p:sldId id="309" r:id="rId6"/>
+    <p:sldId id="311" r:id="rId7"/>
+    <p:sldId id="312" r:id="rId8"/>
+    <p:sldId id="258" r:id="rId9"/>
   </p:sldIdLst>
   <p:sldSz cx="12192000" cy="6858000"/>
   <p:notesSz cx="6858000" cy="9144000"/>
@@ -5854,6 +5858,1709 @@
 </file>
 
 <file path=ppt/slides/slide4.xml><?xml version="1.0" encoding="utf-8"?>
+<p:sld xmlns:a="http://schemas.openxmlformats.org/drawingml/2006/main" xmlns:r="http://schemas.openxmlformats.org/officeDocument/2006/relationships" xmlns:p="http://schemas.openxmlformats.org/presentationml/2006/main">
+  <p:cSld>
+    <p:spTree>
+      <p:nvGrpSpPr>
+        <p:cNvPr id="1" name=""/>
+        <p:cNvGrpSpPr/>
+        <p:nvPr/>
+      </p:nvGrpSpPr>
+      <p:grpSpPr>
+        <a:xfrm>
+          <a:off x="0" y="0"/>
+          <a:ext cx="0" cy="0"/>
+          <a:chOff x="0" y="0"/>
+          <a:chExt cx="0" cy="0"/>
+        </a:xfrm>
+      </p:grpSpPr>
+      <p:pic>
+        <p:nvPicPr>
+          <p:cNvPr id="2" name="그림 1">
+            <a:extLst>
+              <a:ext uri="{FF2B5EF4-FFF2-40B4-BE49-F238E27FC236}">
+                <a16:creationId xmlns:a16="http://schemas.microsoft.com/office/drawing/2014/main" id="{67A8EF1E-EF47-9F4C-9947-2E10B506289D}"/>
+              </a:ext>
+            </a:extLst>
+          </p:cNvPr>
+          <p:cNvPicPr>
+            <a:picLocks noChangeAspect="1"/>
+          </p:cNvPicPr>
+          <p:nvPr/>
+        </p:nvPicPr>
+        <p:blipFill>
+          <a:blip r:embed="rId2"/>
+          <a:stretch>
+            <a:fillRect/>
+          </a:stretch>
+        </p:blipFill>
+        <p:spPr>
+          <a:xfrm>
+            <a:off x="444778" y="1422060"/>
+            <a:ext cx="5802273" cy="3303247"/>
+          </a:xfrm>
+          <a:prstGeom prst="rect">
+            <a:avLst/>
+          </a:prstGeom>
+        </p:spPr>
+      </p:pic>
+      <p:sp>
+        <p:nvSpPr>
+          <p:cNvPr id="37" name="직사각형 36">
+            <a:extLst>
+              <a:ext uri="{FF2B5EF4-FFF2-40B4-BE49-F238E27FC236}">
+                <a16:creationId xmlns:a16="http://schemas.microsoft.com/office/drawing/2014/main" id="{3F15C60C-17FE-422D-AFCF-73C75A021362}"/>
+              </a:ext>
+            </a:extLst>
+          </p:cNvPr>
+          <p:cNvSpPr/>
+          <p:nvPr/>
+        </p:nvSpPr>
+        <p:spPr>
+          <a:xfrm>
+            <a:off x="3697172" y="332194"/>
+            <a:ext cx="4713765" cy="735842"/>
+          </a:xfrm>
+          <a:prstGeom prst="rect">
+            <a:avLst/>
+          </a:prstGeom>
+        </p:spPr>
+        <p:txBody>
+          <a:bodyPr wrap="square">
+            <a:spAutoFit/>
+          </a:bodyPr>
+          <a:lstStyle/>
+          <a:p>
+            <a:pPr algn="ctr" latinLnBrk="0">
+              <a:lnSpc>
+                <a:spcPct val="150000"/>
+              </a:lnSpc>
+              <a:defRPr/>
+            </a:pPr>
+            <a:r>
+              <a:rPr lang="en-US" altLang="ko-KR" sz="3200" b="1" i="1" kern="0" dirty="0">
+                <a:solidFill>
+                  <a:srgbClr val="FF7876"/>
+                </a:solidFill>
+              </a:rPr>
+              <a:t>1</a:t>
+            </a:r>
+          </a:p>
+        </p:txBody>
+      </p:sp>
+      <p:cxnSp>
+        <p:nvCxnSpPr>
+          <p:cNvPr id="38" name="직선 연결선 37">
+            <a:extLst>
+              <a:ext uri="{FF2B5EF4-FFF2-40B4-BE49-F238E27FC236}">
+                <a16:creationId xmlns:a16="http://schemas.microsoft.com/office/drawing/2014/main" id="{940134F4-F272-426A-B50B-8075427DF501}"/>
+              </a:ext>
+            </a:extLst>
+          </p:cNvPr>
+          <p:cNvCxnSpPr>
+            <a:cxnSpLocks/>
+          </p:cNvCxnSpPr>
+          <p:nvPr/>
+        </p:nvCxnSpPr>
+        <p:spPr>
+          <a:xfrm flipV="1">
+            <a:off x="843148" y="847712"/>
+            <a:ext cx="4769087" cy="1"/>
+          </a:xfrm>
+          <a:prstGeom prst="line">
+            <a:avLst/>
+          </a:prstGeom>
+          <a:ln w="6350">
+            <a:solidFill>
+              <a:srgbClr val="FF7876"/>
+            </a:solidFill>
+            <a:prstDash val="sysDash"/>
+            <a:tailEnd type="oval"/>
+          </a:ln>
+        </p:spPr>
+        <p:style>
+          <a:lnRef idx="1">
+            <a:schemeClr val="accent1"/>
+          </a:lnRef>
+          <a:fillRef idx="0">
+            <a:schemeClr val="accent1"/>
+          </a:fillRef>
+          <a:effectRef idx="0">
+            <a:schemeClr val="accent1"/>
+          </a:effectRef>
+          <a:fontRef idx="minor">
+            <a:schemeClr val="tx1"/>
+          </a:fontRef>
+        </p:style>
+      </p:cxnSp>
+      <p:cxnSp>
+        <p:nvCxnSpPr>
+          <p:cNvPr id="39" name="직선 연결선 38">
+            <a:extLst>
+              <a:ext uri="{FF2B5EF4-FFF2-40B4-BE49-F238E27FC236}">
+                <a16:creationId xmlns:a16="http://schemas.microsoft.com/office/drawing/2014/main" id="{55EBD739-0979-4546-8E6B-9CA8052FC540}"/>
+              </a:ext>
+            </a:extLst>
+          </p:cNvPr>
+          <p:cNvCxnSpPr>
+            <a:cxnSpLocks/>
+          </p:cNvCxnSpPr>
+          <p:nvPr/>
+        </p:nvCxnSpPr>
+        <p:spPr>
+          <a:xfrm flipH="1">
+            <a:off x="6579767" y="847712"/>
+            <a:ext cx="4692810" cy="0"/>
+          </a:xfrm>
+          <a:prstGeom prst="line">
+            <a:avLst/>
+          </a:prstGeom>
+          <a:ln w="6350">
+            <a:solidFill>
+              <a:srgbClr val="FF7876"/>
+            </a:solidFill>
+            <a:prstDash val="sysDash"/>
+            <a:tailEnd type="oval"/>
+          </a:ln>
+        </p:spPr>
+        <p:style>
+          <a:lnRef idx="1">
+            <a:schemeClr val="accent1"/>
+          </a:lnRef>
+          <a:fillRef idx="0">
+            <a:schemeClr val="accent1"/>
+          </a:fillRef>
+          <a:effectRef idx="0">
+            <a:schemeClr val="accent1"/>
+          </a:effectRef>
+          <a:fontRef idx="minor">
+            <a:schemeClr val="tx1"/>
+          </a:fontRef>
+        </p:style>
+      </p:cxnSp>
+      <p:sp>
+        <p:nvSpPr>
+          <p:cNvPr id="8" name="TextBox 7">
+            <a:extLst>
+              <a:ext uri="{FF2B5EF4-FFF2-40B4-BE49-F238E27FC236}">
+                <a16:creationId xmlns:a16="http://schemas.microsoft.com/office/drawing/2014/main" id="{C18154B9-4F65-4277-8C17-63D9702FC25F}"/>
+              </a:ext>
+            </a:extLst>
+          </p:cNvPr>
+          <p:cNvSpPr txBox="1"/>
+          <p:nvPr/>
+        </p:nvSpPr>
+        <p:spPr>
+          <a:xfrm>
+            <a:off x="765146" y="963122"/>
+            <a:ext cx="10507430" cy="261610"/>
+          </a:xfrm>
+          <a:prstGeom prst="rect">
+            <a:avLst/>
+          </a:prstGeom>
+          <a:noFill/>
+        </p:spPr>
+        <p:txBody>
+          <a:bodyPr wrap="square" rtlCol="0">
+            <a:spAutoFit/>
+          </a:bodyPr>
+          <a:lstStyle/>
+          <a:p>
+            <a:pPr algn="ctr"/>
+            <a:r>
+              <a:rPr lang="ko-KR" altLang="en-US" sz="1100" i="1" dirty="0">
+                <a:solidFill>
+                  <a:srgbClr val="FF7876"/>
+                </a:solidFill>
+              </a:rPr>
+              <a:t>기상청 웹 </a:t>
+            </a:r>
+            <a:r>
+              <a:rPr lang="ko-KR" altLang="en-US" sz="1100" i="1" dirty="0" err="1">
+                <a:solidFill>
+                  <a:srgbClr val="FF7876"/>
+                </a:solidFill>
+              </a:rPr>
+              <a:t>크롤링</a:t>
+            </a:r>
+            <a:r>
+              <a:rPr lang="ko-KR" altLang="en-US" sz="1100" i="1" dirty="0">
+                <a:solidFill>
+                  <a:srgbClr val="FF7876"/>
+                </a:solidFill>
+              </a:rPr>
+              <a:t> 작성 </a:t>
+            </a:r>
+            <a:r>
+              <a:rPr lang="en-US" altLang="ko-KR" sz="1100" i="1" dirty="0">
+                <a:solidFill>
+                  <a:srgbClr val="FF7876"/>
+                </a:solidFill>
+              </a:rPr>
+              <a:t>&amp;</a:t>
+            </a:r>
+            <a:r>
+              <a:rPr lang="ko-KR" altLang="en-US" sz="1100" i="1" dirty="0">
+                <a:solidFill>
+                  <a:srgbClr val="FF7876"/>
+                </a:solidFill>
+              </a:rPr>
+              <a:t> 실행</a:t>
+            </a:r>
+            <a:endParaRPr lang="en-US" altLang="ko-KR" sz="1100" i="1" dirty="0">
+              <a:solidFill>
+                <a:srgbClr val="FF7876"/>
+              </a:solidFill>
+            </a:endParaRPr>
+          </a:p>
+        </p:txBody>
+      </p:sp>
+      <p:sp>
+        <p:nvSpPr>
+          <p:cNvPr id="24" name="TextBox 23">
+            <a:extLst>
+              <a:ext uri="{FF2B5EF4-FFF2-40B4-BE49-F238E27FC236}">
+                <a16:creationId xmlns:a16="http://schemas.microsoft.com/office/drawing/2014/main" id="{0546762F-4C74-BE42-84BA-C6938BA61A8F}"/>
+              </a:ext>
+            </a:extLst>
+          </p:cNvPr>
+          <p:cNvSpPr txBox="1"/>
+          <p:nvPr/>
+        </p:nvSpPr>
+        <p:spPr>
+          <a:xfrm>
+            <a:off x="8410937" y="3445184"/>
+            <a:ext cx="3600152" cy="597393"/>
+          </a:xfrm>
+          <a:prstGeom prst="rect">
+            <a:avLst/>
+          </a:prstGeom>
+          <a:noFill/>
+          <a:ln w="12700">
+            <a:solidFill>
+              <a:srgbClr val="FF7876"/>
+            </a:solidFill>
+          </a:ln>
+        </p:spPr>
+        <p:txBody>
+          <a:bodyPr wrap="square" rtlCol="0">
+            <a:spAutoFit/>
+          </a:bodyPr>
+          <a:lstStyle/>
+          <a:p>
+            <a:pPr algn="ctr"/>
+            <a:r>
+              <a:rPr lang="ko-KR" altLang="en-US" sz="1100" dirty="0"/>
+              <a:t>실행 결과로 나온 모습입니다</a:t>
+            </a:r>
+            <a:r>
+              <a:rPr lang="en-US" altLang="ko-KR" sz="1100" dirty="0"/>
+              <a:t>.</a:t>
+            </a:r>
+          </a:p>
+          <a:p>
+            <a:pPr algn="ctr"/>
+            <a:r>
+              <a:rPr lang="ko-KR" altLang="en-US" sz="1100" dirty="0"/>
+              <a:t>기상청 웹 페이지에 저장된 </a:t>
+            </a:r>
+            <a:r>
+              <a:rPr lang="ko-KR" altLang="en-US" sz="1100" dirty="0" err="1"/>
+              <a:t>날씨값들을</a:t>
+            </a:r>
+            <a:r>
+              <a:rPr lang="ko-KR" altLang="en-US" sz="1100" dirty="0"/>
+              <a:t> 불러와</a:t>
+            </a:r>
+            <a:endParaRPr lang="en-US" altLang="ko-KR" sz="1100" dirty="0"/>
+          </a:p>
+          <a:p>
+            <a:pPr algn="ctr"/>
+            <a:r>
+              <a:rPr lang="ko-KR" altLang="en-US" sz="1100" dirty="0"/>
+              <a:t>출력 및 </a:t>
+            </a:r>
+            <a:r>
+              <a:rPr lang="en-US" altLang="ko-KR" sz="1100" dirty="0"/>
+              <a:t>csv</a:t>
+            </a:r>
+            <a:r>
+              <a:rPr lang="ko-KR" altLang="en-US" sz="1100" dirty="0"/>
+              <a:t>파일에 </a:t>
+            </a:r>
+            <a:r>
+              <a:rPr lang="ko-KR" altLang="en-US" sz="1100" dirty="0" err="1"/>
+              <a:t>저장하는것을</a:t>
+            </a:r>
+            <a:r>
+              <a:rPr lang="ko-KR" altLang="en-US" sz="1100" dirty="0"/>
+              <a:t> 볼 수 있습니다</a:t>
+            </a:r>
+            <a:r>
+              <a:rPr lang="en-US" altLang="ko-KR" sz="1100" dirty="0"/>
+              <a:t>.</a:t>
+            </a:r>
+          </a:p>
+        </p:txBody>
+      </p:sp>
+      <p:pic>
+        <p:nvPicPr>
+          <p:cNvPr id="5" name="그림 4">
+            <a:extLst>
+              <a:ext uri="{FF2B5EF4-FFF2-40B4-BE49-F238E27FC236}">
+                <a16:creationId xmlns:a16="http://schemas.microsoft.com/office/drawing/2014/main" id="{5244BE73-ECCB-F449-B132-BA080DE78670}"/>
+              </a:ext>
+            </a:extLst>
+          </p:cNvPr>
+          <p:cNvPicPr>
+            <a:picLocks noChangeAspect="1"/>
+          </p:cNvPicPr>
+          <p:nvPr/>
+        </p:nvPicPr>
+        <p:blipFill>
+          <a:blip r:embed="rId3"/>
+          <a:stretch>
+            <a:fillRect/>
+          </a:stretch>
+        </p:blipFill>
+        <p:spPr>
+          <a:xfrm>
+            <a:off x="2339540" y="3943122"/>
+            <a:ext cx="4804578" cy="2811982"/>
+          </a:xfrm>
+          <a:prstGeom prst="rect">
+            <a:avLst/>
+          </a:prstGeom>
+        </p:spPr>
+      </p:pic>
+      <p:pic>
+        <p:nvPicPr>
+          <p:cNvPr id="6" name="그림 5">
+            <a:extLst>
+              <a:ext uri="{FF2B5EF4-FFF2-40B4-BE49-F238E27FC236}">
+                <a16:creationId xmlns:a16="http://schemas.microsoft.com/office/drawing/2014/main" id="{2C399A12-8CF8-D742-8844-A14FFCB5060F}"/>
+              </a:ext>
+            </a:extLst>
+          </p:cNvPr>
+          <p:cNvPicPr>
+            <a:picLocks noChangeAspect="1"/>
+          </p:cNvPicPr>
+          <p:nvPr/>
+        </p:nvPicPr>
+        <p:blipFill>
+          <a:blip r:embed="rId4"/>
+          <a:stretch>
+            <a:fillRect/>
+          </a:stretch>
+        </p:blipFill>
+        <p:spPr>
+          <a:xfrm>
+            <a:off x="6247051" y="1644985"/>
+            <a:ext cx="2243240" cy="5110119"/>
+          </a:xfrm>
+          <a:prstGeom prst="rect">
+            <a:avLst/>
+          </a:prstGeom>
+        </p:spPr>
+      </p:pic>
+      <p:pic>
+        <p:nvPicPr>
+          <p:cNvPr id="7" name="그림 6">
+            <a:extLst>
+              <a:ext uri="{FF2B5EF4-FFF2-40B4-BE49-F238E27FC236}">
+                <a16:creationId xmlns:a16="http://schemas.microsoft.com/office/drawing/2014/main" id="{AFB1F259-02D9-9D4F-BDEF-BEC69069581D}"/>
+              </a:ext>
+            </a:extLst>
+          </p:cNvPr>
+          <p:cNvPicPr>
+            <a:picLocks noChangeAspect="1"/>
+          </p:cNvPicPr>
+          <p:nvPr/>
+        </p:nvPicPr>
+        <p:blipFill>
+          <a:blip r:embed="rId5"/>
+          <a:stretch>
+            <a:fillRect/>
+          </a:stretch>
+        </p:blipFill>
+        <p:spPr>
+          <a:xfrm>
+            <a:off x="4189164" y="1363231"/>
+            <a:ext cx="2206241" cy="1733886"/>
+          </a:xfrm>
+          <a:prstGeom prst="rect">
+            <a:avLst/>
+          </a:prstGeom>
+        </p:spPr>
+      </p:pic>
+    </p:spTree>
+    <p:extLst>
+      <p:ext uri="{BB962C8B-B14F-4D97-AF65-F5344CB8AC3E}">
+        <p14:creationId xmlns:p14="http://schemas.microsoft.com/office/powerpoint/2010/main" val="2162744730"/>
+      </p:ext>
+    </p:extLst>
+  </p:cSld>
+  <p:clrMapOvr>
+    <a:masterClrMapping/>
+  </p:clrMapOvr>
+</p:sld>
+</file>
+
+<file path=ppt/slides/slide5.xml><?xml version="1.0" encoding="utf-8"?>
+<p:sld xmlns:a="http://schemas.openxmlformats.org/drawingml/2006/main" xmlns:r="http://schemas.openxmlformats.org/officeDocument/2006/relationships" xmlns:p="http://schemas.openxmlformats.org/presentationml/2006/main">
+  <p:cSld>
+    <p:spTree>
+      <p:nvGrpSpPr>
+        <p:cNvPr id="1" name=""/>
+        <p:cNvGrpSpPr/>
+        <p:nvPr/>
+      </p:nvGrpSpPr>
+      <p:grpSpPr>
+        <a:xfrm>
+          <a:off x="0" y="0"/>
+          <a:ext cx="0" cy="0"/>
+          <a:chOff x="0" y="0"/>
+          <a:chExt cx="0" cy="0"/>
+        </a:xfrm>
+      </p:grpSpPr>
+      <p:sp>
+        <p:nvSpPr>
+          <p:cNvPr id="37" name="직사각형 36">
+            <a:extLst>
+              <a:ext uri="{FF2B5EF4-FFF2-40B4-BE49-F238E27FC236}">
+                <a16:creationId xmlns:a16="http://schemas.microsoft.com/office/drawing/2014/main" id="{3F15C60C-17FE-422D-AFCF-73C75A021362}"/>
+              </a:ext>
+            </a:extLst>
+          </p:cNvPr>
+          <p:cNvSpPr/>
+          <p:nvPr/>
+        </p:nvSpPr>
+        <p:spPr>
+          <a:xfrm>
+            <a:off x="3697172" y="332194"/>
+            <a:ext cx="4713765" cy="735842"/>
+          </a:xfrm>
+          <a:prstGeom prst="rect">
+            <a:avLst/>
+          </a:prstGeom>
+        </p:spPr>
+        <p:txBody>
+          <a:bodyPr wrap="square">
+            <a:spAutoFit/>
+          </a:bodyPr>
+          <a:lstStyle/>
+          <a:p>
+            <a:pPr algn="ctr" latinLnBrk="0">
+              <a:lnSpc>
+                <a:spcPct val="150000"/>
+              </a:lnSpc>
+              <a:defRPr/>
+            </a:pPr>
+            <a:r>
+              <a:rPr lang="en-US" altLang="ko-KR" sz="3200" b="1" i="1" kern="0" dirty="0">
+                <a:solidFill>
+                  <a:srgbClr val="FF7876"/>
+                </a:solidFill>
+              </a:rPr>
+              <a:t>2</a:t>
+            </a:r>
+          </a:p>
+        </p:txBody>
+      </p:sp>
+      <p:cxnSp>
+        <p:nvCxnSpPr>
+          <p:cNvPr id="38" name="직선 연결선 37">
+            <a:extLst>
+              <a:ext uri="{FF2B5EF4-FFF2-40B4-BE49-F238E27FC236}">
+                <a16:creationId xmlns:a16="http://schemas.microsoft.com/office/drawing/2014/main" id="{940134F4-F272-426A-B50B-8075427DF501}"/>
+              </a:ext>
+            </a:extLst>
+          </p:cNvPr>
+          <p:cNvCxnSpPr>
+            <a:cxnSpLocks/>
+          </p:cNvCxnSpPr>
+          <p:nvPr/>
+        </p:nvCxnSpPr>
+        <p:spPr>
+          <a:xfrm flipV="1">
+            <a:off x="843148" y="847712"/>
+            <a:ext cx="4769087" cy="1"/>
+          </a:xfrm>
+          <a:prstGeom prst="line">
+            <a:avLst/>
+          </a:prstGeom>
+          <a:ln w="6350">
+            <a:solidFill>
+              <a:srgbClr val="FF7876"/>
+            </a:solidFill>
+            <a:prstDash val="sysDash"/>
+            <a:tailEnd type="oval"/>
+          </a:ln>
+        </p:spPr>
+        <p:style>
+          <a:lnRef idx="1">
+            <a:schemeClr val="accent1"/>
+          </a:lnRef>
+          <a:fillRef idx="0">
+            <a:schemeClr val="accent1"/>
+          </a:fillRef>
+          <a:effectRef idx="0">
+            <a:schemeClr val="accent1"/>
+          </a:effectRef>
+          <a:fontRef idx="minor">
+            <a:schemeClr val="tx1"/>
+          </a:fontRef>
+        </p:style>
+      </p:cxnSp>
+      <p:cxnSp>
+        <p:nvCxnSpPr>
+          <p:cNvPr id="39" name="직선 연결선 38">
+            <a:extLst>
+              <a:ext uri="{FF2B5EF4-FFF2-40B4-BE49-F238E27FC236}">
+                <a16:creationId xmlns:a16="http://schemas.microsoft.com/office/drawing/2014/main" id="{55EBD739-0979-4546-8E6B-9CA8052FC540}"/>
+              </a:ext>
+            </a:extLst>
+          </p:cNvPr>
+          <p:cNvCxnSpPr>
+            <a:cxnSpLocks/>
+          </p:cNvCxnSpPr>
+          <p:nvPr/>
+        </p:nvCxnSpPr>
+        <p:spPr>
+          <a:xfrm flipH="1">
+            <a:off x="6579767" y="847712"/>
+            <a:ext cx="4692810" cy="0"/>
+          </a:xfrm>
+          <a:prstGeom prst="line">
+            <a:avLst/>
+          </a:prstGeom>
+          <a:ln w="6350">
+            <a:solidFill>
+              <a:srgbClr val="FF7876"/>
+            </a:solidFill>
+            <a:prstDash val="sysDash"/>
+            <a:tailEnd type="oval"/>
+          </a:ln>
+        </p:spPr>
+        <p:style>
+          <a:lnRef idx="1">
+            <a:schemeClr val="accent1"/>
+          </a:lnRef>
+          <a:fillRef idx="0">
+            <a:schemeClr val="accent1"/>
+          </a:fillRef>
+          <a:effectRef idx="0">
+            <a:schemeClr val="accent1"/>
+          </a:effectRef>
+          <a:fontRef idx="minor">
+            <a:schemeClr val="tx1"/>
+          </a:fontRef>
+        </p:style>
+      </p:cxnSp>
+      <p:sp>
+        <p:nvSpPr>
+          <p:cNvPr id="8" name="TextBox 7">
+            <a:extLst>
+              <a:ext uri="{FF2B5EF4-FFF2-40B4-BE49-F238E27FC236}">
+                <a16:creationId xmlns:a16="http://schemas.microsoft.com/office/drawing/2014/main" id="{C18154B9-4F65-4277-8C17-63D9702FC25F}"/>
+              </a:ext>
+            </a:extLst>
+          </p:cNvPr>
+          <p:cNvSpPr txBox="1"/>
+          <p:nvPr/>
+        </p:nvSpPr>
+        <p:spPr>
+          <a:xfrm>
+            <a:off x="765146" y="963122"/>
+            <a:ext cx="10507430" cy="261610"/>
+          </a:xfrm>
+          <a:prstGeom prst="rect">
+            <a:avLst/>
+          </a:prstGeom>
+          <a:noFill/>
+        </p:spPr>
+        <p:txBody>
+          <a:bodyPr wrap="square" rtlCol="0">
+            <a:spAutoFit/>
+          </a:bodyPr>
+          <a:lstStyle/>
+          <a:p>
+            <a:pPr algn="ctr"/>
+            <a:r>
+              <a:rPr lang="ko-KR" altLang="en-US" sz="1100" i="1" dirty="0">
+                <a:solidFill>
+                  <a:srgbClr val="FF7876"/>
+                </a:solidFill>
+              </a:rPr>
+              <a:t>기상청 웹 </a:t>
+            </a:r>
+            <a:r>
+              <a:rPr lang="ko-KR" altLang="en-US" sz="1100" i="1" dirty="0" err="1">
+                <a:solidFill>
+                  <a:srgbClr val="FF7876"/>
+                </a:solidFill>
+              </a:rPr>
+              <a:t>크롤링</a:t>
+            </a:r>
+            <a:r>
+              <a:rPr lang="ko-KR" altLang="en-US" sz="1100" i="1" dirty="0">
+                <a:solidFill>
+                  <a:srgbClr val="FF7876"/>
+                </a:solidFill>
+              </a:rPr>
+              <a:t> 수정 </a:t>
+            </a:r>
+            <a:r>
+              <a:rPr lang="en-US" altLang="ko-KR" sz="1100" i="1" dirty="0">
+                <a:solidFill>
+                  <a:srgbClr val="FF7876"/>
+                </a:solidFill>
+              </a:rPr>
+              <a:t>( </a:t>
+            </a:r>
+            <a:r>
+              <a:rPr lang="ko-KR" altLang="en-US" sz="1100" i="1" dirty="0">
+                <a:solidFill>
+                  <a:srgbClr val="FF7876"/>
+                </a:solidFill>
+              </a:rPr>
+              <a:t>날짜와 시간 추가 </a:t>
+            </a:r>
+            <a:r>
+              <a:rPr lang="en-US" altLang="ko-KR" sz="1100" i="1" dirty="0">
+                <a:solidFill>
+                  <a:srgbClr val="FF7876"/>
+                </a:solidFill>
+              </a:rPr>
+              <a:t>)</a:t>
+            </a:r>
+          </a:p>
+        </p:txBody>
+      </p:sp>
+      <p:sp>
+        <p:nvSpPr>
+          <p:cNvPr id="24" name="TextBox 23">
+            <a:extLst>
+              <a:ext uri="{FF2B5EF4-FFF2-40B4-BE49-F238E27FC236}">
+                <a16:creationId xmlns:a16="http://schemas.microsoft.com/office/drawing/2014/main" id="{0546762F-4C74-BE42-84BA-C6938BA61A8F}"/>
+              </a:ext>
+            </a:extLst>
+          </p:cNvPr>
+          <p:cNvSpPr txBox="1"/>
+          <p:nvPr/>
+        </p:nvSpPr>
+        <p:spPr>
+          <a:xfrm>
+            <a:off x="3781205" y="4723655"/>
+            <a:ext cx="4904720" cy="769441"/>
+          </a:xfrm>
+          <a:prstGeom prst="rect">
+            <a:avLst/>
+          </a:prstGeom>
+          <a:noFill/>
+          <a:ln w="12700">
+            <a:solidFill>
+              <a:srgbClr val="FF7876"/>
+            </a:solidFill>
+          </a:ln>
+        </p:spPr>
+        <p:txBody>
+          <a:bodyPr wrap="square" rtlCol="0">
+            <a:spAutoFit/>
+          </a:bodyPr>
+          <a:lstStyle/>
+          <a:p>
+            <a:pPr algn="ctr"/>
+            <a:r>
+              <a:rPr lang="ko-Kore-KR" altLang="en-US" sz="1100" dirty="0"/>
+              <a:t>기상청 웹 페이지에서</a:t>
+            </a:r>
+            <a:endParaRPr lang="en-US" altLang="ko-Kore-KR" sz="1100" dirty="0"/>
+          </a:p>
+          <a:p>
+            <a:pPr algn="ctr"/>
+            <a:r>
+              <a:rPr lang="ko-Kore-KR" altLang="en-US" sz="1100" dirty="0"/>
+              <a:t>현재 날짜 및 시간대의 정보를 담고있는 </a:t>
+            </a:r>
+            <a:r>
+              <a:rPr lang="en-US" altLang="ko-Kore-KR" sz="1100" dirty="0"/>
+              <a:t>html </a:t>
+            </a:r>
+            <a:r>
+              <a:rPr lang="ko-Kore-KR" altLang="en-US" sz="1100" dirty="0"/>
+              <a:t>태그 정보입니다</a:t>
+            </a:r>
+            <a:r>
+              <a:rPr lang="en-US" altLang="ko-Kore-KR" sz="1100" dirty="0"/>
+              <a:t>.</a:t>
+            </a:r>
+          </a:p>
+          <a:p>
+            <a:pPr algn="ctr"/>
+            <a:r>
+              <a:rPr lang="ko-Kore-KR" altLang="en-US" sz="1100" dirty="0"/>
+              <a:t>해당 정보의 </a:t>
+            </a:r>
+            <a:r>
+              <a:rPr lang="en-US" altLang="ko-Kore-KR" sz="1100" dirty="0"/>
+              <a:t>value</a:t>
+            </a:r>
+            <a:r>
+              <a:rPr lang="ko-Kore-KR" altLang="en-US" sz="1100" dirty="0"/>
+              <a:t>값에서 날짜와 시간대를 추출하여 </a:t>
+            </a:r>
+            <a:r>
+              <a:rPr lang="en-US" altLang="ko-Kore-KR" sz="1100" dirty="0"/>
+              <a:t>split</a:t>
+            </a:r>
+            <a:r>
+              <a:rPr lang="ko-Kore-KR" altLang="en-US" sz="1100" dirty="0"/>
+              <a:t>하면</a:t>
+            </a:r>
+            <a:endParaRPr lang="en-US" altLang="ko-Kore-KR" sz="1100" dirty="0"/>
+          </a:p>
+          <a:p>
+            <a:pPr algn="ctr"/>
+            <a:r>
+              <a:rPr lang="ko-Kore-KR" altLang="en-US" sz="1100" dirty="0"/>
+              <a:t>날짜와 시간정보를 얻을 수 있습니다</a:t>
+            </a:r>
+            <a:r>
+              <a:rPr lang="en-US" altLang="ko-Kore-KR" sz="1100" dirty="0"/>
+              <a:t>.</a:t>
+            </a:r>
+          </a:p>
+        </p:txBody>
+      </p:sp>
+      <p:pic>
+        <p:nvPicPr>
+          <p:cNvPr id="3" name="그림 2">
+            <a:extLst>
+              <a:ext uri="{FF2B5EF4-FFF2-40B4-BE49-F238E27FC236}">
+                <a16:creationId xmlns:a16="http://schemas.microsoft.com/office/drawing/2014/main" id="{B9B23CD7-E7ED-D244-BA53-8C28A6E15681}"/>
+              </a:ext>
+            </a:extLst>
+          </p:cNvPr>
+          <p:cNvPicPr>
+            <a:picLocks noChangeAspect="1"/>
+          </p:cNvPicPr>
+          <p:nvPr/>
+        </p:nvPicPr>
+        <p:blipFill>
+          <a:blip r:embed="rId2"/>
+          <a:stretch>
+            <a:fillRect/>
+          </a:stretch>
+        </p:blipFill>
+        <p:spPr>
+          <a:xfrm>
+            <a:off x="2459517" y="1855660"/>
+            <a:ext cx="7118687" cy="1280339"/>
+          </a:xfrm>
+          <a:prstGeom prst="rect">
+            <a:avLst/>
+          </a:prstGeom>
+        </p:spPr>
+      </p:pic>
+      <p:pic>
+        <p:nvPicPr>
+          <p:cNvPr id="4" name="그림 3">
+            <a:extLst>
+              <a:ext uri="{FF2B5EF4-FFF2-40B4-BE49-F238E27FC236}">
+                <a16:creationId xmlns:a16="http://schemas.microsoft.com/office/drawing/2014/main" id="{6E88C597-310A-6944-AE74-7BD55CBA6679}"/>
+              </a:ext>
+            </a:extLst>
+          </p:cNvPr>
+          <p:cNvPicPr>
+            <a:picLocks noChangeAspect="1"/>
+          </p:cNvPicPr>
+          <p:nvPr/>
+        </p:nvPicPr>
+        <p:blipFill>
+          <a:blip r:embed="rId3"/>
+          <a:stretch>
+            <a:fillRect/>
+          </a:stretch>
+        </p:blipFill>
+        <p:spPr>
+          <a:xfrm>
+            <a:off x="2494710" y="3332715"/>
+            <a:ext cx="6959600" cy="660400"/>
+          </a:xfrm>
+          <a:prstGeom prst="rect">
+            <a:avLst/>
+          </a:prstGeom>
+        </p:spPr>
+      </p:pic>
+    </p:spTree>
+    <p:extLst>
+      <p:ext uri="{BB962C8B-B14F-4D97-AF65-F5344CB8AC3E}">
+        <p14:creationId xmlns:p14="http://schemas.microsoft.com/office/powerpoint/2010/main" val="2411352981"/>
+      </p:ext>
+    </p:extLst>
+  </p:cSld>
+  <p:clrMapOvr>
+    <a:masterClrMapping/>
+  </p:clrMapOvr>
+</p:sld>
+</file>
+
+<file path=ppt/slides/slide6.xml><?xml version="1.0" encoding="utf-8"?>
+<p:sld xmlns:a="http://schemas.openxmlformats.org/drawingml/2006/main" xmlns:r="http://schemas.openxmlformats.org/officeDocument/2006/relationships" xmlns:p="http://schemas.openxmlformats.org/presentationml/2006/main">
+  <p:cSld>
+    <p:spTree>
+      <p:nvGrpSpPr>
+        <p:cNvPr id="1" name=""/>
+        <p:cNvGrpSpPr/>
+        <p:nvPr/>
+      </p:nvGrpSpPr>
+      <p:grpSpPr>
+        <a:xfrm>
+          <a:off x="0" y="0"/>
+          <a:ext cx="0" cy="0"/>
+          <a:chOff x="0" y="0"/>
+          <a:chExt cx="0" cy="0"/>
+        </a:xfrm>
+      </p:grpSpPr>
+      <p:sp>
+        <p:nvSpPr>
+          <p:cNvPr id="37" name="직사각형 36">
+            <a:extLst>
+              <a:ext uri="{FF2B5EF4-FFF2-40B4-BE49-F238E27FC236}">
+                <a16:creationId xmlns:a16="http://schemas.microsoft.com/office/drawing/2014/main" id="{3F15C60C-17FE-422D-AFCF-73C75A021362}"/>
+              </a:ext>
+            </a:extLst>
+          </p:cNvPr>
+          <p:cNvSpPr/>
+          <p:nvPr/>
+        </p:nvSpPr>
+        <p:spPr>
+          <a:xfrm>
+            <a:off x="3697172" y="332194"/>
+            <a:ext cx="4713765" cy="735842"/>
+          </a:xfrm>
+          <a:prstGeom prst="rect">
+            <a:avLst/>
+          </a:prstGeom>
+        </p:spPr>
+        <p:txBody>
+          <a:bodyPr wrap="square">
+            <a:spAutoFit/>
+          </a:bodyPr>
+          <a:lstStyle/>
+          <a:p>
+            <a:pPr algn="ctr" latinLnBrk="0">
+              <a:lnSpc>
+                <a:spcPct val="150000"/>
+              </a:lnSpc>
+              <a:defRPr/>
+            </a:pPr>
+            <a:r>
+              <a:rPr lang="en-US" altLang="ko-KR" sz="3200" b="1" i="1" kern="0" dirty="0">
+                <a:solidFill>
+                  <a:srgbClr val="FF7876"/>
+                </a:solidFill>
+              </a:rPr>
+              <a:t>2</a:t>
+            </a:r>
+          </a:p>
+        </p:txBody>
+      </p:sp>
+      <p:cxnSp>
+        <p:nvCxnSpPr>
+          <p:cNvPr id="38" name="직선 연결선 37">
+            <a:extLst>
+              <a:ext uri="{FF2B5EF4-FFF2-40B4-BE49-F238E27FC236}">
+                <a16:creationId xmlns:a16="http://schemas.microsoft.com/office/drawing/2014/main" id="{940134F4-F272-426A-B50B-8075427DF501}"/>
+              </a:ext>
+            </a:extLst>
+          </p:cNvPr>
+          <p:cNvCxnSpPr>
+            <a:cxnSpLocks/>
+          </p:cNvCxnSpPr>
+          <p:nvPr/>
+        </p:nvCxnSpPr>
+        <p:spPr>
+          <a:xfrm flipV="1">
+            <a:off x="843148" y="847712"/>
+            <a:ext cx="4769087" cy="1"/>
+          </a:xfrm>
+          <a:prstGeom prst="line">
+            <a:avLst/>
+          </a:prstGeom>
+          <a:ln w="6350">
+            <a:solidFill>
+              <a:srgbClr val="FF7876"/>
+            </a:solidFill>
+            <a:prstDash val="sysDash"/>
+            <a:tailEnd type="oval"/>
+          </a:ln>
+        </p:spPr>
+        <p:style>
+          <a:lnRef idx="1">
+            <a:schemeClr val="accent1"/>
+          </a:lnRef>
+          <a:fillRef idx="0">
+            <a:schemeClr val="accent1"/>
+          </a:fillRef>
+          <a:effectRef idx="0">
+            <a:schemeClr val="accent1"/>
+          </a:effectRef>
+          <a:fontRef idx="minor">
+            <a:schemeClr val="tx1"/>
+          </a:fontRef>
+        </p:style>
+      </p:cxnSp>
+      <p:cxnSp>
+        <p:nvCxnSpPr>
+          <p:cNvPr id="39" name="직선 연결선 38">
+            <a:extLst>
+              <a:ext uri="{FF2B5EF4-FFF2-40B4-BE49-F238E27FC236}">
+                <a16:creationId xmlns:a16="http://schemas.microsoft.com/office/drawing/2014/main" id="{55EBD739-0979-4546-8E6B-9CA8052FC540}"/>
+              </a:ext>
+            </a:extLst>
+          </p:cNvPr>
+          <p:cNvCxnSpPr>
+            <a:cxnSpLocks/>
+          </p:cNvCxnSpPr>
+          <p:nvPr/>
+        </p:nvCxnSpPr>
+        <p:spPr>
+          <a:xfrm flipH="1">
+            <a:off x="6579767" y="847712"/>
+            <a:ext cx="4692810" cy="0"/>
+          </a:xfrm>
+          <a:prstGeom prst="line">
+            <a:avLst/>
+          </a:prstGeom>
+          <a:ln w="6350">
+            <a:solidFill>
+              <a:srgbClr val="FF7876"/>
+            </a:solidFill>
+            <a:prstDash val="sysDash"/>
+            <a:tailEnd type="oval"/>
+          </a:ln>
+        </p:spPr>
+        <p:style>
+          <a:lnRef idx="1">
+            <a:schemeClr val="accent1"/>
+          </a:lnRef>
+          <a:fillRef idx="0">
+            <a:schemeClr val="accent1"/>
+          </a:fillRef>
+          <a:effectRef idx="0">
+            <a:schemeClr val="accent1"/>
+          </a:effectRef>
+          <a:fontRef idx="minor">
+            <a:schemeClr val="tx1"/>
+          </a:fontRef>
+        </p:style>
+      </p:cxnSp>
+      <p:sp>
+        <p:nvSpPr>
+          <p:cNvPr id="8" name="TextBox 7">
+            <a:extLst>
+              <a:ext uri="{FF2B5EF4-FFF2-40B4-BE49-F238E27FC236}">
+                <a16:creationId xmlns:a16="http://schemas.microsoft.com/office/drawing/2014/main" id="{C18154B9-4F65-4277-8C17-63D9702FC25F}"/>
+              </a:ext>
+            </a:extLst>
+          </p:cNvPr>
+          <p:cNvSpPr txBox="1"/>
+          <p:nvPr/>
+        </p:nvSpPr>
+        <p:spPr>
+          <a:xfrm>
+            <a:off x="765146" y="963122"/>
+            <a:ext cx="10507430" cy="261610"/>
+          </a:xfrm>
+          <a:prstGeom prst="rect">
+            <a:avLst/>
+          </a:prstGeom>
+          <a:noFill/>
+        </p:spPr>
+        <p:txBody>
+          <a:bodyPr wrap="square" rtlCol="0">
+            <a:spAutoFit/>
+          </a:bodyPr>
+          <a:lstStyle/>
+          <a:p>
+            <a:pPr algn="ctr"/>
+            <a:r>
+              <a:rPr lang="ko-KR" altLang="en-US" sz="1100" i="1" dirty="0">
+                <a:solidFill>
+                  <a:srgbClr val="FF7876"/>
+                </a:solidFill>
+              </a:rPr>
+              <a:t>기상청 웹 </a:t>
+            </a:r>
+            <a:r>
+              <a:rPr lang="ko-KR" altLang="en-US" sz="1100" i="1" dirty="0" err="1">
+                <a:solidFill>
+                  <a:srgbClr val="FF7876"/>
+                </a:solidFill>
+              </a:rPr>
+              <a:t>크롤링</a:t>
+            </a:r>
+            <a:r>
+              <a:rPr lang="ko-KR" altLang="en-US" sz="1100" i="1" dirty="0">
+                <a:solidFill>
+                  <a:srgbClr val="FF7876"/>
+                </a:solidFill>
+              </a:rPr>
+              <a:t> 수정 </a:t>
+            </a:r>
+            <a:r>
+              <a:rPr lang="en-US" altLang="ko-KR" sz="1100" i="1" dirty="0">
+                <a:solidFill>
+                  <a:srgbClr val="FF7876"/>
+                </a:solidFill>
+              </a:rPr>
+              <a:t>( </a:t>
+            </a:r>
+            <a:r>
+              <a:rPr lang="ko-KR" altLang="en-US" sz="1100" i="1" dirty="0">
+                <a:solidFill>
+                  <a:srgbClr val="FF7876"/>
+                </a:solidFill>
+              </a:rPr>
+              <a:t>날짜와 시간 추가 </a:t>
+            </a:r>
+            <a:r>
+              <a:rPr lang="en-US" altLang="ko-KR" sz="1100" i="1" dirty="0">
+                <a:solidFill>
+                  <a:srgbClr val="FF7876"/>
+                </a:solidFill>
+              </a:rPr>
+              <a:t>)</a:t>
+            </a:r>
+          </a:p>
+        </p:txBody>
+      </p:sp>
+      <p:sp>
+        <p:nvSpPr>
+          <p:cNvPr id="24" name="TextBox 23">
+            <a:extLst>
+              <a:ext uri="{FF2B5EF4-FFF2-40B4-BE49-F238E27FC236}">
+                <a16:creationId xmlns:a16="http://schemas.microsoft.com/office/drawing/2014/main" id="{0546762F-4C74-BE42-84BA-C6938BA61A8F}"/>
+              </a:ext>
+            </a:extLst>
+          </p:cNvPr>
+          <p:cNvSpPr txBox="1"/>
+          <p:nvPr/>
+        </p:nvSpPr>
+        <p:spPr>
+          <a:xfrm>
+            <a:off x="2645859" y="4571425"/>
+            <a:ext cx="6900282" cy="1954381"/>
+          </a:xfrm>
+          <a:prstGeom prst="rect">
+            <a:avLst/>
+          </a:prstGeom>
+          <a:noFill/>
+          <a:ln w="12700">
+            <a:solidFill>
+              <a:srgbClr val="FF7876"/>
+            </a:solidFill>
+          </a:ln>
+        </p:spPr>
+        <p:txBody>
+          <a:bodyPr wrap="square" rtlCol="0">
+            <a:spAutoFit/>
+          </a:bodyPr>
+          <a:lstStyle/>
+          <a:p>
+            <a:pPr algn="ctr"/>
+            <a:r>
+              <a:rPr lang="ko-Kore-KR" altLang="en-US" sz="1100" dirty="0"/>
+              <a:t>해당 태그에 맞게 검색조건을 </a:t>
+            </a:r>
+            <a:r>
+              <a:rPr lang="en-US" altLang="ko-Kore-KR" sz="1100" dirty="0"/>
+              <a:t>input</a:t>
+            </a:r>
+            <a:r>
+              <a:rPr lang="ko-Kore-KR" altLang="en-US" sz="1100" dirty="0"/>
+              <a:t>형식의 태그에서</a:t>
+            </a:r>
+            <a:endParaRPr lang="en-US" altLang="ko-Kore-KR" sz="1100" dirty="0"/>
+          </a:p>
+          <a:p>
+            <a:pPr algn="ctr"/>
+            <a:r>
+              <a:rPr lang="en-US" altLang="ko-Kore-KR" sz="1100" dirty="0"/>
+              <a:t>id</a:t>
+            </a:r>
+            <a:r>
+              <a:rPr lang="ko-Kore-KR" altLang="en-US" sz="1100" dirty="0"/>
+              <a:t>가 </a:t>
+            </a:r>
+            <a:r>
+              <a:rPr lang="en-US" altLang="ko-Kore-KR" sz="1100" dirty="0" err="1"/>
+              <a:t>observation_text</a:t>
+            </a:r>
+            <a:r>
+              <a:rPr lang="ko-Kore-KR" altLang="en-US" sz="1100" dirty="0"/>
+              <a:t>인것을 검색한 모습과</a:t>
+            </a:r>
+            <a:endParaRPr lang="en-US" altLang="ko-Kore-KR" sz="1100" dirty="0"/>
+          </a:p>
+          <a:p>
+            <a:pPr algn="ctr"/>
+            <a:r>
+              <a:rPr lang="ko-Kore-KR" altLang="en-US" sz="1100" dirty="0"/>
+              <a:t>해당 검색 내용에서 </a:t>
+            </a:r>
+            <a:r>
+              <a:rPr lang="en-US" altLang="ko-Kore-KR" sz="1100" dirty="0"/>
+              <a:t>value</a:t>
+            </a:r>
+            <a:r>
+              <a:rPr lang="ko-Kore-KR" altLang="en-US" sz="1100" dirty="0"/>
+              <a:t>의 값을 추출하여</a:t>
+            </a:r>
+            <a:endParaRPr lang="en-US" altLang="ko-Kore-KR" sz="1100" dirty="0"/>
+          </a:p>
+          <a:p>
+            <a:pPr algn="ctr"/>
+            <a:r>
+              <a:rPr lang="ko-Kore-KR" altLang="en-US" sz="1100" dirty="0"/>
+              <a:t>온점</a:t>
+            </a:r>
+            <a:r>
+              <a:rPr lang="en-US" altLang="ko-Kore-KR" sz="1100" dirty="0"/>
+              <a:t>(</a:t>
+            </a:r>
+            <a:r>
+              <a:rPr lang="en-US" altLang="ko-KR" sz="1100" dirty="0"/>
+              <a:t>.)</a:t>
+            </a:r>
+            <a:r>
+              <a:rPr lang="ko-KR" altLang="en-US" sz="1100" dirty="0"/>
+              <a:t>을 기준으로 </a:t>
+            </a:r>
+            <a:r>
+              <a:rPr lang="ko-KR" altLang="en-US" sz="1100" dirty="0" err="1"/>
+              <a:t>스플릿한</a:t>
+            </a:r>
+            <a:r>
+              <a:rPr lang="ko-KR" altLang="en-US" sz="1100" dirty="0"/>
+              <a:t> 데이터의 모습입니다</a:t>
+            </a:r>
+            <a:r>
+              <a:rPr lang="en-US" altLang="ko-KR" sz="1100" dirty="0"/>
+              <a:t>.</a:t>
+            </a:r>
+          </a:p>
+          <a:p>
+            <a:pPr algn="ctr"/>
+            <a:endParaRPr lang="en-US" altLang="ko-Kore-KR" sz="1100" dirty="0"/>
+          </a:p>
+          <a:p>
+            <a:pPr algn="ctr"/>
+            <a:r>
+              <a:rPr lang="ko-Kore-KR" altLang="en-US" sz="1100" dirty="0"/>
+              <a:t>처음 검색에서 온점을 기준으로 년월일시가 구분되는것을</a:t>
+            </a:r>
+            <a:endParaRPr lang="en-US" altLang="ko-Kore-KR" sz="1100" dirty="0"/>
+          </a:p>
+          <a:p>
+            <a:pPr algn="ctr"/>
+            <a:r>
+              <a:rPr lang="ko-Kore-KR" altLang="en-US" sz="1100" dirty="0"/>
+              <a:t>확인하여 스플릿후 구분하게 하였습니다</a:t>
+            </a:r>
+            <a:r>
+              <a:rPr lang="en-US" altLang="ko-Kore-KR" sz="1100" dirty="0"/>
+              <a:t>.</a:t>
+            </a:r>
+          </a:p>
+          <a:p>
+            <a:pPr algn="ctr"/>
+            <a:endParaRPr lang="en-US" altLang="ko-Kore-KR" sz="1100" dirty="0"/>
+          </a:p>
+          <a:p>
+            <a:pPr algn="ctr"/>
+            <a:r>
+              <a:rPr lang="ko-Kore-KR" altLang="en-US" sz="1100" dirty="0"/>
+              <a:t>다음 시와 분을 분리하기위해 콜론</a:t>
+            </a:r>
+            <a:r>
+              <a:rPr lang="en-US" altLang="ko-Kore-KR" sz="1100" dirty="0"/>
+              <a:t>(</a:t>
+            </a:r>
+            <a:r>
+              <a:rPr lang="en-US" altLang="ko-KR" sz="1100" dirty="0">
+                <a:sym typeface="Wingdings" pitchFamily="2" charset="2"/>
+              </a:rPr>
+              <a:t>:)</a:t>
+            </a:r>
+            <a:r>
+              <a:rPr lang="ko-Kore-KR" altLang="en-US" sz="1100" dirty="0"/>
+              <a:t>을 기준으로</a:t>
+            </a:r>
+            <a:endParaRPr lang="en-US" altLang="ko-Kore-KR" sz="1100" dirty="0"/>
+          </a:p>
+          <a:p>
+            <a:pPr algn="ctr"/>
+            <a:r>
+              <a:rPr lang="ko-Kore-KR" altLang="en-US" sz="1100" dirty="0"/>
+              <a:t>콤마로 분리된 마지막 요소를 팝시켜준것에서 한번더 스플릿 해주었습니다</a:t>
+            </a:r>
+            <a:r>
+              <a:rPr lang="en-US" altLang="ko-Kore-KR" sz="1100" dirty="0"/>
+              <a:t>.</a:t>
+            </a:r>
+          </a:p>
+          <a:p>
+            <a:pPr algn="ctr"/>
+            <a:r>
+              <a:rPr lang="ko-Kore-KR" altLang="en-US" sz="1100" dirty="0"/>
+              <a:t>이후 </a:t>
+            </a:r>
+            <a:r>
+              <a:rPr lang="en-US" altLang="ko-Kore-KR" sz="1100" dirty="0" err="1"/>
+              <a:t>data_spl</a:t>
+            </a:r>
+            <a:r>
+              <a:rPr lang="ko-Kore-KR" altLang="en-US" sz="1100" dirty="0"/>
+              <a:t>에 스플릿한 요소들을 모두 저장시켜준 모습입니다</a:t>
+            </a:r>
+            <a:r>
+              <a:rPr lang="en-US" altLang="ko-Kore-KR" sz="1100" dirty="0"/>
+              <a:t>.</a:t>
+            </a:r>
+          </a:p>
+        </p:txBody>
+      </p:sp>
+      <p:pic>
+        <p:nvPicPr>
+          <p:cNvPr id="3" name="그림 2">
+            <a:extLst>
+              <a:ext uri="{FF2B5EF4-FFF2-40B4-BE49-F238E27FC236}">
+                <a16:creationId xmlns:a16="http://schemas.microsoft.com/office/drawing/2014/main" id="{1CB98791-D284-FF41-87C9-1A39CC27B43A}"/>
+              </a:ext>
+            </a:extLst>
+          </p:cNvPr>
+          <p:cNvPicPr>
+            <a:picLocks noChangeAspect="1"/>
+          </p:cNvPicPr>
+          <p:nvPr/>
+        </p:nvPicPr>
+        <p:blipFill>
+          <a:blip r:embed="rId2"/>
+          <a:stretch>
+            <a:fillRect/>
+          </a:stretch>
+        </p:blipFill>
+        <p:spPr>
+          <a:xfrm>
+            <a:off x="2448009" y="1583554"/>
+            <a:ext cx="6972300" cy="2679700"/>
+          </a:xfrm>
+          <a:prstGeom prst="rect">
+            <a:avLst/>
+          </a:prstGeom>
+        </p:spPr>
+      </p:pic>
+    </p:spTree>
+    <p:extLst>
+      <p:ext uri="{BB962C8B-B14F-4D97-AF65-F5344CB8AC3E}">
+        <p14:creationId xmlns:p14="http://schemas.microsoft.com/office/powerpoint/2010/main" val="3354257532"/>
+      </p:ext>
+    </p:extLst>
+  </p:cSld>
+  <p:clrMapOvr>
+    <a:masterClrMapping/>
+  </p:clrMapOvr>
+</p:sld>
+</file>
+
+<file path=ppt/slides/slide7.xml><?xml version="1.0" encoding="utf-8"?>
+<p:sld xmlns:a="http://schemas.openxmlformats.org/drawingml/2006/main" xmlns:r="http://schemas.openxmlformats.org/officeDocument/2006/relationships" xmlns:p="http://schemas.openxmlformats.org/presentationml/2006/main">
+  <p:cSld>
+    <p:spTree>
+      <p:nvGrpSpPr>
+        <p:cNvPr id="1" name=""/>
+        <p:cNvGrpSpPr/>
+        <p:nvPr/>
+      </p:nvGrpSpPr>
+      <p:grpSpPr>
+        <a:xfrm>
+          <a:off x="0" y="0"/>
+          <a:ext cx="0" cy="0"/>
+          <a:chOff x="0" y="0"/>
+          <a:chExt cx="0" cy="0"/>
+        </a:xfrm>
+      </p:grpSpPr>
+      <p:sp>
+        <p:nvSpPr>
+          <p:cNvPr id="37" name="직사각형 36">
+            <a:extLst>
+              <a:ext uri="{FF2B5EF4-FFF2-40B4-BE49-F238E27FC236}">
+                <a16:creationId xmlns:a16="http://schemas.microsoft.com/office/drawing/2014/main" id="{3F15C60C-17FE-422D-AFCF-73C75A021362}"/>
+              </a:ext>
+            </a:extLst>
+          </p:cNvPr>
+          <p:cNvSpPr/>
+          <p:nvPr/>
+        </p:nvSpPr>
+        <p:spPr>
+          <a:xfrm>
+            <a:off x="3697172" y="332194"/>
+            <a:ext cx="4713765" cy="735842"/>
+          </a:xfrm>
+          <a:prstGeom prst="rect">
+            <a:avLst/>
+          </a:prstGeom>
+        </p:spPr>
+        <p:txBody>
+          <a:bodyPr wrap="square">
+            <a:spAutoFit/>
+          </a:bodyPr>
+          <a:lstStyle/>
+          <a:p>
+            <a:pPr algn="ctr" latinLnBrk="0">
+              <a:lnSpc>
+                <a:spcPct val="150000"/>
+              </a:lnSpc>
+              <a:defRPr/>
+            </a:pPr>
+            <a:r>
+              <a:rPr lang="en-US" altLang="ko-KR" sz="3200" b="1" i="1" kern="0" dirty="0">
+                <a:solidFill>
+                  <a:srgbClr val="FF7876"/>
+                </a:solidFill>
+              </a:rPr>
+              <a:t>2</a:t>
+            </a:r>
+          </a:p>
+        </p:txBody>
+      </p:sp>
+      <p:cxnSp>
+        <p:nvCxnSpPr>
+          <p:cNvPr id="38" name="직선 연결선 37">
+            <a:extLst>
+              <a:ext uri="{FF2B5EF4-FFF2-40B4-BE49-F238E27FC236}">
+                <a16:creationId xmlns:a16="http://schemas.microsoft.com/office/drawing/2014/main" id="{940134F4-F272-426A-B50B-8075427DF501}"/>
+              </a:ext>
+            </a:extLst>
+          </p:cNvPr>
+          <p:cNvCxnSpPr>
+            <a:cxnSpLocks/>
+          </p:cNvCxnSpPr>
+          <p:nvPr/>
+        </p:nvCxnSpPr>
+        <p:spPr>
+          <a:xfrm flipV="1">
+            <a:off x="843148" y="847712"/>
+            <a:ext cx="4769087" cy="1"/>
+          </a:xfrm>
+          <a:prstGeom prst="line">
+            <a:avLst/>
+          </a:prstGeom>
+          <a:ln w="6350">
+            <a:solidFill>
+              <a:srgbClr val="FF7876"/>
+            </a:solidFill>
+            <a:prstDash val="sysDash"/>
+            <a:tailEnd type="oval"/>
+          </a:ln>
+        </p:spPr>
+        <p:style>
+          <a:lnRef idx="1">
+            <a:schemeClr val="accent1"/>
+          </a:lnRef>
+          <a:fillRef idx="0">
+            <a:schemeClr val="accent1"/>
+          </a:fillRef>
+          <a:effectRef idx="0">
+            <a:schemeClr val="accent1"/>
+          </a:effectRef>
+          <a:fontRef idx="minor">
+            <a:schemeClr val="tx1"/>
+          </a:fontRef>
+        </p:style>
+      </p:cxnSp>
+      <p:cxnSp>
+        <p:nvCxnSpPr>
+          <p:cNvPr id="39" name="직선 연결선 38">
+            <a:extLst>
+              <a:ext uri="{FF2B5EF4-FFF2-40B4-BE49-F238E27FC236}">
+                <a16:creationId xmlns:a16="http://schemas.microsoft.com/office/drawing/2014/main" id="{55EBD739-0979-4546-8E6B-9CA8052FC540}"/>
+              </a:ext>
+            </a:extLst>
+          </p:cNvPr>
+          <p:cNvCxnSpPr>
+            <a:cxnSpLocks/>
+          </p:cNvCxnSpPr>
+          <p:nvPr/>
+        </p:nvCxnSpPr>
+        <p:spPr>
+          <a:xfrm flipH="1">
+            <a:off x="6579767" y="847712"/>
+            <a:ext cx="4692810" cy="0"/>
+          </a:xfrm>
+          <a:prstGeom prst="line">
+            <a:avLst/>
+          </a:prstGeom>
+          <a:ln w="6350">
+            <a:solidFill>
+              <a:srgbClr val="FF7876"/>
+            </a:solidFill>
+            <a:prstDash val="sysDash"/>
+            <a:tailEnd type="oval"/>
+          </a:ln>
+        </p:spPr>
+        <p:style>
+          <a:lnRef idx="1">
+            <a:schemeClr val="accent1"/>
+          </a:lnRef>
+          <a:fillRef idx="0">
+            <a:schemeClr val="accent1"/>
+          </a:fillRef>
+          <a:effectRef idx="0">
+            <a:schemeClr val="accent1"/>
+          </a:effectRef>
+          <a:fontRef idx="minor">
+            <a:schemeClr val="tx1"/>
+          </a:fontRef>
+        </p:style>
+      </p:cxnSp>
+      <p:sp>
+        <p:nvSpPr>
+          <p:cNvPr id="8" name="TextBox 7">
+            <a:extLst>
+              <a:ext uri="{FF2B5EF4-FFF2-40B4-BE49-F238E27FC236}">
+                <a16:creationId xmlns:a16="http://schemas.microsoft.com/office/drawing/2014/main" id="{C18154B9-4F65-4277-8C17-63D9702FC25F}"/>
+              </a:ext>
+            </a:extLst>
+          </p:cNvPr>
+          <p:cNvSpPr txBox="1"/>
+          <p:nvPr/>
+        </p:nvSpPr>
+        <p:spPr>
+          <a:xfrm>
+            <a:off x="765146" y="963122"/>
+            <a:ext cx="10507430" cy="261610"/>
+          </a:xfrm>
+          <a:prstGeom prst="rect">
+            <a:avLst/>
+          </a:prstGeom>
+          <a:noFill/>
+        </p:spPr>
+        <p:txBody>
+          <a:bodyPr wrap="square" rtlCol="0">
+            <a:spAutoFit/>
+          </a:bodyPr>
+          <a:lstStyle/>
+          <a:p>
+            <a:pPr algn="ctr"/>
+            <a:r>
+              <a:rPr lang="ko-KR" altLang="en-US" sz="1100" i="1" dirty="0">
+                <a:solidFill>
+                  <a:srgbClr val="FF7876"/>
+                </a:solidFill>
+              </a:rPr>
+              <a:t>기상청 웹 </a:t>
+            </a:r>
+            <a:r>
+              <a:rPr lang="ko-KR" altLang="en-US" sz="1100" i="1" dirty="0" err="1">
+                <a:solidFill>
+                  <a:srgbClr val="FF7876"/>
+                </a:solidFill>
+              </a:rPr>
+              <a:t>크롤링</a:t>
+            </a:r>
+            <a:r>
+              <a:rPr lang="ko-KR" altLang="en-US" sz="1100" i="1" dirty="0">
+                <a:solidFill>
+                  <a:srgbClr val="FF7876"/>
+                </a:solidFill>
+              </a:rPr>
+              <a:t> 수정 </a:t>
+            </a:r>
+            <a:r>
+              <a:rPr lang="en-US" altLang="ko-KR" sz="1100" i="1" dirty="0">
+                <a:solidFill>
+                  <a:srgbClr val="FF7876"/>
+                </a:solidFill>
+              </a:rPr>
+              <a:t>( </a:t>
+            </a:r>
+            <a:r>
+              <a:rPr lang="ko-KR" altLang="en-US" sz="1100" i="1" dirty="0">
+                <a:solidFill>
+                  <a:srgbClr val="FF7876"/>
+                </a:solidFill>
+              </a:rPr>
+              <a:t>날짜와 시간 추가 </a:t>
+            </a:r>
+            <a:r>
+              <a:rPr lang="en-US" altLang="ko-KR" sz="1100" i="1" dirty="0">
+                <a:solidFill>
+                  <a:srgbClr val="FF7876"/>
+                </a:solidFill>
+              </a:rPr>
+              <a:t>)</a:t>
+            </a:r>
+          </a:p>
+        </p:txBody>
+      </p:sp>
+      <p:sp>
+        <p:nvSpPr>
+          <p:cNvPr id="24" name="TextBox 23">
+            <a:extLst>
+              <a:ext uri="{FF2B5EF4-FFF2-40B4-BE49-F238E27FC236}">
+                <a16:creationId xmlns:a16="http://schemas.microsoft.com/office/drawing/2014/main" id="{0546762F-4C74-BE42-84BA-C6938BA61A8F}"/>
+              </a:ext>
+            </a:extLst>
+          </p:cNvPr>
+          <p:cNvSpPr txBox="1"/>
+          <p:nvPr/>
+        </p:nvSpPr>
+        <p:spPr>
+          <a:xfrm>
+            <a:off x="2654187" y="5826265"/>
+            <a:ext cx="6891953" cy="769441"/>
+          </a:xfrm>
+          <a:prstGeom prst="rect">
+            <a:avLst/>
+          </a:prstGeom>
+          <a:noFill/>
+          <a:ln w="12700">
+            <a:solidFill>
+              <a:srgbClr val="FF7876"/>
+            </a:solidFill>
+          </a:ln>
+        </p:spPr>
+        <p:txBody>
+          <a:bodyPr wrap="square" rtlCol="0">
+            <a:spAutoFit/>
+          </a:bodyPr>
+          <a:lstStyle/>
+          <a:p>
+            <a:pPr algn="ctr"/>
+            <a:r>
+              <a:rPr lang="ko-Kore-KR" altLang="en-US" sz="1100" dirty="0"/>
+              <a:t>이후 해당 내용들을 종합하여</a:t>
+            </a:r>
+            <a:endParaRPr lang="en-US" altLang="ko-Kore-KR" sz="1100" dirty="0"/>
+          </a:p>
+          <a:p>
+            <a:pPr algn="ctr"/>
+            <a:r>
+              <a:rPr lang="en-US" altLang="ko-Kore-KR" sz="1100" dirty="0" err="1"/>
+              <a:t>weather.csv</a:t>
+            </a:r>
+            <a:r>
+              <a:rPr lang="en-US" altLang="ko-Kore-KR" sz="1100" dirty="0"/>
+              <a:t> </a:t>
+            </a:r>
+            <a:r>
+              <a:rPr lang="ko-Kore-KR" altLang="en-US" sz="1100" dirty="0"/>
+              <a:t>첫줄에 현재날짜와 시간대를 기입하여</a:t>
+            </a:r>
+            <a:endParaRPr lang="en-US" altLang="ko-Kore-KR" sz="1100" dirty="0"/>
+          </a:p>
+          <a:p>
+            <a:pPr algn="ctr"/>
+            <a:r>
+              <a:rPr lang="ko-Kore-KR" altLang="en-US" sz="1100" dirty="0"/>
+              <a:t>출력하도록 구성하였습니다</a:t>
+            </a:r>
+            <a:r>
+              <a:rPr lang="en-US" altLang="ko-Kore-KR" sz="1100" dirty="0"/>
+              <a:t>.</a:t>
+            </a:r>
+          </a:p>
+          <a:p>
+            <a:pPr algn="ctr"/>
+            <a:r>
+              <a:rPr lang="ko-Kore-KR" altLang="en-US" sz="1100" dirty="0"/>
+              <a:t>실행결과 정상적으로 작동되는것을 볼 수 있습니다</a:t>
+            </a:r>
+            <a:r>
+              <a:rPr lang="en-US" altLang="ko-Kore-KR" sz="1100" dirty="0"/>
+              <a:t>.</a:t>
+            </a:r>
+          </a:p>
+        </p:txBody>
+      </p:sp>
+      <p:pic>
+        <p:nvPicPr>
+          <p:cNvPr id="2" name="그림 1">
+            <a:extLst>
+              <a:ext uri="{FF2B5EF4-FFF2-40B4-BE49-F238E27FC236}">
+                <a16:creationId xmlns:a16="http://schemas.microsoft.com/office/drawing/2014/main" id="{58865719-230A-3448-9812-272448D88A54}"/>
+              </a:ext>
+            </a:extLst>
+          </p:cNvPr>
+          <p:cNvPicPr>
+            <a:picLocks noChangeAspect="1"/>
+          </p:cNvPicPr>
+          <p:nvPr/>
+        </p:nvPicPr>
+        <p:blipFill>
+          <a:blip r:embed="rId2"/>
+          <a:stretch>
+            <a:fillRect/>
+          </a:stretch>
+        </p:blipFill>
+        <p:spPr>
+          <a:xfrm>
+            <a:off x="344453" y="1340141"/>
+            <a:ext cx="5751547" cy="4045624"/>
+          </a:xfrm>
+          <a:prstGeom prst="rect">
+            <a:avLst/>
+          </a:prstGeom>
+        </p:spPr>
+      </p:pic>
+      <p:pic>
+        <p:nvPicPr>
+          <p:cNvPr id="4" name="그림 3">
+            <a:extLst>
+              <a:ext uri="{FF2B5EF4-FFF2-40B4-BE49-F238E27FC236}">
+                <a16:creationId xmlns:a16="http://schemas.microsoft.com/office/drawing/2014/main" id="{759A2380-5EA9-9C4B-9740-A555AA7C951C}"/>
+              </a:ext>
+            </a:extLst>
+          </p:cNvPr>
+          <p:cNvPicPr>
+            <a:picLocks noChangeAspect="1"/>
+          </p:cNvPicPr>
+          <p:nvPr/>
+        </p:nvPicPr>
+        <p:blipFill>
+          <a:blip r:embed="rId3"/>
+          <a:stretch>
+            <a:fillRect/>
+          </a:stretch>
+        </p:blipFill>
+        <p:spPr>
+          <a:xfrm>
+            <a:off x="6476607" y="1475307"/>
+            <a:ext cx="5016500" cy="3327400"/>
+          </a:xfrm>
+          <a:prstGeom prst="rect">
+            <a:avLst/>
+          </a:prstGeom>
+        </p:spPr>
+      </p:pic>
+    </p:spTree>
+    <p:extLst>
+      <p:ext uri="{BB962C8B-B14F-4D97-AF65-F5344CB8AC3E}">
+        <p14:creationId xmlns:p14="http://schemas.microsoft.com/office/powerpoint/2010/main" val="3952883696"/>
+      </p:ext>
+    </p:extLst>
+  </p:cSld>
+  <p:clrMapOvr>
+    <a:masterClrMapping/>
+  </p:clrMapOvr>
+</p:sld>
+</file>
+
+<file path=ppt/slides/slide8.xml><?xml version="1.0" encoding="utf-8"?>
 <p:sld xmlns:a="http://schemas.openxmlformats.org/drawingml/2006/main" xmlns:r="http://schemas.openxmlformats.org/officeDocument/2006/relationships" xmlns:p="http://schemas.openxmlformats.org/presentationml/2006/main">
   <p:cSld>
     <p:spTree>

--- a/3장/20164091-송희령-3주차 과제.pptx
+++ b/3장/20164091-송희령-3주차 과제.pptx
@@ -12,7 +12,12 @@
     <p:sldId id="309" r:id="rId6"/>
     <p:sldId id="311" r:id="rId7"/>
     <p:sldId id="312" r:id="rId8"/>
-    <p:sldId id="258" r:id="rId9"/>
+    <p:sldId id="313" r:id="rId9"/>
+    <p:sldId id="314" r:id="rId10"/>
+    <p:sldId id="315" r:id="rId11"/>
+    <p:sldId id="316" r:id="rId12"/>
+    <p:sldId id="317" r:id="rId13"/>
+    <p:sldId id="258" r:id="rId14"/>
   </p:sldIdLst>
   <p:sldSz cx="12192000" cy="6858000"/>
   <p:notesSz cx="6858000" cy="9144000"/>
@@ -4114,6 +4119,2165 @@
 </p:sld>
 </file>
 
+<file path=ppt/slides/slide10.xml><?xml version="1.0" encoding="utf-8"?>
+<p:sld xmlns:a="http://schemas.openxmlformats.org/drawingml/2006/main" xmlns:r="http://schemas.openxmlformats.org/officeDocument/2006/relationships" xmlns:p="http://schemas.openxmlformats.org/presentationml/2006/main">
+  <p:cSld>
+    <p:spTree>
+      <p:nvGrpSpPr>
+        <p:cNvPr id="1" name=""/>
+        <p:cNvGrpSpPr/>
+        <p:nvPr/>
+      </p:nvGrpSpPr>
+      <p:grpSpPr>
+        <a:xfrm>
+          <a:off x="0" y="0"/>
+          <a:ext cx="0" cy="0"/>
+          <a:chOff x="0" y="0"/>
+          <a:chExt cx="0" cy="0"/>
+        </a:xfrm>
+      </p:grpSpPr>
+      <p:pic>
+        <p:nvPicPr>
+          <p:cNvPr id="65" name="그림 64">
+            <a:extLst>
+              <a:ext uri="{FF2B5EF4-FFF2-40B4-BE49-F238E27FC236}">
+                <a16:creationId xmlns:a16="http://schemas.microsoft.com/office/drawing/2014/main" id="{E46A5793-B225-D743-B2DA-D12BC167D301}"/>
+              </a:ext>
+            </a:extLst>
+          </p:cNvPr>
+          <p:cNvPicPr>
+            <a:picLocks noChangeAspect="1"/>
+          </p:cNvPicPr>
+          <p:nvPr/>
+        </p:nvPicPr>
+        <p:blipFill>
+          <a:blip r:embed="rId2"/>
+          <a:stretch>
+            <a:fillRect/>
+          </a:stretch>
+        </p:blipFill>
+        <p:spPr>
+          <a:xfrm>
+            <a:off x="706676" y="1336768"/>
+            <a:ext cx="3939952" cy="2708267"/>
+          </a:xfrm>
+          <a:prstGeom prst="rect">
+            <a:avLst/>
+          </a:prstGeom>
+        </p:spPr>
+      </p:pic>
+      <p:sp>
+        <p:nvSpPr>
+          <p:cNvPr id="37" name="직사각형 36">
+            <a:extLst>
+              <a:ext uri="{FF2B5EF4-FFF2-40B4-BE49-F238E27FC236}">
+                <a16:creationId xmlns:a16="http://schemas.microsoft.com/office/drawing/2014/main" id="{3F15C60C-17FE-422D-AFCF-73C75A021362}"/>
+              </a:ext>
+            </a:extLst>
+          </p:cNvPr>
+          <p:cNvSpPr/>
+          <p:nvPr/>
+        </p:nvSpPr>
+        <p:spPr>
+          <a:xfrm>
+            <a:off x="3697172" y="332194"/>
+            <a:ext cx="4713765" cy="735842"/>
+          </a:xfrm>
+          <a:prstGeom prst="rect">
+            <a:avLst/>
+          </a:prstGeom>
+        </p:spPr>
+        <p:txBody>
+          <a:bodyPr wrap="square">
+            <a:spAutoFit/>
+          </a:bodyPr>
+          <a:lstStyle/>
+          <a:p>
+            <a:pPr algn="ctr" latinLnBrk="0">
+              <a:lnSpc>
+                <a:spcPct val="150000"/>
+              </a:lnSpc>
+              <a:defRPr/>
+            </a:pPr>
+            <a:r>
+              <a:rPr lang="en-US" altLang="ko-KR" sz="3200" b="1" i="1" kern="0" dirty="0">
+                <a:solidFill>
+                  <a:srgbClr val="FF7876"/>
+                </a:solidFill>
+              </a:rPr>
+              <a:t>3</a:t>
+            </a:r>
+          </a:p>
+        </p:txBody>
+      </p:sp>
+      <p:cxnSp>
+        <p:nvCxnSpPr>
+          <p:cNvPr id="38" name="직선 연결선 37">
+            <a:extLst>
+              <a:ext uri="{FF2B5EF4-FFF2-40B4-BE49-F238E27FC236}">
+                <a16:creationId xmlns:a16="http://schemas.microsoft.com/office/drawing/2014/main" id="{940134F4-F272-426A-B50B-8075427DF501}"/>
+              </a:ext>
+            </a:extLst>
+          </p:cNvPr>
+          <p:cNvCxnSpPr>
+            <a:cxnSpLocks/>
+          </p:cNvCxnSpPr>
+          <p:nvPr/>
+        </p:nvCxnSpPr>
+        <p:spPr>
+          <a:xfrm flipV="1">
+            <a:off x="843148" y="847712"/>
+            <a:ext cx="4769087" cy="1"/>
+          </a:xfrm>
+          <a:prstGeom prst="line">
+            <a:avLst/>
+          </a:prstGeom>
+          <a:ln w="6350">
+            <a:solidFill>
+              <a:srgbClr val="FF7876"/>
+            </a:solidFill>
+            <a:prstDash val="sysDash"/>
+            <a:tailEnd type="oval"/>
+          </a:ln>
+        </p:spPr>
+        <p:style>
+          <a:lnRef idx="1">
+            <a:schemeClr val="accent1"/>
+          </a:lnRef>
+          <a:fillRef idx="0">
+            <a:schemeClr val="accent1"/>
+          </a:fillRef>
+          <a:effectRef idx="0">
+            <a:schemeClr val="accent1"/>
+          </a:effectRef>
+          <a:fontRef idx="minor">
+            <a:schemeClr val="tx1"/>
+          </a:fontRef>
+        </p:style>
+      </p:cxnSp>
+      <p:cxnSp>
+        <p:nvCxnSpPr>
+          <p:cNvPr id="39" name="직선 연결선 38">
+            <a:extLst>
+              <a:ext uri="{FF2B5EF4-FFF2-40B4-BE49-F238E27FC236}">
+                <a16:creationId xmlns:a16="http://schemas.microsoft.com/office/drawing/2014/main" id="{55EBD739-0979-4546-8E6B-9CA8052FC540}"/>
+              </a:ext>
+            </a:extLst>
+          </p:cNvPr>
+          <p:cNvCxnSpPr>
+            <a:cxnSpLocks/>
+          </p:cNvCxnSpPr>
+          <p:nvPr/>
+        </p:nvCxnSpPr>
+        <p:spPr>
+          <a:xfrm flipH="1">
+            <a:off x="6579767" y="847712"/>
+            <a:ext cx="4692810" cy="0"/>
+          </a:xfrm>
+          <a:prstGeom prst="line">
+            <a:avLst/>
+          </a:prstGeom>
+          <a:ln w="6350">
+            <a:solidFill>
+              <a:srgbClr val="FF7876"/>
+            </a:solidFill>
+            <a:prstDash val="sysDash"/>
+            <a:tailEnd type="oval"/>
+          </a:ln>
+        </p:spPr>
+        <p:style>
+          <a:lnRef idx="1">
+            <a:schemeClr val="accent1"/>
+          </a:lnRef>
+          <a:fillRef idx="0">
+            <a:schemeClr val="accent1"/>
+          </a:fillRef>
+          <a:effectRef idx="0">
+            <a:schemeClr val="accent1"/>
+          </a:effectRef>
+          <a:fontRef idx="minor">
+            <a:schemeClr val="tx1"/>
+          </a:fontRef>
+        </p:style>
+      </p:cxnSp>
+      <p:sp>
+        <p:nvSpPr>
+          <p:cNvPr id="8" name="TextBox 7">
+            <a:extLst>
+              <a:ext uri="{FF2B5EF4-FFF2-40B4-BE49-F238E27FC236}">
+                <a16:creationId xmlns:a16="http://schemas.microsoft.com/office/drawing/2014/main" id="{C18154B9-4F65-4277-8C17-63D9702FC25F}"/>
+              </a:ext>
+            </a:extLst>
+          </p:cNvPr>
+          <p:cNvSpPr txBox="1"/>
+          <p:nvPr/>
+        </p:nvSpPr>
+        <p:spPr>
+          <a:xfrm>
+            <a:off x="765146" y="963122"/>
+            <a:ext cx="10507430" cy="261610"/>
+          </a:xfrm>
+          <a:prstGeom prst="rect">
+            <a:avLst/>
+          </a:prstGeom>
+          <a:noFill/>
+        </p:spPr>
+        <p:txBody>
+          <a:bodyPr wrap="square" rtlCol="0">
+            <a:spAutoFit/>
+          </a:bodyPr>
+          <a:lstStyle/>
+          <a:p>
+            <a:pPr algn="ctr"/>
+            <a:r>
+              <a:rPr lang="ko-KR" altLang="en-US" sz="1100" i="1" dirty="0">
+                <a:solidFill>
+                  <a:srgbClr val="FF7876"/>
+                </a:solidFill>
+              </a:rPr>
+              <a:t>임의의 프로그램</a:t>
+            </a:r>
+            <a:endParaRPr lang="en-US" altLang="ko-KR" sz="1100" i="1" dirty="0">
+              <a:solidFill>
+                <a:srgbClr val="FF7876"/>
+              </a:solidFill>
+            </a:endParaRPr>
+          </a:p>
+        </p:txBody>
+      </p:sp>
+      <p:sp>
+        <p:nvSpPr>
+          <p:cNvPr id="24" name="TextBox 23">
+            <a:extLst>
+              <a:ext uri="{FF2B5EF4-FFF2-40B4-BE49-F238E27FC236}">
+                <a16:creationId xmlns:a16="http://schemas.microsoft.com/office/drawing/2014/main" id="{0546762F-4C74-BE42-84BA-C6938BA61A8F}"/>
+              </a:ext>
+            </a:extLst>
+          </p:cNvPr>
+          <p:cNvSpPr txBox="1"/>
+          <p:nvPr/>
+        </p:nvSpPr>
+        <p:spPr>
+          <a:xfrm>
+            <a:off x="6320314" y="2219615"/>
+            <a:ext cx="4619610" cy="600164"/>
+          </a:xfrm>
+          <a:prstGeom prst="rect">
+            <a:avLst/>
+          </a:prstGeom>
+          <a:noFill/>
+          <a:ln w="12700">
+            <a:solidFill>
+              <a:srgbClr val="FF7876"/>
+            </a:solidFill>
+          </a:ln>
+        </p:spPr>
+        <p:txBody>
+          <a:bodyPr wrap="square" rtlCol="0">
+            <a:spAutoFit/>
+          </a:bodyPr>
+          <a:lstStyle/>
+          <a:p>
+            <a:pPr algn="ctr"/>
+            <a:r>
+              <a:rPr lang="ko-Kore-KR" altLang="en-US" sz="1100" dirty="0"/>
+              <a:t>만약 상단셀에서 입력값 검증에서 실패시</a:t>
+            </a:r>
+            <a:endParaRPr lang="en-US" altLang="ko-Kore-KR" sz="1100" dirty="0"/>
+          </a:p>
+          <a:p>
+            <a:pPr algn="ctr"/>
+            <a:r>
+              <a:rPr lang="ko-Kore-KR" altLang="en-US" sz="1100" dirty="0"/>
+              <a:t>해당 변수에 </a:t>
+            </a:r>
+            <a:r>
+              <a:rPr lang="en-US" altLang="ko-Kore-KR" sz="1100" dirty="0"/>
+              <a:t>False</a:t>
+            </a:r>
+            <a:r>
+              <a:rPr lang="ko-Kore-KR" altLang="en-US" sz="1100" dirty="0"/>
+              <a:t>가 입력되있으므로</a:t>
+            </a:r>
+            <a:endParaRPr lang="en-US" altLang="ko-Kore-KR" sz="1100" dirty="0"/>
+          </a:p>
+          <a:p>
+            <a:pPr algn="ctr"/>
+            <a:r>
+              <a:rPr lang="en-US" altLang="ko-Kore-KR" sz="1100" dirty="0"/>
+              <a:t>continue</a:t>
+            </a:r>
+            <a:r>
+              <a:rPr lang="ko-Kore-KR" altLang="en-US" sz="1100" dirty="0"/>
+              <a:t>를 통해 하단의 코드를 무시하고 진행하게 합니다</a:t>
+            </a:r>
+            <a:r>
+              <a:rPr lang="en-US" altLang="ko-Kore-KR" sz="1100" dirty="0"/>
+              <a:t>.</a:t>
+            </a:r>
+          </a:p>
+        </p:txBody>
+      </p:sp>
+      <p:sp>
+        <p:nvSpPr>
+          <p:cNvPr id="11" name="오른쪽 중괄호[R] 10">
+            <a:extLst>
+              <a:ext uri="{FF2B5EF4-FFF2-40B4-BE49-F238E27FC236}">
+                <a16:creationId xmlns:a16="http://schemas.microsoft.com/office/drawing/2014/main" id="{32AC7406-DA27-404F-A8C9-66E76BC9DCF7}"/>
+              </a:ext>
+            </a:extLst>
+          </p:cNvPr>
+          <p:cNvSpPr/>
+          <p:nvPr/>
+        </p:nvSpPr>
+        <p:spPr>
+          <a:xfrm>
+            <a:off x="3845729" y="1397214"/>
+            <a:ext cx="241918" cy="336180"/>
+          </a:xfrm>
+          <a:prstGeom prst="rightBrace">
+            <a:avLst/>
+          </a:prstGeom>
+          <a:ln w="12700">
+            <a:solidFill>
+              <a:srgbClr val="FF7876"/>
+            </a:solidFill>
+          </a:ln>
+        </p:spPr>
+        <p:style>
+          <a:lnRef idx="1">
+            <a:schemeClr val="accent1"/>
+          </a:lnRef>
+          <a:fillRef idx="0">
+            <a:schemeClr val="accent1"/>
+          </a:fillRef>
+          <a:effectRef idx="0">
+            <a:schemeClr val="accent1"/>
+          </a:effectRef>
+          <a:fontRef idx="minor">
+            <a:schemeClr val="tx1"/>
+          </a:fontRef>
+        </p:style>
+        <p:txBody>
+          <a:bodyPr rtlCol="0" anchor="ctr"/>
+          <a:lstStyle/>
+          <a:p>
+            <a:pPr algn="ctr"/>
+            <a:endParaRPr kumimoji="1" lang="ko-Kore-KR" altLang="en-US" dirty="0"/>
+          </a:p>
+        </p:txBody>
+      </p:sp>
+      <p:cxnSp>
+        <p:nvCxnSpPr>
+          <p:cNvPr id="12" name="직선 화살표 연결선 11">
+            <a:extLst>
+              <a:ext uri="{FF2B5EF4-FFF2-40B4-BE49-F238E27FC236}">
+                <a16:creationId xmlns:a16="http://schemas.microsoft.com/office/drawing/2014/main" id="{F665C652-9669-FC49-B41D-202CC6047C0A}"/>
+              </a:ext>
+            </a:extLst>
+          </p:cNvPr>
+          <p:cNvCxnSpPr>
+            <a:cxnSpLocks/>
+            <a:stCxn id="11" idx="1"/>
+            <a:endCxn id="24" idx="1"/>
+          </p:cNvCxnSpPr>
+          <p:nvPr/>
+        </p:nvCxnSpPr>
+        <p:spPr>
+          <a:xfrm>
+            <a:off x="4087647" y="1565304"/>
+            <a:ext cx="2232667" cy="954393"/>
+          </a:xfrm>
+          <a:prstGeom prst="straightConnector1">
+            <a:avLst/>
+          </a:prstGeom>
+          <a:ln w="12700">
+            <a:solidFill>
+              <a:srgbClr val="FF7876"/>
+            </a:solidFill>
+            <a:tailEnd type="triangle"/>
+          </a:ln>
+        </p:spPr>
+        <p:style>
+          <a:lnRef idx="1">
+            <a:schemeClr val="accent1"/>
+          </a:lnRef>
+          <a:fillRef idx="0">
+            <a:schemeClr val="accent1"/>
+          </a:fillRef>
+          <a:effectRef idx="0">
+            <a:schemeClr val="accent1"/>
+          </a:effectRef>
+          <a:fontRef idx="minor">
+            <a:schemeClr val="tx1"/>
+          </a:fontRef>
+        </p:style>
+      </p:cxnSp>
+      <p:sp>
+        <p:nvSpPr>
+          <p:cNvPr id="26" name="오른쪽 중괄호[R] 25">
+            <a:extLst>
+              <a:ext uri="{FF2B5EF4-FFF2-40B4-BE49-F238E27FC236}">
+                <a16:creationId xmlns:a16="http://schemas.microsoft.com/office/drawing/2014/main" id="{642337DC-592A-824E-973A-B679CB880E7B}"/>
+              </a:ext>
+            </a:extLst>
+          </p:cNvPr>
+          <p:cNvSpPr/>
+          <p:nvPr/>
+        </p:nvSpPr>
+        <p:spPr>
+          <a:xfrm>
+            <a:off x="3966688" y="1883435"/>
+            <a:ext cx="241918" cy="336180"/>
+          </a:xfrm>
+          <a:prstGeom prst="rightBrace">
+            <a:avLst/>
+          </a:prstGeom>
+          <a:ln w="12700">
+            <a:solidFill>
+              <a:srgbClr val="FF7876"/>
+            </a:solidFill>
+          </a:ln>
+        </p:spPr>
+        <p:style>
+          <a:lnRef idx="1">
+            <a:schemeClr val="accent1"/>
+          </a:lnRef>
+          <a:fillRef idx="0">
+            <a:schemeClr val="accent1"/>
+          </a:fillRef>
+          <a:effectRef idx="0">
+            <a:schemeClr val="accent1"/>
+          </a:effectRef>
+          <a:fontRef idx="minor">
+            <a:schemeClr val="tx1"/>
+          </a:fontRef>
+        </p:style>
+        <p:txBody>
+          <a:bodyPr rtlCol="0" anchor="ctr"/>
+          <a:lstStyle/>
+          <a:p>
+            <a:pPr algn="ctr"/>
+            <a:endParaRPr kumimoji="1" lang="ko-Kore-KR" altLang="en-US" dirty="0"/>
+          </a:p>
+        </p:txBody>
+      </p:sp>
+      <p:cxnSp>
+        <p:nvCxnSpPr>
+          <p:cNvPr id="27" name="직선 화살표 연결선 26">
+            <a:extLst>
+              <a:ext uri="{FF2B5EF4-FFF2-40B4-BE49-F238E27FC236}">
+                <a16:creationId xmlns:a16="http://schemas.microsoft.com/office/drawing/2014/main" id="{F1BBFF73-3596-DB42-AEFE-614A62494F76}"/>
+              </a:ext>
+            </a:extLst>
+          </p:cNvPr>
+          <p:cNvCxnSpPr>
+            <a:cxnSpLocks/>
+            <a:stCxn id="26" idx="1"/>
+            <a:endCxn id="32" idx="1"/>
+          </p:cNvCxnSpPr>
+          <p:nvPr/>
+        </p:nvCxnSpPr>
+        <p:spPr>
+          <a:xfrm>
+            <a:off x="4208606" y="2051525"/>
+            <a:ext cx="2111708" cy="1132209"/>
+          </a:xfrm>
+          <a:prstGeom prst="straightConnector1">
+            <a:avLst/>
+          </a:prstGeom>
+          <a:ln w="12700">
+            <a:solidFill>
+              <a:srgbClr val="FF7876"/>
+            </a:solidFill>
+            <a:tailEnd type="triangle"/>
+          </a:ln>
+        </p:spPr>
+        <p:style>
+          <a:lnRef idx="1">
+            <a:schemeClr val="accent1"/>
+          </a:lnRef>
+          <a:fillRef idx="0">
+            <a:schemeClr val="accent1"/>
+          </a:fillRef>
+          <a:effectRef idx="0">
+            <a:schemeClr val="accent1"/>
+          </a:effectRef>
+          <a:fontRef idx="minor">
+            <a:schemeClr val="tx1"/>
+          </a:fontRef>
+        </p:style>
+      </p:cxnSp>
+      <p:sp>
+        <p:nvSpPr>
+          <p:cNvPr id="32" name="TextBox 31">
+            <a:extLst>
+              <a:ext uri="{FF2B5EF4-FFF2-40B4-BE49-F238E27FC236}">
+                <a16:creationId xmlns:a16="http://schemas.microsoft.com/office/drawing/2014/main" id="{E7852295-1B18-A74C-BD81-2311FCB0D784}"/>
+              </a:ext>
+            </a:extLst>
+          </p:cNvPr>
+          <p:cNvSpPr txBox="1"/>
+          <p:nvPr/>
+        </p:nvSpPr>
+        <p:spPr>
+          <a:xfrm>
+            <a:off x="6320314" y="2883652"/>
+            <a:ext cx="4619610" cy="600164"/>
+          </a:xfrm>
+          <a:prstGeom prst="rect">
+            <a:avLst/>
+          </a:prstGeom>
+          <a:noFill/>
+          <a:ln w="12700">
+            <a:solidFill>
+              <a:srgbClr val="FF7876"/>
+            </a:solidFill>
+          </a:ln>
+        </p:spPr>
+        <p:txBody>
+          <a:bodyPr wrap="square" rtlCol="0">
+            <a:spAutoFit/>
+          </a:bodyPr>
+          <a:lstStyle/>
+          <a:p>
+            <a:pPr algn="ctr"/>
+            <a:r>
+              <a:rPr lang="ko-Kore-KR" altLang="en-US" sz="1100" dirty="0"/>
+              <a:t>이제 운세데이터 부분에대해 추출을 진행합니다</a:t>
+            </a:r>
+            <a:r>
+              <a:rPr lang="en-US" altLang="ko-Kore-KR" sz="1100" dirty="0"/>
+              <a:t>.</a:t>
+            </a:r>
+          </a:p>
+          <a:p>
+            <a:pPr algn="ctr"/>
+            <a:r>
+              <a:rPr lang="ko-Kore-KR" altLang="en-US" sz="1100" dirty="0"/>
+              <a:t>운세 웹페이지에선 띠별 운세를 </a:t>
+            </a:r>
+            <a:r>
+              <a:rPr lang="en-US" altLang="ko-Kore-KR" sz="1100" dirty="0"/>
+              <a:t>id</a:t>
+            </a:r>
+            <a:r>
+              <a:rPr lang="ko-Kore-KR" altLang="en-US" sz="1100" dirty="0"/>
+              <a:t>로 구분하여 표시하였기에</a:t>
+            </a:r>
+            <a:endParaRPr lang="en-US" altLang="ko-Kore-KR" sz="1100" dirty="0"/>
+          </a:p>
+          <a:p>
+            <a:pPr algn="ctr"/>
+            <a:r>
+              <a:rPr lang="en-US" altLang="ko-Kore-KR" sz="1100" dirty="0"/>
+              <a:t>ul</a:t>
+            </a:r>
+            <a:r>
+              <a:rPr lang="ko-Kore-KR" altLang="en-US" sz="1100" dirty="0"/>
+              <a:t>탭의 </a:t>
+            </a:r>
+            <a:r>
+              <a:rPr lang="en-US" altLang="ko-Kore-KR" sz="1100" dirty="0"/>
+              <a:t>id</a:t>
+            </a:r>
+            <a:r>
+              <a:rPr lang="ko-Kore-KR" altLang="en-US" sz="1100" dirty="0"/>
+              <a:t>를 검색하여 운세목록을 추출하도록 하였습니다</a:t>
+            </a:r>
+            <a:r>
+              <a:rPr lang="en-US" altLang="ko-Kore-KR" sz="1100" dirty="0"/>
+              <a:t>.</a:t>
+            </a:r>
+          </a:p>
+        </p:txBody>
+      </p:sp>
+      <p:sp>
+        <p:nvSpPr>
+          <p:cNvPr id="36" name="오른쪽 중괄호[R] 35">
+            <a:extLst>
+              <a:ext uri="{FF2B5EF4-FFF2-40B4-BE49-F238E27FC236}">
+                <a16:creationId xmlns:a16="http://schemas.microsoft.com/office/drawing/2014/main" id="{63FBC828-0A68-8549-8685-4B40E8344C0B}"/>
+              </a:ext>
+            </a:extLst>
+          </p:cNvPr>
+          <p:cNvSpPr/>
+          <p:nvPr/>
+        </p:nvSpPr>
+        <p:spPr>
+          <a:xfrm>
+            <a:off x="4473958" y="2270483"/>
+            <a:ext cx="241918" cy="894900"/>
+          </a:xfrm>
+          <a:prstGeom prst="rightBrace">
+            <a:avLst/>
+          </a:prstGeom>
+          <a:ln w="12700">
+            <a:solidFill>
+              <a:srgbClr val="FF7876"/>
+            </a:solidFill>
+          </a:ln>
+        </p:spPr>
+        <p:style>
+          <a:lnRef idx="1">
+            <a:schemeClr val="accent1"/>
+          </a:lnRef>
+          <a:fillRef idx="0">
+            <a:schemeClr val="accent1"/>
+          </a:fillRef>
+          <a:effectRef idx="0">
+            <a:schemeClr val="accent1"/>
+          </a:effectRef>
+          <a:fontRef idx="minor">
+            <a:schemeClr val="tx1"/>
+          </a:fontRef>
+        </p:style>
+        <p:txBody>
+          <a:bodyPr rtlCol="0" anchor="ctr"/>
+          <a:lstStyle/>
+          <a:p>
+            <a:pPr algn="ctr"/>
+            <a:endParaRPr kumimoji="1" lang="ko-Kore-KR" altLang="en-US" dirty="0"/>
+          </a:p>
+        </p:txBody>
+      </p:sp>
+      <p:cxnSp>
+        <p:nvCxnSpPr>
+          <p:cNvPr id="40" name="직선 화살표 연결선 39">
+            <a:extLst>
+              <a:ext uri="{FF2B5EF4-FFF2-40B4-BE49-F238E27FC236}">
+                <a16:creationId xmlns:a16="http://schemas.microsoft.com/office/drawing/2014/main" id="{86769222-F00D-574F-B2C6-D15AB42095BF}"/>
+              </a:ext>
+            </a:extLst>
+          </p:cNvPr>
+          <p:cNvCxnSpPr>
+            <a:cxnSpLocks/>
+            <a:stCxn id="36" idx="1"/>
+            <a:endCxn id="41" idx="1"/>
+          </p:cNvCxnSpPr>
+          <p:nvPr/>
+        </p:nvCxnSpPr>
+        <p:spPr>
+          <a:xfrm>
+            <a:off x="4715876" y="2717933"/>
+            <a:ext cx="1604438" cy="1163646"/>
+          </a:xfrm>
+          <a:prstGeom prst="straightConnector1">
+            <a:avLst/>
+          </a:prstGeom>
+          <a:ln w="12700">
+            <a:solidFill>
+              <a:srgbClr val="FF7876"/>
+            </a:solidFill>
+            <a:tailEnd type="triangle"/>
+          </a:ln>
+        </p:spPr>
+        <p:style>
+          <a:lnRef idx="1">
+            <a:schemeClr val="accent1"/>
+          </a:lnRef>
+          <a:fillRef idx="0">
+            <a:schemeClr val="accent1"/>
+          </a:fillRef>
+          <a:effectRef idx="0">
+            <a:schemeClr val="accent1"/>
+          </a:effectRef>
+          <a:fontRef idx="minor">
+            <a:schemeClr val="tx1"/>
+          </a:fontRef>
+        </p:style>
+      </p:cxnSp>
+      <p:sp>
+        <p:nvSpPr>
+          <p:cNvPr id="41" name="TextBox 40">
+            <a:extLst>
+              <a:ext uri="{FF2B5EF4-FFF2-40B4-BE49-F238E27FC236}">
+                <a16:creationId xmlns:a16="http://schemas.microsoft.com/office/drawing/2014/main" id="{288F567A-453D-E948-A01F-944F26F4BB8E}"/>
+              </a:ext>
+            </a:extLst>
+          </p:cNvPr>
+          <p:cNvSpPr txBox="1"/>
+          <p:nvPr/>
+        </p:nvSpPr>
+        <p:spPr>
+          <a:xfrm>
+            <a:off x="6320314" y="3581497"/>
+            <a:ext cx="4619610" cy="600164"/>
+          </a:xfrm>
+          <a:prstGeom prst="rect">
+            <a:avLst/>
+          </a:prstGeom>
+          <a:noFill/>
+          <a:ln w="12700">
+            <a:solidFill>
+              <a:srgbClr val="FF7876"/>
+            </a:solidFill>
+          </a:ln>
+        </p:spPr>
+        <p:txBody>
+          <a:bodyPr wrap="square" rtlCol="0">
+            <a:spAutoFit/>
+          </a:bodyPr>
+          <a:lstStyle/>
+          <a:p>
+            <a:pPr algn="ctr"/>
+            <a:r>
+              <a:rPr lang="ko-Kore-KR" altLang="en-US" sz="1100" dirty="0"/>
+              <a:t>사용자의 입력정보 출력후</a:t>
+            </a:r>
+            <a:endParaRPr lang="en-US" altLang="ko-Kore-KR" sz="1100" dirty="0"/>
+          </a:p>
+          <a:p>
+            <a:pPr algn="ctr"/>
+            <a:r>
+              <a:rPr lang="ko-Kore-KR" altLang="en-US" sz="1100" dirty="0"/>
+              <a:t>해당 입력정보에 맞는 운세데이터를 추출하도록합니다</a:t>
+            </a:r>
+            <a:r>
+              <a:rPr lang="en-US" altLang="ko-Kore-KR" sz="1100" dirty="0"/>
+              <a:t>.</a:t>
+            </a:r>
+          </a:p>
+          <a:p>
+            <a:pPr algn="ctr"/>
+            <a:r>
+              <a:rPr lang="ko-Kore-KR" altLang="en-US" sz="1100" dirty="0"/>
+              <a:t>먼저 출력할 운세는</a:t>
+            </a:r>
+            <a:r>
+              <a:rPr lang="en-US" altLang="ko-Kore-KR" sz="1100" dirty="0"/>
+              <a:t> </a:t>
+            </a:r>
+            <a:r>
+              <a:rPr lang="ko-Kore-KR" altLang="en-US" sz="1100" dirty="0"/>
+              <a:t>띠별 공통 운세 입니다</a:t>
+            </a:r>
+            <a:r>
+              <a:rPr lang="en-US" altLang="ko-Kore-KR" sz="1100" dirty="0"/>
+              <a:t>.</a:t>
+            </a:r>
+          </a:p>
+        </p:txBody>
+      </p:sp>
+      <p:pic>
+        <p:nvPicPr>
+          <p:cNvPr id="42" name="그림 41">
+            <a:extLst>
+              <a:ext uri="{FF2B5EF4-FFF2-40B4-BE49-F238E27FC236}">
+                <a16:creationId xmlns:a16="http://schemas.microsoft.com/office/drawing/2014/main" id="{3C8A0A86-D536-8043-9373-7B951D91B3EB}"/>
+              </a:ext>
+            </a:extLst>
+          </p:cNvPr>
+          <p:cNvPicPr>
+            <a:picLocks noChangeAspect="1"/>
+          </p:cNvPicPr>
+          <p:nvPr/>
+        </p:nvPicPr>
+        <p:blipFill>
+          <a:blip r:embed="rId3"/>
+          <a:stretch>
+            <a:fillRect/>
+          </a:stretch>
+        </p:blipFill>
+        <p:spPr>
+          <a:xfrm>
+            <a:off x="1267752" y="4137532"/>
+            <a:ext cx="3262033" cy="2388274"/>
+          </a:xfrm>
+          <a:prstGeom prst="rect">
+            <a:avLst/>
+          </a:prstGeom>
+        </p:spPr>
+      </p:pic>
+      <p:sp>
+        <p:nvSpPr>
+          <p:cNvPr id="43" name="오른쪽 중괄호[R] 42">
+            <a:extLst>
+              <a:ext uri="{FF2B5EF4-FFF2-40B4-BE49-F238E27FC236}">
+                <a16:creationId xmlns:a16="http://schemas.microsoft.com/office/drawing/2014/main" id="{6A17634A-8A24-E14D-96DC-9F83E552941A}"/>
+              </a:ext>
+            </a:extLst>
+          </p:cNvPr>
+          <p:cNvSpPr/>
+          <p:nvPr/>
+        </p:nvSpPr>
+        <p:spPr>
+          <a:xfrm>
+            <a:off x="4404710" y="3378383"/>
+            <a:ext cx="241918" cy="636773"/>
+          </a:xfrm>
+          <a:prstGeom prst="rightBrace">
+            <a:avLst/>
+          </a:prstGeom>
+          <a:ln w="12700">
+            <a:solidFill>
+              <a:srgbClr val="FF7876"/>
+            </a:solidFill>
+          </a:ln>
+        </p:spPr>
+        <p:style>
+          <a:lnRef idx="1">
+            <a:schemeClr val="accent1"/>
+          </a:lnRef>
+          <a:fillRef idx="0">
+            <a:schemeClr val="accent1"/>
+          </a:fillRef>
+          <a:effectRef idx="0">
+            <a:schemeClr val="accent1"/>
+          </a:effectRef>
+          <a:fontRef idx="minor">
+            <a:schemeClr val="tx1"/>
+          </a:fontRef>
+        </p:style>
+        <p:txBody>
+          <a:bodyPr rtlCol="0" anchor="ctr"/>
+          <a:lstStyle/>
+          <a:p>
+            <a:pPr algn="ctr"/>
+            <a:endParaRPr kumimoji="1" lang="ko-Kore-KR" altLang="en-US" dirty="0"/>
+          </a:p>
+        </p:txBody>
+      </p:sp>
+      <p:cxnSp>
+        <p:nvCxnSpPr>
+          <p:cNvPr id="48" name="직선 화살표 연결선 47">
+            <a:extLst>
+              <a:ext uri="{FF2B5EF4-FFF2-40B4-BE49-F238E27FC236}">
+                <a16:creationId xmlns:a16="http://schemas.microsoft.com/office/drawing/2014/main" id="{B4206DFF-F496-434A-8D89-F8A65178B5E1}"/>
+              </a:ext>
+            </a:extLst>
+          </p:cNvPr>
+          <p:cNvCxnSpPr>
+            <a:cxnSpLocks/>
+            <a:stCxn id="43" idx="1"/>
+            <a:endCxn id="50" idx="1"/>
+          </p:cNvCxnSpPr>
+          <p:nvPr/>
+        </p:nvCxnSpPr>
+        <p:spPr>
+          <a:xfrm>
+            <a:off x="4646628" y="3696770"/>
+            <a:ext cx="1673686" cy="1281925"/>
+          </a:xfrm>
+          <a:prstGeom prst="straightConnector1">
+            <a:avLst/>
+          </a:prstGeom>
+          <a:ln w="12700">
+            <a:solidFill>
+              <a:srgbClr val="FF7876"/>
+            </a:solidFill>
+            <a:tailEnd type="triangle"/>
+          </a:ln>
+        </p:spPr>
+        <p:style>
+          <a:lnRef idx="1">
+            <a:schemeClr val="accent1"/>
+          </a:lnRef>
+          <a:fillRef idx="0">
+            <a:schemeClr val="accent1"/>
+          </a:fillRef>
+          <a:effectRef idx="0">
+            <a:schemeClr val="accent1"/>
+          </a:effectRef>
+          <a:fontRef idx="minor">
+            <a:schemeClr val="tx1"/>
+          </a:fontRef>
+        </p:style>
+      </p:cxnSp>
+      <p:sp>
+        <p:nvSpPr>
+          <p:cNvPr id="50" name="TextBox 49">
+            <a:extLst>
+              <a:ext uri="{FF2B5EF4-FFF2-40B4-BE49-F238E27FC236}">
+                <a16:creationId xmlns:a16="http://schemas.microsoft.com/office/drawing/2014/main" id="{3177DCE5-7ECC-974C-B649-1795A759E196}"/>
+              </a:ext>
+            </a:extLst>
+          </p:cNvPr>
+          <p:cNvSpPr txBox="1"/>
+          <p:nvPr/>
+        </p:nvSpPr>
+        <p:spPr>
+          <a:xfrm>
+            <a:off x="6320314" y="4593974"/>
+            <a:ext cx="4619610" cy="769441"/>
+          </a:xfrm>
+          <a:prstGeom prst="rect">
+            <a:avLst/>
+          </a:prstGeom>
+          <a:noFill/>
+          <a:ln w="12700">
+            <a:solidFill>
+              <a:srgbClr val="FF7876"/>
+            </a:solidFill>
+          </a:ln>
+        </p:spPr>
+        <p:txBody>
+          <a:bodyPr wrap="square" rtlCol="0">
+            <a:spAutoFit/>
+          </a:bodyPr>
+          <a:lstStyle/>
+          <a:p>
+            <a:pPr algn="ctr"/>
+            <a:r>
+              <a:rPr lang="ko-Kore-KR" altLang="en-US" sz="1100" dirty="0"/>
+              <a:t>다음 연도값에 맞는 운세를 추출하도록 합니다</a:t>
+            </a:r>
+            <a:r>
+              <a:rPr lang="en-US" altLang="ko-Kore-KR" sz="1100" dirty="0"/>
+              <a:t>.</a:t>
+            </a:r>
+          </a:p>
+          <a:p>
+            <a:pPr algn="ctr"/>
+            <a:r>
+              <a:rPr lang="ko-Kore-KR" altLang="en-US" sz="1100" dirty="0"/>
+              <a:t>운세는 </a:t>
+            </a:r>
+            <a:r>
+              <a:rPr lang="en-US" altLang="ko-Kore-KR" sz="1100" dirty="0"/>
+              <a:t>li</a:t>
+            </a:r>
+            <a:r>
+              <a:rPr lang="ko-Kore-KR" altLang="en-US" sz="1100" dirty="0"/>
+              <a:t>로 묶여있는 모든 연도별 운세에서</a:t>
+            </a:r>
+            <a:endParaRPr lang="en-US" altLang="ko-Kore-KR" sz="1100" dirty="0"/>
+          </a:p>
+          <a:p>
+            <a:pPr algn="ctr"/>
+            <a:r>
+              <a:rPr lang="ko-Kore-KR" altLang="en-US" sz="1100" dirty="0"/>
+              <a:t>해당 년도의 운세만을 추출하여</a:t>
+            </a:r>
+            <a:endParaRPr lang="en-US" altLang="ko-Kore-KR" sz="1100" dirty="0"/>
+          </a:p>
+          <a:p>
+            <a:pPr algn="ctr"/>
+            <a:r>
+              <a:rPr lang="ko-Kore-KR" altLang="en-US" sz="1100" dirty="0"/>
+              <a:t>출력하도록 구성하였습니다</a:t>
+            </a:r>
+            <a:r>
+              <a:rPr lang="en-US" altLang="ko-Kore-KR" sz="1100" dirty="0"/>
+              <a:t>.</a:t>
+            </a:r>
+          </a:p>
+        </p:txBody>
+      </p:sp>
+      <p:cxnSp>
+        <p:nvCxnSpPr>
+          <p:cNvPr id="56" name="직선 화살표 연결선 55">
+            <a:extLst>
+              <a:ext uri="{FF2B5EF4-FFF2-40B4-BE49-F238E27FC236}">
+                <a16:creationId xmlns:a16="http://schemas.microsoft.com/office/drawing/2014/main" id="{0F1F13C7-A354-B443-B503-DC3DF9D2335E}"/>
+              </a:ext>
+            </a:extLst>
+          </p:cNvPr>
+          <p:cNvCxnSpPr>
+            <a:cxnSpLocks/>
+            <a:endCxn id="32" idx="1"/>
+          </p:cNvCxnSpPr>
+          <p:nvPr/>
+        </p:nvCxnSpPr>
+        <p:spPr>
+          <a:xfrm flipV="1">
+            <a:off x="2073737" y="3183734"/>
+            <a:ext cx="4246577" cy="1026072"/>
+          </a:xfrm>
+          <a:prstGeom prst="straightConnector1">
+            <a:avLst/>
+          </a:prstGeom>
+          <a:ln w="12700">
+            <a:solidFill>
+              <a:schemeClr val="accent2"/>
+            </a:solidFill>
+            <a:tailEnd type="triangle"/>
+          </a:ln>
+        </p:spPr>
+        <p:style>
+          <a:lnRef idx="1">
+            <a:schemeClr val="accent1"/>
+          </a:lnRef>
+          <a:fillRef idx="0">
+            <a:schemeClr val="accent1"/>
+          </a:fillRef>
+          <a:effectRef idx="0">
+            <a:schemeClr val="accent1"/>
+          </a:effectRef>
+          <a:fontRef idx="minor">
+            <a:schemeClr val="tx1"/>
+          </a:fontRef>
+        </p:style>
+      </p:cxnSp>
+      <p:cxnSp>
+        <p:nvCxnSpPr>
+          <p:cNvPr id="59" name="직선 화살표 연결선 58">
+            <a:extLst>
+              <a:ext uri="{FF2B5EF4-FFF2-40B4-BE49-F238E27FC236}">
+                <a16:creationId xmlns:a16="http://schemas.microsoft.com/office/drawing/2014/main" id="{D641867A-698F-A344-B50B-03211C1E40D8}"/>
+              </a:ext>
+            </a:extLst>
+          </p:cNvPr>
+          <p:cNvCxnSpPr>
+            <a:cxnSpLocks/>
+            <a:endCxn id="41" idx="1"/>
+          </p:cNvCxnSpPr>
+          <p:nvPr/>
+        </p:nvCxnSpPr>
+        <p:spPr>
+          <a:xfrm flipV="1">
+            <a:off x="1843400" y="3881579"/>
+            <a:ext cx="4476914" cy="852808"/>
+          </a:xfrm>
+          <a:prstGeom prst="straightConnector1">
+            <a:avLst/>
+          </a:prstGeom>
+          <a:ln w="12700">
+            <a:solidFill>
+              <a:schemeClr val="accent2"/>
+            </a:solidFill>
+            <a:tailEnd type="triangle"/>
+          </a:ln>
+        </p:spPr>
+        <p:style>
+          <a:lnRef idx="1">
+            <a:schemeClr val="accent1"/>
+          </a:lnRef>
+          <a:fillRef idx="0">
+            <a:schemeClr val="accent1"/>
+          </a:fillRef>
+          <a:effectRef idx="0">
+            <a:schemeClr val="accent1"/>
+          </a:effectRef>
+          <a:fontRef idx="minor">
+            <a:schemeClr val="tx1"/>
+          </a:fontRef>
+        </p:style>
+      </p:cxnSp>
+      <p:cxnSp>
+        <p:nvCxnSpPr>
+          <p:cNvPr id="62" name="직선 화살표 연결선 61">
+            <a:extLst>
+              <a:ext uri="{FF2B5EF4-FFF2-40B4-BE49-F238E27FC236}">
+                <a16:creationId xmlns:a16="http://schemas.microsoft.com/office/drawing/2014/main" id="{8A82D2D7-7A04-AD4C-AE48-60F43D599018}"/>
+              </a:ext>
+            </a:extLst>
+          </p:cNvPr>
+          <p:cNvCxnSpPr>
+            <a:cxnSpLocks/>
+            <a:endCxn id="50" idx="1"/>
+          </p:cNvCxnSpPr>
+          <p:nvPr/>
+        </p:nvCxnSpPr>
+        <p:spPr>
+          <a:xfrm flipV="1">
+            <a:off x="2613727" y="4978695"/>
+            <a:ext cx="3706587" cy="384168"/>
+          </a:xfrm>
+          <a:prstGeom prst="straightConnector1">
+            <a:avLst/>
+          </a:prstGeom>
+          <a:ln w="12700">
+            <a:solidFill>
+              <a:schemeClr val="accent2"/>
+            </a:solidFill>
+            <a:tailEnd type="triangle"/>
+          </a:ln>
+        </p:spPr>
+        <p:style>
+          <a:lnRef idx="1">
+            <a:schemeClr val="accent1"/>
+          </a:lnRef>
+          <a:fillRef idx="0">
+            <a:schemeClr val="accent1"/>
+          </a:fillRef>
+          <a:effectRef idx="0">
+            <a:schemeClr val="accent1"/>
+          </a:effectRef>
+          <a:fontRef idx="minor">
+            <a:schemeClr val="tx1"/>
+          </a:fontRef>
+        </p:style>
+      </p:cxnSp>
+    </p:spTree>
+    <p:extLst>
+      <p:ext uri="{BB962C8B-B14F-4D97-AF65-F5344CB8AC3E}">
+        <p14:creationId xmlns:p14="http://schemas.microsoft.com/office/powerpoint/2010/main" val="308954382"/>
+      </p:ext>
+    </p:extLst>
+  </p:cSld>
+  <p:clrMapOvr>
+    <a:masterClrMapping/>
+  </p:clrMapOvr>
+</p:sld>
+</file>
+
+<file path=ppt/slides/slide11.xml><?xml version="1.0" encoding="utf-8"?>
+<p:sld xmlns:a="http://schemas.openxmlformats.org/drawingml/2006/main" xmlns:r="http://schemas.openxmlformats.org/officeDocument/2006/relationships" xmlns:p="http://schemas.openxmlformats.org/presentationml/2006/main">
+  <p:cSld>
+    <p:spTree>
+      <p:nvGrpSpPr>
+        <p:cNvPr id="1" name=""/>
+        <p:cNvGrpSpPr/>
+        <p:nvPr/>
+      </p:nvGrpSpPr>
+      <p:grpSpPr>
+        <a:xfrm>
+          <a:off x="0" y="0"/>
+          <a:ext cx="0" cy="0"/>
+          <a:chOff x="0" y="0"/>
+          <a:chExt cx="0" cy="0"/>
+        </a:xfrm>
+      </p:grpSpPr>
+      <p:sp>
+        <p:nvSpPr>
+          <p:cNvPr id="37" name="직사각형 36">
+            <a:extLst>
+              <a:ext uri="{FF2B5EF4-FFF2-40B4-BE49-F238E27FC236}">
+                <a16:creationId xmlns:a16="http://schemas.microsoft.com/office/drawing/2014/main" id="{3F15C60C-17FE-422D-AFCF-73C75A021362}"/>
+              </a:ext>
+            </a:extLst>
+          </p:cNvPr>
+          <p:cNvSpPr/>
+          <p:nvPr/>
+        </p:nvSpPr>
+        <p:spPr>
+          <a:xfrm>
+            <a:off x="3697172" y="332194"/>
+            <a:ext cx="4713765" cy="735842"/>
+          </a:xfrm>
+          <a:prstGeom prst="rect">
+            <a:avLst/>
+          </a:prstGeom>
+        </p:spPr>
+        <p:txBody>
+          <a:bodyPr wrap="square">
+            <a:spAutoFit/>
+          </a:bodyPr>
+          <a:lstStyle/>
+          <a:p>
+            <a:pPr algn="ctr" latinLnBrk="0">
+              <a:lnSpc>
+                <a:spcPct val="150000"/>
+              </a:lnSpc>
+              <a:defRPr/>
+            </a:pPr>
+            <a:r>
+              <a:rPr lang="en-US" altLang="ko-KR" sz="3200" b="1" i="1" kern="0" dirty="0">
+                <a:solidFill>
+                  <a:srgbClr val="FF7876"/>
+                </a:solidFill>
+              </a:rPr>
+              <a:t>3</a:t>
+            </a:r>
+          </a:p>
+        </p:txBody>
+      </p:sp>
+      <p:cxnSp>
+        <p:nvCxnSpPr>
+          <p:cNvPr id="38" name="직선 연결선 37">
+            <a:extLst>
+              <a:ext uri="{FF2B5EF4-FFF2-40B4-BE49-F238E27FC236}">
+                <a16:creationId xmlns:a16="http://schemas.microsoft.com/office/drawing/2014/main" id="{940134F4-F272-426A-B50B-8075427DF501}"/>
+              </a:ext>
+            </a:extLst>
+          </p:cNvPr>
+          <p:cNvCxnSpPr>
+            <a:cxnSpLocks/>
+          </p:cNvCxnSpPr>
+          <p:nvPr/>
+        </p:nvCxnSpPr>
+        <p:spPr>
+          <a:xfrm flipV="1">
+            <a:off x="843148" y="847712"/>
+            <a:ext cx="4769087" cy="1"/>
+          </a:xfrm>
+          <a:prstGeom prst="line">
+            <a:avLst/>
+          </a:prstGeom>
+          <a:ln w="6350">
+            <a:solidFill>
+              <a:srgbClr val="FF7876"/>
+            </a:solidFill>
+            <a:prstDash val="sysDash"/>
+            <a:tailEnd type="oval"/>
+          </a:ln>
+        </p:spPr>
+        <p:style>
+          <a:lnRef idx="1">
+            <a:schemeClr val="accent1"/>
+          </a:lnRef>
+          <a:fillRef idx="0">
+            <a:schemeClr val="accent1"/>
+          </a:fillRef>
+          <a:effectRef idx="0">
+            <a:schemeClr val="accent1"/>
+          </a:effectRef>
+          <a:fontRef idx="minor">
+            <a:schemeClr val="tx1"/>
+          </a:fontRef>
+        </p:style>
+      </p:cxnSp>
+      <p:cxnSp>
+        <p:nvCxnSpPr>
+          <p:cNvPr id="39" name="직선 연결선 38">
+            <a:extLst>
+              <a:ext uri="{FF2B5EF4-FFF2-40B4-BE49-F238E27FC236}">
+                <a16:creationId xmlns:a16="http://schemas.microsoft.com/office/drawing/2014/main" id="{55EBD739-0979-4546-8E6B-9CA8052FC540}"/>
+              </a:ext>
+            </a:extLst>
+          </p:cNvPr>
+          <p:cNvCxnSpPr>
+            <a:cxnSpLocks/>
+          </p:cNvCxnSpPr>
+          <p:nvPr/>
+        </p:nvCxnSpPr>
+        <p:spPr>
+          <a:xfrm flipH="1">
+            <a:off x="6579767" y="847712"/>
+            <a:ext cx="4692810" cy="0"/>
+          </a:xfrm>
+          <a:prstGeom prst="line">
+            <a:avLst/>
+          </a:prstGeom>
+          <a:ln w="6350">
+            <a:solidFill>
+              <a:srgbClr val="FF7876"/>
+            </a:solidFill>
+            <a:prstDash val="sysDash"/>
+            <a:tailEnd type="oval"/>
+          </a:ln>
+        </p:spPr>
+        <p:style>
+          <a:lnRef idx="1">
+            <a:schemeClr val="accent1"/>
+          </a:lnRef>
+          <a:fillRef idx="0">
+            <a:schemeClr val="accent1"/>
+          </a:fillRef>
+          <a:effectRef idx="0">
+            <a:schemeClr val="accent1"/>
+          </a:effectRef>
+          <a:fontRef idx="minor">
+            <a:schemeClr val="tx1"/>
+          </a:fontRef>
+        </p:style>
+      </p:cxnSp>
+      <p:sp>
+        <p:nvSpPr>
+          <p:cNvPr id="8" name="TextBox 7">
+            <a:extLst>
+              <a:ext uri="{FF2B5EF4-FFF2-40B4-BE49-F238E27FC236}">
+                <a16:creationId xmlns:a16="http://schemas.microsoft.com/office/drawing/2014/main" id="{C18154B9-4F65-4277-8C17-63D9702FC25F}"/>
+              </a:ext>
+            </a:extLst>
+          </p:cNvPr>
+          <p:cNvSpPr txBox="1"/>
+          <p:nvPr/>
+        </p:nvSpPr>
+        <p:spPr>
+          <a:xfrm>
+            <a:off x="765146" y="963122"/>
+            <a:ext cx="10507430" cy="261610"/>
+          </a:xfrm>
+          <a:prstGeom prst="rect">
+            <a:avLst/>
+          </a:prstGeom>
+          <a:noFill/>
+        </p:spPr>
+        <p:txBody>
+          <a:bodyPr wrap="square" rtlCol="0">
+            <a:spAutoFit/>
+          </a:bodyPr>
+          <a:lstStyle/>
+          <a:p>
+            <a:pPr algn="ctr"/>
+            <a:r>
+              <a:rPr lang="ko-KR" altLang="en-US" sz="1100" i="1" dirty="0">
+                <a:solidFill>
+                  <a:srgbClr val="FF7876"/>
+                </a:solidFill>
+              </a:rPr>
+              <a:t>임의의 프로그램</a:t>
+            </a:r>
+            <a:endParaRPr lang="en-US" altLang="ko-KR" sz="1100" i="1" dirty="0">
+              <a:solidFill>
+                <a:srgbClr val="FF7876"/>
+              </a:solidFill>
+            </a:endParaRPr>
+          </a:p>
+        </p:txBody>
+      </p:sp>
+      <p:sp>
+        <p:nvSpPr>
+          <p:cNvPr id="35" name="TextBox 34">
+            <a:extLst>
+              <a:ext uri="{FF2B5EF4-FFF2-40B4-BE49-F238E27FC236}">
+                <a16:creationId xmlns:a16="http://schemas.microsoft.com/office/drawing/2014/main" id="{9964B3BA-B6C4-D848-8969-72AFAECB804B}"/>
+              </a:ext>
+            </a:extLst>
+          </p:cNvPr>
+          <p:cNvSpPr txBox="1"/>
+          <p:nvPr/>
+        </p:nvSpPr>
+        <p:spPr>
+          <a:xfrm>
+            <a:off x="6054054" y="5395148"/>
+            <a:ext cx="4619610" cy="769441"/>
+          </a:xfrm>
+          <a:prstGeom prst="rect">
+            <a:avLst/>
+          </a:prstGeom>
+          <a:noFill/>
+          <a:ln w="12700">
+            <a:solidFill>
+              <a:srgbClr val="FF7876"/>
+            </a:solidFill>
+          </a:ln>
+        </p:spPr>
+        <p:txBody>
+          <a:bodyPr wrap="square" rtlCol="0">
+            <a:spAutoFit/>
+          </a:bodyPr>
+          <a:lstStyle/>
+          <a:p>
+            <a:pPr algn="ctr"/>
+            <a:r>
+              <a:rPr lang="ko-Kore-KR" altLang="en-US" sz="1100" dirty="0"/>
+              <a:t>추출한 값이 해당 운세 내용과</a:t>
+            </a:r>
+            <a:endParaRPr lang="en-US" altLang="ko-Kore-KR" sz="1100" dirty="0"/>
+          </a:p>
+          <a:p>
+            <a:pPr algn="ctr"/>
+            <a:r>
+              <a:rPr lang="ko-Kore-KR" altLang="en-US" sz="1100" dirty="0"/>
+              <a:t>일치하는것을 볼 수 있습니다</a:t>
+            </a:r>
+            <a:r>
+              <a:rPr lang="en-US" altLang="ko-KR" sz="1100" dirty="0"/>
+              <a:t>.</a:t>
+            </a:r>
+          </a:p>
+          <a:p>
+            <a:pPr algn="ctr"/>
+            <a:r>
+              <a:rPr lang="ko-Kore-KR" altLang="en-US" sz="1100" dirty="0"/>
+              <a:t>연도와 띠 역시 일치하여</a:t>
+            </a:r>
+            <a:endParaRPr lang="en-US" altLang="ko-Kore-KR" sz="1100" dirty="0"/>
+          </a:p>
+          <a:p>
+            <a:pPr algn="ctr"/>
+            <a:r>
+              <a:rPr lang="ko-Kore-KR" altLang="en-US" sz="1100" dirty="0"/>
+              <a:t>정상적으로 하단탭에서 진행되는것 역시 볼 수 있습니다</a:t>
+            </a:r>
+            <a:r>
+              <a:rPr lang="en-US" altLang="ko-Kore-KR" sz="1100" dirty="0"/>
+              <a:t>.</a:t>
+            </a:r>
+          </a:p>
+        </p:txBody>
+      </p:sp>
+      <p:pic>
+        <p:nvPicPr>
+          <p:cNvPr id="2" name="그림 1">
+            <a:extLst>
+              <a:ext uri="{FF2B5EF4-FFF2-40B4-BE49-F238E27FC236}">
+                <a16:creationId xmlns:a16="http://schemas.microsoft.com/office/drawing/2014/main" id="{064A0847-F7AC-6E44-8B75-BA73AD887A94}"/>
+              </a:ext>
+            </a:extLst>
+          </p:cNvPr>
+          <p:cNvPicPr>
+            <a:picLocks noChangeAspect="1"/>
+          </p:cNvPicPr>
+          <p:nvPr/>
+        </p:nvPicPr>
+        <p:blipFill>
+          <a:blip r:embed="rId2"/>
+          <a:stretch>
+            <a:fillRect/>
+          </a:stretch>
+        </p:blipFill>
+        <p:spPr>
+          <a:xfrm>
+            <a:off x="434050" y="1248579"/>
+            <a:ext cx="4661512" cy="2552016"/>
+          </a:xfrm>
+          <a:prstGeom prst="rect">
+            <a:avLst/>
+          </a:prstGeom>
+        </p:spPr>
+      </p:pic>
+      <p:pic>
+        <p:nvPicPr>
+          <p:cNvPr id="3" name="그림 2">
+            <a:extLst>
+              <a:ext uri="{FF2B5EF4-FFF2-40B4-BE49-F238E27FC236}">
+                <a16:creationId xmlns:a16="http://schemas.microsoft.com/office/drawing/2014/main" id="{598E2AA9-F528-1046-A9F9-19BE88E96402}"/>
+              </a:ext>
+            </a:extLst>
+          </p:cNvPr>
+          <p:cNvPicPr>
+            <a:picLocks noChangeAspect="1"/>
+          </p:cNvPicPr>
+          <p:nvPr/>
+        </p:nvPicPr>
+        <p:blipFill>
+          <a:blip r:embed="rId3"/>
+          <a:stretch>
+            <a:fillRect/>
+          </a:stretch>
+        </p:blipFill>
+        <p:spPr>
+          <a:xfrm>
+            <a:off x="434049" y="3775772"/>
+            <a:ext cx="4644265" cy="2470540"/>
+          </a:xfrm>
+          <a:prstGeom prst="rect">
+            <a:avLst/>
+          </a:prstGeom>
+        </p:spPr>
+      </p:pic>
+      <p:pic>
+        <p:nvPicPr>
+          <p:cNvPr id="4" name="그림 3">
+            <a:extLst>
+              <a:ext uri="{FF2B5EF4-FFF2-40B4-BE49-F238E27FC236}">
+                <a16:creationId xmlns:a16="http://schemas.microsoft.com/office/drawing/2014/main" id="{C13CE374-F430-9C4A-942F-DEB7B62B85A8}"/>
+              </a:ext>
+            </a:extLst>
+          </p:cNvPr>
+          <p:cNvPicPr>
+            <a:picLocks noChangeAspect="1"/>
+          </p:cNvPicPr>
+          <p:nvPr/>
+        </p:nvPicPr>
+        <p:blipFill>
+          <a:blip r:embed="rId4"/>
+          <a:stretch>
+            <a:fillRect/>
+          </a:stretch>
+        </p:blipFill>
+        <p:spPr>
+          <a:xfrm>
+            <a:off x="5078314" y="1183445"/>
+            <a:ext cx="6967498" cy="4001511"/>
+          </a:xfrm>
+          <a:prstGeom prst="rect">
+            <a:avLst/>
+          </a:prstGeom>
+        </p:spPr>
+      </p:pic>
+      <p:sp>
+        <p:nvSpPr>
+          <p:cNvPr id="26" name="TextBox 25">
+            <a:extLst>
+              <a:ext uri="{FF2B5EF4-FFF2-40B4-BE49-F238E27FC236}">
+                <a16:creationId xmlns:a16="http://schemas.microsoft.com/office/drawing/2014/main" id="{2104202E-7C0F-E245-86FD-8EEEF219E5D5}"/>
+              </a:ext>
+            </a:extLst>
+          </p:cNvPr>
+          <p:cNvSpPr txBox="1"/>
+          <p:nvPr/>
+        </p:nvSpPr>
+        <p:spPr>
+          <a:xfrm>
+            <a:off x="6206453" y="4269006"/>
+            <a:ext cx="1812753" cy="141153"/>
+          </a:xfrm>
+          <a:prstGeom prst="rect">
+            <a:avLst/>
+          </a:prstGeom>
+          <a:noFill/>
+          <a:ln w="12700">
+            <a:solidFill>
+              <a:srgbClr val="FF7876"/>
+            </a:solidFill>
+          </a:ln>
+        </p:spPr>
+        <p:txBody>
+          <a:bodyPr wrap="square" rtlCol="0">
+            <a:spAutoFit/>
+          </a:bodyPr>
+          <a:lstStyle/>
+          <a:p>
+            <a:pPr algn="ctr"/>
+            <a:endParaRPr lang="en-US" altLang="ko-Kore-KR" sz="1100" dirty="0"/>
+          </a:p>
+        </p:txBody>
+      </p:sp>
+      <p:sp>
+        <p:nvSpPr>
+          <p:cNvPr id="27" name="TextBox 26">
+            <a:extLst>
+              <a:ext uri="{FF2B5EF4-FFF2-40B4-BE49-F238E27FC236}">
+                <a16:creationId xmlns:a16="http://schemas.microsoft.com/office/drawing/2014/main" id="{34D0C547-4EDF-404C-B7F2-163D77146DDF}"/>
+              </a:ext>
+            </a:extLst>
+          </p:cNvPr>
+          <p:cNvSpPr txBox="1"/>
+          <p:nvPr/>
+        </p:nvSpPr>
+        <p:spPr>
+          <a:xfrm>
+            <a:off x="686336" y="5395148"/>
+            <a:ext cx="4409226" cy="851164"/>
+          </a:xfrm>
+          <a:prstGeom prst="rect">
+            <a:avLst/>
+          </a:prstGeom>
+          <a:noFill/>
+          <a:ln w="12700">
+            <a:solidFill>
+              <a:srgbClr val="FF7876"/>
+            </a:solidFill>
+          </a:ln>
+        </p:spPr>
+        <p:txBody>
+          <a:bodyPr wrap="square" rtlCol="0">
+            <a:spAutoFit/>
+          </a:bodyPr>
+          <a:lstStyle/>
+          <a:p>
+            <a:pPr algn="ctr"/>
+            <a:endParaRPr lang="en-US" altLang="ko-Kore-KR" sz="1100" dirty="0"/>
+          </a:p>
+        </p:txBody>
+      </p:sp>
+      <p:sp>
+        <p:nvSpPr>
+          <p:cNvPr id="28" name="TextBox 27">
+            <a:extLst>
+              <a:ext uri="{FF2B5EF4-FFF2-40B4-BE49-F238E27FC236}">
+                <a16:creationId xmlns:a16="http://schemas.microsoft.com/office/drawing/2014/main" id="{4A0A4FCC-0A90-5549-A93E-B2557EC42F4F}"/>
+              </a:ext>
+            </a:extLst>
+          </p:cNvPr>
+          <p:cNvSpPr txBox="1"/>
+          <p:nvPr/>
+        </p:nvSpPr>
+        <p:spPr>
+          <a:xfrm>
+            <a:off x="6222637" y="3063690"/>
+            <a:ext cx="2751430" cy="365310"/>
+          </a:xfrm>
+          <a:prstGeom prst="rect">
+            <a:avLst/>
+          </a:prstGeom>
+          <a:noFill/>
+          <a:ln w="12700">
+            <a:solidFill>
+              <a:srgbClr val="FF7876"/>
+            </a:solidFill>
+          </a:ln>
+        </p:spPr>
+        <p:txBody>
+          <a:bodyPr wrap="square" rtlCol="0">
+            <a:spAutoFit/>
+          </a:bodyPr>
+          <a:lstStyle/>
+          <a:p>
+            <a:pPr algn="ctr"/>
+            <a:endParaRPr lang="en-US" altLang="ko-Kore-KR" sz="1100" dirty="0"/>
+          </a:p>
+        </p:txBody>
+      </p:sp>
+    </p:spTree>
+    <p:extLst>
+      <p:ext uri="{BB962C8B-B14F-4D97-AF65-F5344CB8AC3E}">
+        <p14:creationId xmlns:p14="http://schemas.microsoft.com/office/powerpoint/2010/main" val="4222994242"/>
+      </p:ext>
+    </p:extLst>
+  </p:cSld>
+  <p:clrMapOvr>
+    <a:masterClrMapping/>
+  </p:clrMapOvr>
+</p:sld>
+</file>
+
+<file path=ppt/slides/slide12.xml><?xml version="1.0" encoding="utf-8"?>
+<p:sld xmlns:a="http://schemas.openxmlformats.org/drawingml/2006/main" xmlns:r="http://schemas.openxmlformats.org/officeDocument/2006/relationships" xmlns:p="http://schemas.openxmlformats.org/presentationml/2006/main">
+  <p:cSld>
+    <p:spTree>
+      <p:nvGrpSpPr>
+        <p:cNvPr id="1" name=""/>
+        <p:cNvGrpSpPr/>
+        <p:nvPr/>
+      </p:nvGrpSpPr>
+      <p:grpSpPr>
+        <a:xfrm>
+          <a:off x="0" y="0"/>
+          <a:ext cx="0" cy="0"/>
+          <a:chOff x="0" y="0"/>
+          <a:chExt cx="0" cy="0"/>
+        </a:xfrm>
+      </p:grpSpPr>
+      <p:pic>
+        <p:nvPicPr>
+          <p:cNvPr id="7" name="그림 6">
+            <a:extLst>
+              <a:ext uri="{FF2B5EF4-FFF2-40B4-BE49-F238E27FC236}">
+                <a16:creationId xmlns:a16="http://schemas.microsoft.com/office/drawing/2014/main" id="{4603DAEC-CE19-4C44-96BD-7F755A7574E8}"/>
+              </a:ext>
+            </a:extLst>
+          </p:cNvPr>
+          <p:cNvPicPr>
+            <a:picLocks noChangeAspect="1"/>
+          </p:cNvPicPr>
+          <p:nvPr/>
+        </p:nvPicPr>
+        <p:blipFill>
+          <a:blip r:embed="rId2"/>
+          <a:stretch>
+            <a:fillRect/>
+          </a:stretch>
+        </p:blipFill>
+        <p:spPr>
+          <a:xfrm>
+            <a:off x="5884482" y="1340141"/>
+            <a:ext cx="4824927" cy="3017205"/>
+          </a:xfrm>
+          <a:prstGeom prst="rect">
+            <a:avLst/>
+          </a:prstGeom>
+        </p:spPr>
+      </p:pic>
+      <p:sp>
+        <p:nvSpPr>
+          <p:cNvPr id="37" name="직사각형 36">
+            <a:extLst>
+              <a:ext uri="{FF2B5EF4-FFF2-40B4-BE49-F238E27FC236}">
+                <a16:creationId xmlns:a16="http://schemas.microsoft.com/office/drawing/2014/main" id="{3F15C60C-17FE-422D-AFCF-73C75A021362}"/>
+              </a:ext>
+            </a:extLst>
+          </p:cNvPr>
+          <p:cNvSpPr/>
+          <p:nvPr/>
+        </p:nvSpPr>
+        <p:spPr>
+          <a:xfrm>
+            <a:off x="3697172" y="332194"/>
+            <a:ext cx="4713765" cy="735842"/>
+          </a:xfrm>
+          <a:prstGeom prst="rect">
+            <a:avLst/>
+          </a:prstGeom>
+        </p:spPr>
+        <p:txBody>
+          <a:bodyPr wrap="square">
+            <a:spAutoFit/>
+          </a:bodyPr>
+          <a:lstStyle/>
+          <a:p>
+            <a:pPr algn="ctr" latinLnBrk="0">
+              <a:lnSpc>
+                <a:spcPct val="150000"/>
+              </a:lnSpc>
+              <a:defRPr/>
+            </a:pPr>
+            <a:r>
+              <a:rPr lang="en-US" altLang="ko-KR" sz="3200" b="1" i="1" kern="0" dirty="0">
+                <a:solidFill>
+                  <a:srgbClr val="FF7876"/>
+                </a:solidFill>
+              </a:rPr>
+              <a:t>3</a:t>
+            </a:r>
+          </a:p>
+        </p:txBody>
+      </p:sp>
+      <p:cxnSp>
+        <p:nvCxnSpPr>
+          <p:cNvPr id="38" name="직선 연결선 37">
+            <a:extLst>
+              <a:ext uri="{FF2B5EF4-FFF2-40B4-BE49-F238E27FC236}">
+                <a16:creationId xmlns:a16="http://schemas.microsoft.com/office/drawing/2014/main" id="{940134F4-F272-426A-B50B-8075427DF501}"/>
+              </a:ext>
+            </a:extLst>
+          </p:cNvPr>
+          <p:cNvCxnSpPr>
+            <a:cxnSpLocks/>
+          </p:cNvCxnSpPr>
+          <p:nvPr/>
+        </p:nvCxnSpPr>
+        <p:spPr>
+          <a:xfrm flipV="1">
+            <a:off x="843148" y="847712"/>
+            <a:ext cx="4769087" cy="1"/>
+          </a:xfrm>
+          <a:prstGeom prst="line">
+            <a:avLst/>
+          </a:prstGeom>
+          <a:ln w="6350">
+            <a:solidFill>
+              <a:srgbClr val="FF7876"/>
+            </a:solidFill>
+            <a:prstDash val="sysDash"/>
+            <a:tailEnd type="oval"/>
+          </a:ln>
+        </p:spPr>
+        <p:style>
+          <a:lnRef idx="1">
+            <a:schemeClr val="accent1"/>
+          </a:lnRef>
+          <a:fillRef idx="0">
+            <a:schemeClr val="accent1"/>
+          </a:fillRef>
+          <a:effectRef idx="0">
+            <a:schemeClr val="accent1"/>
+          </a:effectRef>
+          <a:fontRef idx="minor">
+            <a:schemeClr val="tx1"/>
+          </a:fontRef>
+        </p:style>
+      </p:cxnSp>
+      <p:cxnSp>
+        <p:nvCxnSpPr>
+          <p:cNvPr id="39" name="직선 연결선 38">
+            <a:extLst>
+              <a:ext uri="{FF2B5EF4-FFF2-40B4-BE49-F238E27FC236}">
+                <a16:creationId xmlns:a16="http://schemas.microsoft.com/office/drawing/2014/main" id="{55EBD739-0979-4546-8E6B-9CA8052FC540}"/>
+              </a:ext>
+            </a:extLst>
+          </p:cNvPr>
+          <p:cNvCxnSpPr>
+            <a:cxnSpLocks/>
+          </p:cNvCxnSpPr>
+          <p:nvPr/>
+        </p:nvCxnSpPr>
+        <p:spPr>
+          <a:xfrm flipH="1">
+            <a:off x="6579767" y="847712"/>
+            <a:ext cx="4692810" cy="0"/>
+          </a:xfrm>
+          <a:prstGeom prst="line">
+            <a:avLst/>
+          </a:prstGeom>
+          <a:ln w="6350">
+            <a:solidFill>
+              <a:srgbClr val="FF7876"/>
+            </a:solidFill>
+            <a:prstDash val="sysDash"/>
+            <a:tailEnd type="oval"/>
+          </a:ln>
+        </p:spPr>
+        <p:style>
+          <a:lnRef idx="1">
+            <a:schemeClr val="accent1"/>
+          </a:lnRef>
+          <a:fillRef idx="0">
+            <a:schemeClr val="accent1"/>
+          </a:fillRef>
+          <a:effectRef idx="0">
+            <a:schemeClr val="accent1"/>
+          </a:effectRef>
+          <a:fontRef idx="minor">
+            <a:schemeClr val="tx1"/>
+          </a:fontRef>
+        </p:style>
+      </p:cxnSp>
+      <p:sp>
+        <p:nvSpPr>
+          <p:cNvPr id="8" name="TextBox 7">
+            <a:extLst>
+              <a:ext uri="{FF2B5EF4-FFF2-40B4-BE49-F238E27FC236}">
+                <a16:creationId xmlns:a16="http://schemas.microsoft.com/office/drawing/2014/main" id="{C18154B9-4F65-4277-8C17-63D9702FC25F}"/>
+              </a:ext>
+            </a:extLst>
+          </p:cNvPr>
+          <p:cNvSpPr txBox="1"/>
+          <p:nvPr/>
+        </p:nvSpPr>
+        <p:spPr>
+          <a:xfrm>
+            <a:off x="765146" y="963122"/>
+            <a:ext cx="10507430" cy="261610"/>
+          </a:xfrm>
+          <a:prstGeom prst="rect">
+            <a:avLst/>
+          </a:prstGeom>
+          <a:noFill/>
+        </p:spPr>
+        <p:txBody>
+          <a:bodyPr wrap="square" rtlCol="0">
+            <a:spAutoFit/>
+          </a:bodyPr>
+          <a:lstStyle/>
+          <a:p>
+            <a:pPr algn="ctr"/>
+            <a:r>
+              <a:rPr lang="ko-KR" altLang="en-US" sz="1100" i="1" dirty="0">
+                <a:solidFill>
+                  <a:srgbClr val="FF7876"/>
+                </a:solidFill>
+              </a:rPr>
+              <a:t>임의의 프로그램</a:t>
+            </a:r>
+            <a:endParaRPr lang="en-US" altLang="ko-KR" sz="1100" i="1" dirty="0">
+              <a:solidFill>
+                <a:srgbClr val="FF7876"/>
+              </a:solidFill>
+            </a:endParaRPr>
+          </a:p>
+        </p:txBody>
+      </p:sp>
+      <p:sp>
+        <p:nvSpPr>
+          <p:cNvPr id="35" name="TextBox 34">
+            <a:extLst>
+              <a:ext uri="{FF2B5EF4-FFF2-40B4-BE49-F238E27FC236}">
+                <a16:creationId xmlns:a16="http://schemas.microsoft.com/office/drawing/2014/main" id="{9964B3BA-B6C4-D848-8969-72AFAECB804B}"/>
+              </a:ext>
+            </a:extLst>
+          </p:cNvPr>
+          <p:cNvSpPr txBox="1"/>
+          <p:nvPr/>
+        </p:nvSpPr>
+        <p:spPr>
+          <a:xfrm>
+            <a:off x="5787016" y="5106316"/>
+            <a:ext cx="4619610" cy="600164"/>
+          </a:xfrm>
+          <a:prstGeom prst="rect">
+            <a:avLst/>
+          </a:prstGeom>
+          <a:noFill/>
+          <a:ln w="12700">
+            <a:solidFill>
+              <a:srgbClr val="FF7876"/>
+            </a:solidFill>
+          </a:ln>
+        </p:spPr>
+        <p:txBody>
+          <a:bodyPr wrap="square" rtlCol="0">
+            <a:spAutoFit/>
+          </a:bodyPr>
+          <a:lstStyle/>
+          <a:p>
+            <a:pPr algn="ctr"/>
+            <a:r>
+              <a:rPr lang="ko-Kore-KR" altLang="en-US" sz="1100" dirty="0"/>
+              <a:t>오류로 입력한 경우 역시</a:t>
+            </a:r>
+            <a:endParaRPr lang="en-US" altLang="ko-Kore-KR" sz="1100" dirty="0"/>
+          </a:p>
+          <a:p>
+            <a:pPr algn="ctr"/>
+            <a:r>
+              <a:rPr lang="ko-Kore-KR" altLang="en-US" sz="1100" dirty="0"/>
+              <a:t>예외처리가 작동하여</a:t>
+            </a:r>
+            <a:endParaRPr lang="en-US" altLang="ko-Kore-KR" sz="1100" dirty="0"/>
+          </a:p>
+          <a:p>
+            <a:pPr algn="ctr"/>
+            <a:r>
+              <a:rPr lang="ko-Kore-KR" altLang="en-US" sz="1100" dirty="0"/>
+              <a:t>하단 셀이 작동못하는것을 볼 수 있습니다</a:t>
+            </a:r>
+            <a:r>
+              <a:rPr lang="en-US" altLang="ko-Kore-KR" sz="1100" dirty="0"/>
+              <a:t>.</a:t>
+            </a:r>
+          </a:p>
+        </p:txBody>
+      </p:sp>
+      <p:pic>
+        <p:nvPicPr>
+          <p:cNvPr id="5" name="그림 4">
+            <a:extLst>
+              <a:ext uri="{FF2B5EF4-FFF2-40B4-BE49-F238E27FC236}">
+                <a16:creationId xmlns:a16="http://schemas.microsoft.com/office/drawing/2014/main" id="{1C3F311D-51AE-D04E-9CFE-58A839D24ED9}"/>
+              </a:ext>
+            </a:extLst>
+          </p:cNvPr>
+          <p:cNvPicPr>
+            <a:picLocks noChangeAspect="1"/>
+          </p:cNvPicPr>
+          <p:nvPr/>
+        </p:nvPicPr>
+        <p:blipFill>
+          <a:blip r:embed="rId3"/>
+          <a:stretch>
+            <a:fillRect/>
+          </a:stretch>
+        </p:blipFill>
+        <p:spPr>
+          <a:xfrm>
+            <a:off x="1072010" y="1340141"/>
+            <a:ext cx="4171231" cy="2609119"/>
+          </a:xfrm>
+          <a:prstGeom prst="rect">
+            <a:avLst/>
+          </a:prstGeom>
+        </p:spPr>
+      </p:pic>
+      <p:pic>
+        <p:nvPicPr>
+          <p:cNvPr id="6" name="그림 5">
+            <a:extLst>
+              <a:ext uri="{FF2B5EF4-FFF2-40B4-BE49-F238E27FC236}">
+                <a16:creationId xmlns:a16="http://schemas.microsoft.com/office/drawing/2014/main" id="{EB6EFA1D-D821-3C49-8BC6-0703E5DBF32F}"/>
+              </a:ext>
+            </a:extLst>
+          </p:cNvPr>
+          <p:cNvPicPr>
+            <a:picLocks noChangeAspect="1"/>
+          </p:cNvPicPr>
+          <p:nvPr/>
+        </p:nvPicPr>
+        <p:blipFill>
+          <a:blip r:embed="rId4"/>
+          <a:stretch>
+            <a:fillRect/>
+          </a:stretch>
+        </p:blipFill>
+        <p:spPr>
+          <a:xfrm>
+            <a:off x="1072010" y="4016117"/>
+            <a:ext cx="2823046" cy="2061028"/>
+          </a:xfrm>
+          <a:prstGeom prst="rect">
+            <a:avLst/>
+          </a:prstGeom>
+        </p:spPr>
+      </p:pic>
+    </p:spTree>
+    <p:extLst>
+      <p:ext uri="{BB962C8B-B14F-4D97-AF65-F5344CB8AC3E}">
+        <p14:creationId xmlns:p14="http://schemas.microsoft.com/office/powerpoint/2010/main" val="805036057"/>
+      </p:ext>
+    </p:extLst>
+  </p:cSld>
+  <p:clrMapOvr>
+    <a:masterClrMapping/>
+  </p:clrMapOvr>
+</p:sld>
+</file>
+
+<file path=ppt/slides/slide13.xml><?xml version="1.0" encoding="utf-8"?>
+<p:sld xmlns:a="http://schemas.openxmlformats.org/drawingml/2006/main" xmlns:r="http://schemas.openxmlformats.org/officeDocument/2006/relationships" xmlns:p="http://schemas.openxmlformats.org/presentationml/2006/main">
+  <p:cSld>
+    <p:spTree>
+      <p:nvGrpSpPr>
+        <p:cNvPr id="1" name=""/>
+        <p:cNvGrpSpPr/>
+        <p:nvPr/>
+      </p:nvGrpSpPr>
+      <p:grpSpPr>
+        <a:xfrm>
+          <a:off x="0" y="0"/>
+          <a:ext cx="0" cy="0"/>
+          <a:chOff x="0" y="0"/>
+          <a:chExt cx="0" cy="0"/>
+        </a:xfrm>
+      </p:grpSpPr>
+      <p:sp>
+        <p:nvSpPr>
+          <p:cNvPr id="105" name="직사각형 104">
+            <a:extLst>
+              <a:ext uri="{FF2B5EF4-FFF2-40B4-BE49-F238E27FC236}">
+                <a16:creationId xmlns:a16="http://schemas.microsoft.com/office/drawing/2014/main" id="{92F4E01E-679C-4D6B-8449-8DB2AF7B7D34}"/>
+              </a:ext>
+            </a:extLst>
+          </p:cNvPr>
+          <p:cNvSpPr/>
+          <p:nvPr/>
+        </p:nvSpPr>
+        <p:spPr>
+          <a:xfrm>
+            <a:off x="3739117" y="3003678"/>
+            <a:ext cx="4713765" cy="1032077"/>
+          </a:xfrm>
+          <a:prstGeom prst="rect">
+            <a:avLst/>
+          </a:prstGeom>
+        </p:spPr>
+        <p:txBody>
+          <a:bodyPr wrap="square">
+            <a:spAutoFit/>
+          </a:bodyPr>
+          <a:lstStyle/>
+          <a:p>
+            <a:pPr algn="ctr" latinLnBrk="0">
+              <a:lnSpc>
+                <a:spcPct val="150000"/>
+              </a:lnSpc>
+              <a:defRPr/>
+            </a:pPr>
+            <a:r>
+              <a:rPr lang="ko-KR" altLang="en-US" sz="3200" b="1" i="1" kern="0">
+                <a:solidFill>
+                  <a:srgbClr val="FF7876"/>
+                </a:solidFill>
+              </a:rPr>
+              <a:t>감사합니다</a:t>
+            </a:r>
+            <a:r>
+              <a:rPr lang="en-US" altLang="ko-KR" sz="3200" b="1" i="1" kern="0">
+                <a:solidFill>
+                  <a:prstClr val="black">
+                    <a:lumMod val="75000"/>
+                    <a:lumOff val="25000"/>
+                  </a:prstClr>
+                </a:solidFill>
+              </a:rPr>
+              <a:t> </a:t>
+            </a:r>
+            <a:endParaRPr lang="en-US" altLang="ko-KR" sz="3200" b="1" i="1" kern="0" dirty="0">
+              <a:solidFill>
+                <a:prstClr val="black">
+                  <a:lumMod val="75000"/>
+                  <a:lumOff val="25000"/>
+                </a:prstClr>
+              </a:solidFill>
+            </a:endParaRPr>
+          </a:p>
+          <a:p>
+            <a:pPr algn="ctr" latinLnBrk="0">
+              <a:lnSpc>
+                <a:spcPct val="150000"/>
+              </a:lnSpc>
+              <a:defRPr/>
+            </a:pPr>
+            <a:r>
+              <a:rPr lang="en-US" altLang="ko-KR" sz="900" kern="0">
+                <a:solidFill>
+                  <a:prstClr val="black">
+                    <a:lumMod val="75000"/>
+                    <a:lumOff val="25000"/>
+                  </a:prstClr>
+                </a:solidFill>
+              </a:rPr>
+              <a:t>20164091 </a:t>
+            </a:r>
+            <a:r>
+              <a:rPr lang="ko-KR" altLang="en-US" sz="900" kern="0">
+                <a:solidFill>
+                  <a:prstClr val="black">
+                    <a:lumMod val="75000"/>
+                    <a:lumOff val="25000"/>
+                  </a:prstClr>
+                </a:solidFill>
+              </a:rPr>
+              <a:t>송희령</a:t>
+            </a:r>
+            <a:endParaRPr lang="en-US" altLang="ko-KR" sz="900" kern="0" dirty="0">
+              <a:solidFill>
+                <a:prstClr val="black">
+                  <a:lumMod val="75000"/>
+                  <a:lumOff val="25000"/>
+                </a:prstClr>
+              </a:solidFill>
+            </a:endParaRPr>
+          </a:p>
+        </p:txBody>
+      </p:sp>
+      <p:cxnSp>
+        <p:nvCxnSpPr>
+          <p:cNvPr id="25" name="직선 연결선 24">
+            <a:extLst>
+              <a:ext uri="{FF2B5EF4-FFF2-40B4-BE49-F238E27FC236}">
+                <a16:creationId xmlns:a16="http://schemas.microsoft.com/office/drawing/2014/main" id="{5C950320-1D5A-4C58-BB46-CEBCD7EA92EE}"/>
+              </a:ext>
+            </a:extLst>
+          </p:cNvPr>
+          <p:cNvCxnSpPr>
+            <a:cxnSpLocks/>
+          </p:cNvCxnSpPr>
+          <p:nvPr/>
+        </p:nvCxnSpPr>
+        <p:spPr>
+          <a:xfrm flipV="1">
+            <a:off x="859926" y="3518678"/>
+            <a:ext cx="3747936" cy="519"/>
+          </a:xfrm>
+          <a:prstGeom prst="line">
+            <a:avLst/>
+          </a:prstGeom>
+          <a:ln w="6350">
+            <a:solidFill>
+              <a:srgbClr val="FF7876"/>
+            </a:solidFill>
+            <a:prstDash val="sysDash"/>
+            <a:tailEnd type="oval"/>
+          </a:ln>
+        </p:spPr>
+        <p:style>
+          <a:lnRef idx="1">
+            <a:schemeClr val="accent1"/>
+          </a:lnRef>
+          <a:fillRef idx="0">
+            <a:schemeClr val="accent1"/>
+          </a:fillRef>
+          <a:effectRef idx="0">
+            <a:schemeClr val="accent1"/>
+          </a:effectRef>
+          <a:fontRef idx="minor">
+            <a:schemeClr val="tx1"/>
+          </a:fontRef>
+        </p:style>
+      </p:cxnSp>
+      <p:cxnSp>
+        <p:nvCxnSpPr>
+          <p:cNvPr id="26" name="직선 연결선 25">
+            <a:extLst>
+              <a:ext uri="{FF2B5EF4-FFF2-40B4-BE49-F238E27FC236}">
+                <a16:creationId xmlns:a16="http://schemas.microsoft.com/office/drawing/2014/main" id="{4BADCF3C-651C-44CD-8DEE-E875CC3C1444}"/>
+              </a:ext>
+            </a:extLst>
+          </p:cNvPr>
+          <p:cNvCxnSpPr>
+            <a:cxnSpLocks/>
+          </p:cNvCxnSpPr>
+          <p:nvPr/>
+        </p:nvCxnSpPr>
+        <p:spPr>
+          <a:xfrm flipH="1">
+            <a:off x="7584140" y="3519196"/>
+            <a:ext cx="3688436" cy="0"/>
+          </a:xfrm>
+          <a:prstGeom prst="line">
+            <a:avLst/>
+          </a:prstGeom>
+          <a:ln w="6350">
+            <a:solidFill>
+              <a:srgbClr val="FF7876"/>
+            </a:solidFill>
+            <a:prstDash val="sysDash"/>
+            <a:tailEnd type="oval"/>
+          </a:ln>
+        </p:spPr>
+        <p:style>
+          <a:lnRef idx="1">
+            <a:schemeClr val="accent1"/>
+          </a:lnRef>
+          <a:fillRef idx="0">
+            <a:schemeClr val="accent1"/>
+          </a:fillRef>
+          <a:effectRef idx="0">
+            <a:schemeClr val="accent1"/>
+          </a:effectRef>
+          <a:fontRef idx="minor">
+            <a:schemeClr val="tx1"/>
+          </a:fontRef>
+        </p:style>
+      </p:cxnSp>
+    </p:spTree>
+    <p:extLst>
+      <p:ext uri="{BB962C8B-B14F-4D97-AF65-F5344CB8AC3E}">
+        <p14:creationId xmlns:p14="http://schemas.microsoft.com/office/powerpoint/2010/main" val="1066393970"/>
+      </p:ext>
+    </p:extLst>
+  </p:cSld>
+  <p:clrMapOvr>
+    <a:masterClrMapping/>
+  </p:clrMapOvr>
+</p:sld>
+</file>
+
 <file path=ppt/slides/slide2.xml><?xml version="1.0" encoding="utf-8"?>
 <p:sld xmlns:a="http://schemas.openxmlformats.org/drawingml/2006/main" xmlns:r="http://schemas.openxmlformats.org/officeDocument/2006/relationships" xmlns:p="http://schemas.openxmlformats.org/presentationml/2006/main">
   <p:cSld>
@@ -7579,10 +9743,10 @@
       </p:grpSpPr>
       <p:sp>
         <p:nvSpPr>
-          <p:cNvPr id="105" name="직사각형 104">
-            <a:extLst>
-              <a:ext uri="{FF2B5EF4-FFF2-40B4-BE49-F238E27FC236}">
-                <a16:creationId xmlns:a16="http://schemas.microsoft.com/office/drawing/2014/main" id="{92F4E01E-679C-4D6B-8449-8DB2AF7B7D34}"/>
+          <p:cNvPr id="37" name="직사각형 36">
+            <a:extLst>
+              <a:ext uri="{FF2B5EF4-FFF2-40B4-BE49-F238E27FC236}">
+                <a16:creationId xmlns:a16="http://schemas.microsoft.com/office/drawing/2014/main" id="{3F15C60C-17FE-422D-AFCF-73C75A021362}"/>
               </a:ext>
             </a:extLst>
           </p:cNvPr>
@@ -7591,8 +9755,8 @@
         </p:nvSpPr>
         <p:spPr>
           <a:xfrm>
-            <a:off x="3739117" y="3003678"/>
-            <a:ext cx="4713765" cy="1032077"/>
+            <a:off x="3697172" y="332194"/>
+            <a:ext cx="4713765" cy="735842"/>
           </a:xfrm>
           <a:prstGeom prst="rect">
             <a:avLst/>
@@ -7611,79 +9775,22 @@
               <a:defRPr/>
             </a:pPr>
             <a:r>
-              <a:rPr lang="ko-KR" altLang="en-US" sz="3200" b="1" i="1" kern="0">
+              <a:rPr lang="en-US" altLang="ko-KR" sz="3200" b="1" i="1" kern="0" dirty="0">
                 <a:solidFill>
                   <a:srgbClr val="FF7876"/>
                 </a:solidFill>
               </a:rPr>
-              <a:t>감사합니다</a:t>
-            </a:r>
-            <a:r>
-              <a:rPr lang="en-US" altLang="ko-KR" sz="3200" b="1" i="1" kern="0">
-                <a:solidFill>
-                  <a:prstClr val="black">
-                    <a:lumMod val="75000"/>
-                    <a:lumOff val="25000"/>
-                  </a:prstClr>
-                </a:solidFill>
-              </a:rPr>
-              <a:t> </a:t>
-            </a:r>
-            <a:endParaRPr lang="en-US" altLang="ko-KR" sz="3200" b="1" i="1" kern="0" dirty="0">
-              <a:solidFill>
-                <a:prstClr val="black">
-                  <a:lumMod val="75000"/>
-                  <a:lumOff val="25000"/>
-                </a:prstClr>
-              </a:solidFill>
-            </a:endParaRPr>
-          </a:p>
-          <a:p>
-            <a:pPr algn="ctr" latinLnBrk="0">
-              <a:lnSpc>
-                <a:spcPct val="150000"/>
-              </a:lnSpc>
-              <a:defRPr/>
-            </a:pPr>
-            <a:r>
-              <a:rPr lang="en-US" altLang="ko-KR" sz="900" kern="0">
-                <a:solidFill>
-                  <a:prstClr val="black">
-                    <a:lumMod val="75000"/>
-                    <a:lumOff val="25000"/>
-                  </a:prstClr>
-                </a:solidFill>
-              </a:rPr>
-              <a:t>20164091 </a:t>
-            </a:r>
-            <a:r>
-              <a:rPr lang="ko-KR" altLang="en-US" sz="900" kern="0">
-                <a:solidFill>
-                  <a:prstClr val="black">
-                    <a:lumMod val="75000"/>
-                    <a:lumOff val="25000"/>
-                  </a:prstClr>
-                </a:solidFill>
-              </a:rPr>
-              <a:t>송희령</a:t>
-            </a:r>
-            <a:endParaRPr lang="en-US" altLang="ko-KR" sz="900" kern="0" dirty="0">
-              <a:solidFill>
-                <a:prstClr val="black">
-                  <a:lumMod val="75000"/>
-                  <a:lumOff val="25000"/>
-                </a:prstClr>
-              </a:solidFill>
-            </a:endParaRPr>
+              <a:t>3</a:t>
+            </a:r>
           </a:p>
         </p:txBody>
       </p:sp>
       <p:cxnSp>
         <p:nvCxnSpPr>
-          <p:cNvPr id="25" name="직선 연결선 24">
-            <a:extLst>
-              <a:ext uri="{FF2B5EF4-FFF2-40B4-BE49-F238E27FC236}">
-                <a16:creationId xmlns:a16="http://schemas.microsoft.com/office/drawing/2014/main" id="{5C950320-1D5A-4C58-BB46-CEBCD7EA92EE}"/>
+          <p:cNvPr id="38" name="직선 연결선 37">
+            <a:extLst>
+              <a:ext uri="{FF2B5EF4-FFF2-40B4-BE49-F238E27FC236}">
+                <a16:creationId xmlns:a16="http://schemas.microsoft.com/office/drawing/2014/main" id="{940134F4-F272-426A-B50B-8075427DF501}"/>
               </a:ext>
             </a:extLst>
           </p:cNvPr>
@@ -7694,8 +9801,8 @@
         </p:nvCxnSpPr>
         <p:spPr>
           <a:xfrm flipV="1">
-            <a:off x="859926" y="3518678"/>
-            <a:ext cx="3747936" cy="519"/>
+            <a:off x="843148" y="847712"/>
+            <a:ext cx="4769087" cy="1"/>
           </a:xfrm>
           <a:prstGeom prst="line">
             <a:avLst/>
@@ -7725,10 +9832,10 @@
       </p:cxnSp>
       <p:cxnSp>
         <p:nvCxnSpPr>
-          <p:cNvPr id="26" name="직선 연결선 25">
-            <a:extLst>
-              <a:ext uri="{FF2B5EF4-FFF2-40B4-BE49-F238E27FC236}">
-                <a16:creationId xmlns:a16="http://schemas.microsoft.com/office/drawing/2014/main" id="{4BADCF3C-651C-44CD-8DEE-E875CC3C1444}"/>
+          <p:cNvPr id="39" name="직선 연결선 38">
+            <a:extLst>
+              <a:ext uri="{FF2B5EF4-FFF2-40B4-BE49-F238E27FC236}">
+                <a16:creationId xmlns:a16="http://schemas.microsoft.com/office/drawing/2014/main" id="{55EBD739-0979-4546-8E6B-9CA8052FC540}"/>
               </a:ext>
             </a:extLst>
           </p:cNvPr>
@@ -7739,8 +9846,8 @@
         </p:nvCxnSpPr>
         <p:spPr>
           <a:xfrm flipH="1">
-            <a:off x="7584140" y="3519196"/>
-            <a:ext cx="3688436" cy="0"/>
+            <a:off x="6579767" y="847712"/>
+            <a:ext cx="4692810" cy="0"/>
           </a:xfrm>
           <a:prstGeom prst="line">
             <a:avLst/>
@@ -7768,10 +9875,1296 @@
           </a:fontRef>
         </p:style>
       </p:cxnSp>
+      <p:sp>
+        <p:nvSpPr>
+          <p:cNvPr id="8" name="TextBox 7">
+            <a:extLst>
+              <a:ext uri="{FF2B5EF4-FFF2-40B4-BE49-F238E27FC236}">
+                <a16:creationId xmlns:a16="http://schemas.microsoft.com/office/drawing/2014/main" id="{C18154B9-4F65-4277-8C17-63D9702FC25F}"/>
+              </a:ext>
+            </a:extLst>
+          </p:cNvPr>
+          <p:cNvSpPr txBox="1"/>
+          <p:nvPr/>
+        </p:nvSpPr>
+        <p:spPr>
+          <a:xfrm>
+            <a:off x="765146" y="963122"/>
+            <a:ext cx="10507430" cy="261610"/>
+          </a:xfrm>
+          <a:prstGeom prst="rect">
+            <a:avLst/>
+          </a:prstGeom>
+          <a:noFill/>
+        </p:spPr>
+        <p:txBody>
+          <a:bodyPr wrap="square" rtlCol="0">
+            <a:spAutoFit/>
+          </a:bodyPr>
+          <a:lstStyle/>
+          <a:p>
+            <a:pPr algn="ctr"/>
+            <a:r>
+              <a:rPr lang="ko-KR" altLang="en-US" sz="1100" i="1" dirty="0">
+                <a:solidFill>
+                  <a:srgbClr val="FF7876"/>
+                </a:solidFill>
+              </a:rPr>
+              <a:t>임의의 프로그램</a:t>
+            </a:r>
+            <a:endParaRPr lang="en-US" altLang="ko-KR" sz="1100" i="1" dirty="0">
+              <a:solidFill>
+                <a:srgbClr val="FF7876"/>
+              </a:solidFill>
+            </a:endParaRPr>
+          </a:p>
+        </p:txBody>
+      </p:sp>
+      <p:sp>
+        <p:nvSpPr>
+          <p:cNvPr id="24" name="TextBox 23">
+            <a:extLst>
+              <a:ext uri="{FF2B5EF4-FFF2-40B4-BE49-F238E27FC236}">
+                <a16:creationId xmlns:a16="http://schemas.microsoft.com/office/drawing/2014/main" id="{0546762F-4C74-BE42-84BA-C6938BA61A8F}"/>
+              </a:ext>
+            </a:extLst>
+          </p:cNvPr>
+          <p:cNvSpPr txBox="1"/>
+          <p:nvPr/>
+        </p:nvSpPr>
+        <p:spPr>
+          <a:xfrm>
+            <a:off x="2654187" y="5826265"/>
+            <a:ext cx="6891953" cy="600164"/>
+          </a:xfrm>
+          <a:prstGeom prst="rect">
+            <a:avLst/>
+          </a:prstGeom>
+          <a:noFill/>
+          <a:ln w="12700">
+            <a:solidFill>
+              <a:srgbClr val="FF7876"/>
+            </a:solidFill>
+          </a:ln>
+        </p:spPr>
+        <p:txBody>
+          <a:bodyPr wrap="square" rtlCol="0">
+            <a:spAutoFit/>
+          </a:bodyPr>
+          <a:lstStyle/>
+          <a:p>
+            <a:pPr algn="ctr"/>
+            <a:r>
+              <a:rPr lang="ko-Kore-KR" altLang="en-US" sz="1100" dirty="0"/>
+              <a:t>저는 임의의 프로그램으로</a:t>
+            </a:r>
+            <a:endParaRPr lang="en-US" altLang="ko-Kore-KR" sz="1100" dirty="0"/>
+          </a:p>
+          <a:p>
+            <a:pPr algn="ctr"/>
+            <a:r>
+              <a:rPr lang="ko-Kore-KR" altLang="en-US" sz="1100" dirty="0"/>
+              <a:t>오늘의 운세를 출력해주는 코드를 구현해 보았습니다</a:t>
+            </a:r>
+            <a:r>
+              <a:rPr lang="en-US" altLang="ko-Kore-KR" sz="1100" dirty="0"/>
+              <a:t>.</a:t>
+            </a:r>
+          </a:p>
+          <a:p>
+            <a:pPr algn="ctr"/>
+            <a:r>
+              <a:rPr lang="ko-Kore-KR" altLang="en-US" sz="1100" dirty="0"/>
+              <a:t>크롤링 대상 사이트는 데일리운세</a:t>
+            </a:r>
+            <a:r>
+              <a:rPr lang="en-US" altLang="ko-Kore-KR" sz="1100" dirty="0"/>
+              <a:t>(</a:t>
+            </a:r>
+            <a:r>
+              <a:rPr lang="en-US" altLang="ko-Kore-KR" sz="1100" dirty="0">
+                <a:hlinkClick r:id="rId2"/>
+              </a:rPr>
+              <a:t>https://unse.daily.co.kr/?p=zodiac</a:t>
+            </a:r>
+            <a:r>
+              <a:rPr lang="en-US" altLang="ko-KR" sz="1100" dirty="0"/>
+              <a:t>) </a:t>
+            </a:r>
+            <a:r>
+              <a:rPr lang="ko-KR" altLang="en-US" sz="1100" dirty="0"/>
+              <a:t>입니다</a:t>
+            </a:r>
+            <a:r>
+              <a:rPr lang="en-US" altLang="ko-KR" sz="1100" dirty="0"/>
+              <a:t>.</a:t>
+            </a:r>
+            <a:endParaRPr lang="en-US" altLang="ko-Kore-KR" sz="1100" dirty="0"/>
+          </a:p>
+        </p:txBody>
+      </p:sp>
+      <p:pic>
+        <p:nvPicPr>
+          <p:cNvPr id="3" name="그림 2">
+            <a:extLst>
+              <a:ext uri="{FF2B5EF4-FFF2-40B4-BE49-F238E27FC236}">
+                <a16:creationId xmlns:a16="http://schemas.microsoft.com/office/drawing/2014/main" id="{758E408E-40A9-C34F-98FD-6DF2843713DF}"/>
+              </a:ext>
+            </a:extLst>
+          </p:cNvPr>
+          <p:cNvPicPr>
+            <a:picLocks noChangeAspect="1"/>
+          </p:cNvPicPr>
+          <p:nvPr/>
+        </p:nvPicPr>
+        <p:blipFill>
+          <a:blip r:embed="rId3"/>
+          <a:stretch>
+            <a:fillRect/>
+          </a:stretch>
+        </p:blipFill>
+        <p:spPr>
+          <a:xfrm>
+            <a:off x="2051839" y="1224732"/>
+            <a:ext cx="8004430" cy="4597032"/>
+          </a:xfrm>
+          <a:prstGeom prst="rect">
+            <a:avLst/>
+          </a:prstGeom>
+        </p:spPr>
+      </p:pic>
     </p:spTree>
     <p:extLst>
       <p:ext uri="{BB962C8B-B14F-4D97-AF65-F5344CB8AC3E}">
-        <p14:creationId xmlns:p14="http://schemas.microsoft.com/office/powerpoint/2010/main" val="1066393970"/>
+        <p14:creationId xmlns:p14="http://schemas.microsoft.com/office/powerpoint/2010/main" val="1842932507"/>
+      </p:ext>
+    </p:extLst>
+  </p:cSld>
+  <p:clrMapOvr>
+    <a:masterClrMapping/>
+  </p:clrMapOvr>
+</p:sld>
+</file>
+
+<file path=ppt/slides/slide9.xml><?xml version="1.0" encoding="utf-8"?>
+<p:sld xmlns:a="http://schemas.openxmlformats.org/drawingml/2006/main" xmlns:r="http://schemas.openxmlformats.org/officeDocument/2006/relationships" xmlns:p="http://schemas.openxmlformats.org/presentationml/2006/main">
+  <p:cSld>
+    <p:spTree>
+      <p:nvGrpSpPr>
+        <p:cNvPr id="1" name=""/>
+        <p:cNvGrpSpPr/>
+        <p:nvPr/>
+      </p:nvGrpSpPr>
+      <p:grpSpPr>
+        <a:xfrm>
+          <a:off x="0" y="0"/>
+          <a:ext cx="0" cy="0"/>
+          <a:chOff x="0" y="0"/>
+          <a:chExt cx="0" cy="0"/>
+        </a:xfrm>
+      </p:grpSpPr>
+      <p:sp>
+        <p:nvSpPr>
+          <p:cNvPr id="37" name="직사각형 36">
+            <a:extLst>
+              <a:ext uri="{FF2B5EF4-FFF2-40B4-BE49-F238E27FC236}">
+                <a16:creationId xmlns:a16="http://schemas.microsoft.com/office/drawing/2014/main" id="{3F15C60C-17FE-422D-AFCF-73C75A021362}"/>
+              </a:ext>
+            </a:extLst>
+          </p:cNvPr>
+          <p:cNvSpPr/>
+          <p:nvPr/>
+        </p:nvSpPr>
+        <p:spPr>
+          <a:xfrm>
+            <a:off x="3697172" y="332194"/>
+            <a:ext cx="4713765" cy="735842"/>
+          </a:xfrm>
+          <a:prstGeom prst="rect">
+            <a:avLst/>
+          </a:prstGeom>
+        </p:spPr>
+        <p:txBody>
+          <a:bodyPr wrap="square">
+            <a:spAutoFit/>
+          </a:bodyPr>
+          <a:lstStyle/>
+          <a:p>
+            <a:pPr algn="ctr" latinLnBrk="0">
+              <a:lnSpc>
+                <a:spcPct val="150000"/>
+              </a:lnSpc>
+              <a:defRPr/>
+            </a:pPr>
+            <a:r>
+              <a:rPr lang="en-US" altLang="ko-KR" sz="3200" b="1" i="1" kern="0" dirty="0">
+                <a:solidFill>
+                  <a:srgbClr val="FF7876"/>
+                </a:solidFill>
+              </a:rPr>
+              <a:t>3</a:t>
+            </a:r>
+          </a:p>
+        </p:txBody>
+      </p:sp>
+      <p:cxnSp>
+        <p:nvCxnSpPr>
+          <p:cNvPr id="38" name="직선 연결선 37">
+            <a:extLst>
+              <a:ext uri="{FF2B5EF4-FFF2-40B4-BE49-F238E27FC236}">
+                <a16:creationId xmlns:a16="http://schemas.microsoft.com/office/drawing/2014/main" id="{940134F4-F272-426A-B50B-8075427DF501}"/>
+              </a:ext>
+            </a:extLst>
+          </p:cNvPr>
+          <p:cNvCxnSpPr>
+            <a:cxnSpLocks/>
+          </p:cNvCxnSpPr>
+          <p:nvPr/>
+        </p:nvCxnSpPr>
+        <p:spPr>
+          <a:xfrm flipV="1">
+            <a:off x="843148" y="847712"/>
+            <a:ext cx="4769087" cy="1"/>
+          </a:xfrm>
+          <a:prstGeom prst="line">
+            <a:avLst/>
+          </a:prstGeom>
+          <a:ln w="6350">
+            <a:solidFill>
+              <a:srgbClr val="FF7876"/>
+            </a:solidFill>
+            <a:prstDash val="sysDash"/>
+            <a:tailEnd type="oval"/>
+          </a:ln>
+        </p:spPr>
+        <p:style>
+          <a:lnRef idx="1">
+            <a:schemeClr val="accent1"/>
+          </a:lnRef>
+          <a:fillRef idx="0">
+            <a:schemeClr val="accent1"/>
+          </a:fillRef>
+          <a:effectRef idx="0">
+            <a:schemeClr val="accent1"/>
+          </a:effectRef>
+          <a:fontRef idx="minor">
+            <a:schemeClr val="tx1"/>
+          </a:fontRef>
+        </p:style>
+      </p:cxnSp>
+      <p:cxnSp>
+        <p:nvCxnSpPr>
+          <p:cNvPr id="39" name="직선 연결선 38">
+            <a:extLst>
+              <a:ext uri="{FF2B5EF4-FFF2-40B4-BE49-F238E27FC236}">
+                <a16:creationId xmlns:a16="http://schemas.microsoft.com/office/drawing/2014/main" id="{55EBD739-0979-4546-8E6B-9CA8052FC540}"/>
+              </a:ext>
+            </a:extLst>
+          </p:cNvPr>
+          <p:cNvCxnSpPr>
+            <a:cxnSpLocks/>
+          </p:cNvCxnSpPr>
+          <p:nvPr/>
+        </p:nvCxnSpPr>
+        <p:spPr>
+          <a:xfrm flipH="1">
+            <a:off x="6579767" y="847712"/>
+            <a:ext cx="4692810" cy="0"/>
+          </a:xfrm>
+          <a:prstGeom prst="line">
+            <a:avLst/>
+          </a:prstGeom>
+          <a:ln w="6350">
+            <a:solidFill>
+              <a:srgbClr val="FF7876"/>
+            </a:solidFill>
+            <a:prstDash val="sysDash"/>
+            <a:tailEnd type="oval"/>
+          </a:ln>
+        </p:spPr>
+        <p:style>
+          <a:lnRef idx="1">
+            <a:schemeClr val="accent1"/>
+          </a:lnRef>
+          <a:fillRef idx="0">
+            <a:schemeClr val="accent1"/>
+          </a:fillRef>
+          <a:effectRef idx="0">
+            <a:schemeClr val="accent1"/>
+          </a:effectRef>
+          <a:fontRef idx="minor">
+            <a:schemeClr val="tx1"/>
+          </a:fontRef>
+        </p:style>
+      </p:cxnSp>
+      <p:sp>
+        <p:nvSpPr>
+          <p:cNvPr id="8" name="TextBox 7">
+            <a:extLst>
+              <a:ext uri="{FF2B5EF4-FFF2-40B4-BE49-F238E27FC236}">
+                <a16:creationId xmlns:a16="http://schemas.microsoft.com/office/drawing/2014/main" id="{C18154B9-4F65-4277-8C17-63D9702FC25F}"/>
+              </a:ext>
+            </a:extLst>
+          </p:cNvPr>
+          <p:cNvSpPr txBox="1"/>
+          <p:nvPr/>
+        </p:nvSpPr>
+        <p:spPr>
+          <a:xfrm>
+            <a:off x="765146" y="963122"/>
+            <a:ext cx="10507430" cy="261610"/>
+          </a:xfrm>
+          <a:prstGeom prst="rect">
+            <a:avLst/>
+          </a:prstGeom>
+          <a:noFill/>
+        </p:spPr>
+        <p:txBody>
+          <a:bodyPr wrap="square" rtlCol="0">
+            <a:spAutoFit/>
+          </a:bodyPr>
+          <a:lstStyle/>
+          <a:p>
+            <a:pPr algn="ctr"/>
+            <a:r>
+              <a:rPr lang="ko-KR" altLang="en-US" sz="1100" i="1" dirty="0">
+                <a:solidFill>
+                  <a:srgbClr val="FF7876"/>
+                </a:solidFill>
+              </a:rPr>
+              <a:t>임의의 프로그램</a:t>
+            </a:r>
+            <a:endParaRPr lang="en-US" altLang="ko-KR" sz="1100" i="1" dirty="0">
+              <a:solidFill>
+                <a:srgbClr val="FF7876"/>
+              </a:solidFill>
+            </a:endParaRPr>
+          </a:p>
+        </p:txBody>
+      </p:sp>
+      <p:sp>
+        <p:nvSpPr>
+          <p:cNvPr id="24" name="TextBox 23">
+            <a:extLst>
+              <a:ext uri="{FF2B5EF4-FFF2-40B4-BE49-F238E27FC236}">
+                <a16:creationId xmlns:a16="http://schemas.microsoft.com/office/drawing/2014/main" id="{0546762F-4C74-BE42-84BA-C6938BA61A8F}"/>
+              </a:ext>
+            </a:extLst>
+          </p:cNvPr>
+          <p:cNvSpPr txBox="1"/>
+          <p:nvPr/>
+        </p:nvSpPr>
+        <p:spPr>
+          <a:xfrm>
+            <a:off x="6304638" y="1478641"/>
+            <a:ext cx="4619610" cy="600164"/>
+          </a:xfrm>
+          <a:prstGeom prst="rect">
+            <a:avLst/>
+          </a:prstGeom>
+          <a:noFill/>
+          <a:ln w="12700">
+            <a:solidFill>
+              <a:srgbClr val="FF7876"/>
+            </a:solidFill>
+          </a:ln>
+        </p:spPr>
+        <p:txBody>
+          <a:bodyPr wrap="square" rtlCol="0">
+            <a:spAutoFit/>
+          </a:bodyPr>
+          <a:lstStyle/>
+          <a:p>
+            <a:pPr algn="ctr"/>
+            <a:r>
+              <a:rPr lang="ko-Kore-KR" altLang="en-US" sz="1100" dirty="0"/>
+              <a:t>먼저 해당 웹페이지의 </a:t>
+            </a:r>
+            <a:r>
+              <a:rPr lang="en-US" altLang="ko-Kore-KR" sz="1100" dirty="0"/>
+              <a:t>html</a:t>
+            </a:r>
+            <a:r>
+              <a:rPr lang="ko-Kore-KR" altLang="en-US" sz="1100" dirty="0"/>
+              <a:t>문서</a:t>
+            </a:r>
+            <a:endParaRPr lang="en-US" altLang="ko-Kore-KR" sz="1100" dirty="0"/>
+          </a:p>
+          <a:p>
+            <a:pPr algn="ctr"/>
+            <a:r>
+              <a:rPr lang="en-US" altLang="ko-Kore-KR" sz="1100" dirty="0" err="1"/>
+              <a:t>urllib</a:t>
+            </a:r>
+            <a:r>
+              <a:rPr lang="ko-Kore-KR" altLang="en-US" sz="1100" dirty="0"/>
+              <a:t>의 </a:t>
+            </a:r>
+            <a:r>
+              <a:rPr lang="en-US" altLang="ko-Kore-KR" sz="1100" dirty="0"/>
+              <a:t>request(</a:t>
+            </a:r>
+            <a:r>
+              <a:rPr lang="ko-Kore-KR" altLang="en-US" sz="1100" dirty="0"/>
+              <a:t>요청</a:t>
+            </a:r>
+            <a:r>
+              <a:rPr lang="en-US" altLang="ko-Kore-KR" sz="1100" dirty="0"/>
+              <a:t>)</a:t>
+            </a:r>
+            <a:r>
+              <a:rPr lang="ko-Kore-KR" altLang="en-US" sz="1100" dirty="0"/>
+              <a:t>로 주소를열어 가져옵니다</a:t>
+            </a:r>
+            <a:r>
+              <a:rPr lang="en-US" altLang="ko-Kore-KR" sz="1100" dirty="0"/>
+              <a:t>.</a:t>
+            </a:r>
+          </a:p>
+          <a:p>
+            <a:pPr algn="ctr"/>
+            <a:r>
+              <a:rPr lang="ko-Kore-KR" altLang="en-US" sz="1100" dirty="0"/>
+              <a:t>이후 </a:t>
+            </a:r>
+            <a:r>
+              <a:rPr lang="en-US" altLang="ko-Kore-KR" sz="1100" dirty="0" err="1"/>
+              <a:t>BeautifulSoup</a:t>
+            </a:r>
+            <a:r>
+              <a:rPr lang="ko-Kore-KR" altLang="en-US" sz="1100" dirty="0"/>
+              <a:t>으로 웹페이지 </a:t>
+            </a:r>
+            <a:r>
+              <a:rPr lang="en-US" altLang="ko-Kore-KR" sz="1100" dirty="0"/>
+              <a:t>html</a:t>
+            </a:r>
+            <a:r>
+              <a:rPr lang="ko-Kore-KR" altLang="en-US" sz="1100" dirty="0"/>
+              <a:t>파싱을 하여 등록합니다</a:t>
+            </a:r>
+            <a:endParaRPr lang="en-US" altLang="ko-Kore-KR" sz="1100" dirty="0"/>
+          </a:p>
+        </p:txBody>
+      </p:sp>
+      <p:pic>
+        <p:nvPicPr>
+          <p:cNvPr id="5" name="그림 4">
+            <a:extLst>
+              <a:ext uri="{FF2B5EF4-FFF2-40B4-BE49-F238E27FC236}">
+                <a16:creationId xmlns:a16="http://schemas.microsoft.com/office/drawing/2014/main" id="{3AC89724-8634-B449-AD20-2EBE548A9B7B}"/>
+              </a:ext>
+            </a:extLst>
+          </p:cNvPr>
+          <p:cNvPicPr>
+            <a:picLocks noChangeAspect="1"/>
+          </p:cNvPicPr>
+          <p:nvPr/>
+        </p:nvPicPr>
+        <p:blipFill>
+          <a:blip r:embed="rId2"/>
+          <a:stretch>
+            <a:fillRect/>
+          </a:stretch>
+        </p:blipFill>
+        <p:spPr>
+          <a:xfrm>
+            <a:off x="129402" y="1698964"/>
+            <a:ext cx="5312900" cy="3847763"/>
+          </a:xfrm>
+          <a:prstGeom prst="rect">
+            <a:avLst/>
+          </a:prstGeom>
+        </p:spPr>
+      </p:pic>
+      <p:sp>
+        <p:nvSpPr>
+          <p:cNvPr id="11" name="오른쪽 중괄호[R] 10">
+            <a:extLst>
+              <a:ext uri="{FF2B5EF4-FFF2-40B4-BE49-F238E27FC236}">
+                <a16:creationId xmlns:a16="http://schemas.microsoft.com/office/drawing/2014/main" id="{32AC7406-DA27-404F-A8C9-66E76BC9DCF7}"/>
+              </a:ext>
+            </a:extLst>
+          </p:cNvPr>
+          <p:cNvSpPr/>
+          <p:nvPr/>
+        </p:nvSpPr>
+        <p:spPr>
+          <a:xfrm>
+            <a:off x="5162409" y="2131586"/>
+            <a:ext cx="241918" cy="386678"/>
+          </a:xfrm>
+          <a:prstGeom prst="rightBrace">
+            <a:avLst/>
+          </a:prstGeom>
+          <a:ln w="12700">
+            <a:solidFill>
+              <a:srgbClr val="FF7876"/>
+            </a:solidFill>
+          </a:ln>
+        </p:spPr>
+        <p:style>
+          <a:lnRef idx="1">
+            <a:schemeClr val="accent1"/>
+          </a:lnRef>
+          <a:fillRef idx="0">
+            <a:schemeClr val="accent1"/>
+          </a:fillRef>
+          <a:effectRef idx="0">
+            <a:schemeClr val="accent1"/>
+          </a:effectRef>
+          <a:fontRef idx="minor">
+            <a:schemeClr val="tx1"/>
+          </a:fontRef>
+        </p:style>
+        <p:txBody>
+          <a:bodyPr rtlCol="0" anchor="ctr"/>
+          <a:lstStyle/>
+          <a:p>
+            <a:pPr algn="ctr"/>
+            <a:endParaRPr kumimoji="1" lang="ko-Kore-KR" altLang="en-US" dirty="0"/>
+          </a:p>
+        </p:txBody>
+      </p:sp>
+      <p:cxnSp>
+        <p:nvCxnSpPr>
+          <p:cNvPr id="12" name="직선 화살표 연결선 11">
+            <a:extLst>
+              <a:ext uri="{FF2B5EF4-FFF2-40B4-BE49-F238E27FC236}">
+                <a16:creationId xmlns:a16="http://schemas.microsoft.com/office/drawing/2014/main" id="{F665C652-9669-FC49-B41D-202CC6047C0A}"/>
+              </a:ext>
+            </a:extLst>
+          </p:cNvPr>
+          <p:cNvCxnSpPr>
+            <a:cxnSpLocks/>
+            <a:stCxn id="11" idx="1"/>
+            <a:endCxn id="24" idx="1"/>
+          </p:cNvCxnSpPr>
+          <p:nvPr/>
+        </p:nvCxnSpPr>
+        <p:spPr>
+          <a:xfrm flipV="1">
+            <a:off x="5404327" y="1778723"/>
+            <a:ext cx="900311" cy="546202"/>
+          </a:xfrm>
+          <a:prstGeom prst="straightConnector1">
+            <a:avLst/>
+          </a:prstGeom>
+          <a:ln w="12700">
+            <a:solidFill>
+              <a:srgbClr val="FF7876"/>
+            </a:solidFill>
+            <a:tailEnd type="triangle"/>
+          </a:ln>
+        </p:spPr>
+        <p:style>
+          <a:lnRef idx="1">
+            <a:schemeClr val="accent1"/>
+          </a:lnRef>
+          <a:fillRef idx="0">
+            <a:schemeClr val="accent1"/>
+          </a:fillRef>
+          <a:effectRef idx="0">
+            <a:schemeClr val="accent1"/>
+          </a:effectRef>
+          <a:fontRef idx="minor">
+            <a:schemeClr val="tx1"/>
+          </a:fontRef>
+        </p:style>
+      </p:cxnSp>
+      <p:sp>
+        <p:nvSpPr>
+          <p:cNvPr id="14" name="오른쪽 중괄호[R] 13">
+            <a:extLst>
+              <a:ext uri="{FF2B5EF4-FFF2-40B4-BE49-F238E27FC236}">
+                <a16:creationId xmlns:a16="http://schemas.microsoft.com/office/drawing/2014/main" id="{9AA29A28-621E-FE41-B9ED-15D704E6DFCC}"/>
+              </a:ext>
+            </a:extLst>
+          </p:cNvPr>
+          <p:cNvSpPr/>
+          <p:nvPr/>
+        </p:nvSpPr>
+        <p:spPr>
+          <a:xfrm>
+            <a:off x="5321343" y="3109805"/>
+            <a:ext cx="241918" cy="725820"/>
+          </a:xfrm>
+          <a:prstGeom prst="rightBrace">
+            <a:avLst/>
+          </a:prstGeom>
+          <a:ln w="12700">
+            <a:solidFill>
+              <a:srgbClr val="FF7876"/>
+            </a:solidFill>
+          </a:ln>
+        </p:spPr>
+        <p:style>
+          <a:lnRef idx="1">
+            <a:schemeClr val="accent1"/>
+          </a:lnRef>
+          <a:fillRef idx="0">
+            <a:schemeClr val="accent1"/>
+          </a:fillRef>
+          <a:effectRef idx="0">
+            <a:schemeClr val="accent1"/>
+          </a:effectRef>
+          <a:fontRef idx="minor">
+            <a:schemeClr val="tx1"/>
+          </a:fontRef>
+        </p:style>
+        <p:txBody>
+          <a:bodyPr rtlCol="0" anchor="ctr"/>
+          <a:lstStyle/>
+          <a:p>
+            <a:pPr algn="ctr"/>
+            <a:endParaRPr kumimoji="1" lang="ko-Kore-KR" altLang="en-US" dirty="0"/>
+          </a:p>
+        </p:txBody>
+      </p:sp>
+      <p:cxnSp>
+        <p:nvCxnSpPr>
+          <p:cNvPr id="15" name="직선 화살표 연결선 14">
+            <a:extLst>
+              <a:ext uri="{FF2B5EF4-FFF2-40B4-BE49-F238E27FC236}">
+                <a16:creationId xmlns:a16="http://schemas.microsoft.com/office/drawing/2014/main" id="{5A79820B-D97F-B941-9D94-68685D642C20}"/>
+              </a:ext>
+            </a:extLst>
+          </p:cNvPr>
+          <p:cNvCxnSpPr>
+            <a:cxnSpLocks/>
+            <a:stCxn id="14" idx="1"/>
+            <a:endCxn id="18" idx="1"/>
+          </p:cNvCxnSpPr>
+          <p:nvPr/>
+        </p:nvCxnSpPr>
+        <p:spPr>
+          <a:xfrm flipV="1">
+            <a:off x="5563261" y="3263637"/>
+            <a:ext cx="741377" cy="209078"/>
+          </a:xfrm>
+          <a:prstGeom prst="straightConnector1">
+            <a:avLst/>
+          </a:prstGeom>
+          <a:ln w="12700">
+            <a:solidFill>
+              <a:srgbClr val="FF7876"/>
+            </a:solidFill>
+            <a:tailEnd type="triangle"/>
+          </a:ln>
+        </p:spPr>
+        <p:style>
+          <a:lnRef idx="1">
+            <a:schemeClr val="accent1"/>
+          </a:lnRef>
+          <a:fillRef idx="0">
+            <a:schemeClr val="accent1"/>
+          </a:fillRef>
+          <a:effectRef idx="0">
+            <a:schemeClr val="accent1"/>
+          </a:effectRef>
+          <a:fontRef idx="minor">
+            <a:schemeClr val="tx1"/>
+          </a:fontRef>
+        </p:style>
+      </p:cxnSp>
+      <p:sp>
+        <p:nvSpPr>
+          <p:cNvPr id="18" name="TextBox 17">
+            <a:extLst>
+              <a:ext uri="{FF2B5EF4-FFF2-40B4-BE49-F238E27FC236}">
+                <a16:creationId xmlns:a16="http://schemas.microsoft.com/office/drawing/2014/main" id="{1F74266E-6485-C94D-9125-50CE6FECF8ED}"/>
+              </a:ext>
+            </a:extLst>
+          </p:cNvPr>
+          <p:cNvSpPr txBox="1"/>
+          <p:nvPr/>
+        </p:nvSpPr>
+        <p:spPr>
+          <a:xfrm>
+            <a:off x="6304638" y="2878916"/>
+            <a:ext cx="4619610" cy="769441"/>
+          </a:xfrm>
+          <a:prstGeom prst="rect">
+            <a:avLst/>
+          </a:prstGeom>
+          <a:noFill/>
+          <a:ln w="12700">
+            <a:solidFill>
+              <a:srgbClr val="FF7876"/>
+            </a:solidFill>
+          </a:ln>
+        </p:spPr>
+        <p:txBody>
+          <a:bodyPr wrap="square" rtlCol="0">
+            <a:spAutoFit/>
+          </a:bodyPr>
+          <a:lstStyle/>
+          <a:p>
+            <a:pPr algn="ctr"/>
+            <a:r>
+              <a:rPr lang="en-US" altLang="ko-Kore-KR" sz="1100" dirty="0"/>
+              <a:t>try </a:t>
+            </a:r>
+            <a:r>
+              <a:rPr lang="ko-Kore-KR" altLang="en-US" sz="1100" dirty="0"/>
+              <a:t>내부에서 실행되는 사용자 정보 입력부분 입니다</a:t>
+            </a:r>
+            <a:r>
+              <a:rPr lang="en-US" altLang="ko-Kore-KR" sz="1100" dirty="0"/>
+              <a:t>.</a:t>
+            </a:r>
+          </a:p>
+          <a:p>
+            <a:pPr algn="ctr"/>
+            <a:r>
+              <a:rPr lang="ko-Kore-KR" altLang="en-US" sz="1100" dirty="0"/>
+              <a:t>각각 변수에 연도와 띠를 입력받습니다</a:t>
+            </a:r>
+            <a:r>
+              <a:rPr lang="en-US" altLang="ko-Kore-KR" sz="1100" dirty="0"/>
+              <a:t>.</a:t>
+            </a:r>
+          </a:p>
+          <a:p>
+            <a:pPr algn="ctr"/>
+            <a:r>
+              <a:rPr lang="ko-Kore-KR" altLang="en-US" sz="1100" dirty="0"/>
+              <a:t>이후 웹페이지의 소스에서 띠별 구분의 </a:t>
+            </a:r>
+            <a:r>
+              <a:rPr lang="en-US" altLang="ko-Kore-KR" sz="1100" dirty="0"/>
+              <a:t>id</a:t>
+            </a:r>
+            <a:r>
+              <a:rPr lang="ko-Kore-KR" altLang="en-US" sz="1100" dirty="0"/>
+              <a:t>부분에서 착안하여</a:t>
+            </a:r>
+            <a:endParaRPr lang="en-US" altLang="ko-Kore-KR" sz="1100" dirty="0"/>
+          </a:p>
+          <a:p>
+            <a:pPr algn="ctr"/>
+            <a:r>
+              <a:rPr lang="ko-Kore-KR" altLang="en-US" sz="1100" dirty="0"/>
+              <a:t>해당 코드숫자를 구하도록 인덱스를 구하는 작업을 진행합니다</a:t>
+            </a:r>
+            <a:r>
+              <a:rPr lang="en-US" altLang="ko-Kore-KR" sz="1100" dirty="0"/>
+              <a:t>.</a:t>
+            </a:r>
+          </a:p>
+        </p:txBody>
+      </p:sp>
+      <p:sp>
+        <p:nvSpPr>
+          <p:cNvPr id="20" name="오른쪽 중괄호[R] 19">
+            <a:extLst>
+              <a:ext uri="{FF2B5EF4-FFF2-40B4-BE49-F238E27FC236}">
+                <a16:creationId xmlns:a16="http://schemas.microsoft.com/office/drawing/2014/main" id="{10E157E8-2035-7342-AA8F-1AE21968E288}"/>
+              </a:ext>
+            </a:extLst>
+          </p:cNvPr>
+          <p:cNvSpPr/>
+          <p:nvPr/>
+        </p:nvSpPr>
+        <p:spPr>
+          <a:xfrm>
+            <a:off x="2278947" y="2656987"/>
+            <a:ext cx="241918" cy="221929"/>
+          </a:xfrm>
+          <a:prstGeom prst="rightBrace">
+            <a:avLst/>
+          </a:prstGeom>
+          <a:ln w="12700">
+            <a:solidFill>
+              <a:srgbClr val="FF7876"/>
+            </a:solidFill>
+          </a:ln>
+        </p:spPr>
+        <p:style>
+          <a:lnRef idx="1">
+            <a:schemeClr val="accent1"/>
+          </a:lnRef>
+          <a:fillRef idx="0">
+            <a:schemeClr val="accent1"/>
+          </a:fillRef>
+          <a:effectRef idx="0">
+            <a:schemeClr val="accent1"/>
+          </a:effectRef>
+          <a:fontRef idx="minor">
+            <a:schemeClr val="tx1"/>
+          </a:fontRef>
+        </p:style>
+        <p:txBody>
+          <a:bodyPr rtlCol="0" anchor="ctr"/>
+          <a:lstStyle/>
+          <a:p>
+            <a:pPr algn="ctr"/>
+            <a:endParaRPr kumimoji="1" lang="ko-Kore-KR" altLang="en-US" dirty="0"/>
+          </a:p>
+        </p:txBody>
+      </p:sp>
+      <p:cxnSp>
+        <p:nvCxnSpPr>
+          <p:cNvPr id="21" name="직선 화살표 연결선 20">
+            <a:extLst>
+              <a:ext uri="{FF2B5EF4-FFF2-40B4-BE49-F238E27FC236}">
+                <a16:creationId xmlns:a16="http://schemas.microsoft.com/office/drawing/2014/main" id="{77D5135A-8D7F-444E-B340-D4CA11CD9489}"/>
+              </a:ext>
+            </a:extLst>
+          </p:cNvPr>
+          <p:cNvCxnSpPr>
+            <a:cxnSpLocks/>
+            <a:stCxn id="20" idx="1"/>
+            <a:endCxn id="25" idx="1"/>
+          </p:cNvCxnSpPr>
+          <p:nvPr/>
+        </p:nvCxnSpPr>
+        <p:spPr>
+          <a:xfrm flipV="1">
+            <a:off x="2520865" y="2489851"/>
+            <a:ext cx="3775913" cy="278101"/>
+          </a:xfrm>
+          <a:prstGeom prst="straightConnector1">
+            <a:avLst/>
+          </a:prstGeom>
+          <a:ln w="12700">
+            <a:solidFill>
+              <a:srgbClr val="FF7876"/>
+            </a:solidFill>
+            <a:tailEnd type="triangle"/>
+          </a:ln>
+        </p:spPr>
+        <p:style>
+          <a:lnRef idx="1">
+            <a:schemeClr val="accent1"/>
+          </a:lnRef>
+          <a:fillRef idx="0">
+            <a:schemeClr val="accent1"/>
+          </a:fillRef>
+          <a:effectRef idx="0">
+            <a:schemeClr val="accent1"/>
+          </a:effectRef>
+          <a:fontRef idx="minor">
+            <a:schemeClr val="tx1"/>
+          </a:fontRef>
+        </p:style>
+      </p:cxnSp>
+      <p:sp>
+        <p:nvSpPr>
+          <p:cNvPr id="25" name="TextBox 24">
+            <a:extLst>
+              <a:ext uri="{FF2B5EF4-FFF2-40B4-BE49-F238E27FC236}">
+                <a16:creationId xmlns:a16="http://schemas.microsoft.com/office/drawing/2014/main" id="{96BFA6F1-E198-BA44-A22E-01F603660963}"/>
+              </a:ext>
+            </a:extLst>
+          </p:cNvPr>
+          <p:cNvSpPr txBox="1"/>
+          <p:nvPr/>
+        </p:nvSpPr>
+        <p:spPr>
+          <a:xfrm>
+            <a:off x="6296778" y="2189769"/>
+            <a:ext cx="4619610" cy="600164"/>
+          </a:xfrm>
+          <a:prstGeom prst="rect">
+            <a:avLst/>
+          </a:prstGeom>
+          <a:noFill/>
+          <a:ln w="12700">
+            <a:solidFill>
+              <a:srgbClr val="FF7876"/>
+            </a:solidFill>
+          </a:ln>
+        </p:spPr>
+        <p:txBody>
+          <a:bodyPr wrap="square" rtlCol="0">
+            <a:spAutoFit/>
+          </a:bodyPr>
+          <a:lstStyle/>
+          <a:p>
+            <a:pPr algn="ctr"/>
+            <a:r>
+              <a:rPr lang="ko-Kore-KR" altLang="en-US" sz="1100" dirty="0"/>
+              <a:t>해당 셀에선 연도와 띠를 입력받게 설정하였습니다</a:t>
+            </a:r>
+            <a:r>
+              <a:rPr lang="en-US" altLang="ko-Kore-KR" sz="1100" dirty="0"/>
+              <a:t>.</a:t>
+            </a:r>
+          </a:p>
+          <a:p>
+            <a:pPr algn="ctr"/>
+            <a:r>
+              <a:rPr lang="ko-Kore-KR" altLang="en-US" sz="1100" dirty="0"/>
+              <a:t>입력값이 부정확한 경우를 위해 </a:t>
+            </a:r>
+            <a:r>
+              <a:rPr lang="en-US" altLang="ko-Kore-KR" sz="1100" dirty="0"/>
+              <a:t>Bool</a:t>
+            </a:r>
+            <a:r>
+              <a:rPr lang="ko-Kore-KR" altLang="en-US" sz="1100" dirty="0"/>
+              <a:t>타입 변수와</a:t>
+            </a:r>
+            <a:endParaRPr lang="en-US" altLang="ko-Kore-KR" sz="1100" dirty="0"/>
+          </a:p>
+          <a:p>
+            <a:pPr algn="ctr"/>
+            <a:r>
+              <a:rPr lang="en-US" altLang="ko-Kore-KR" sz="1100" dirty="0"/>
+              <a:t>try except</a:t>
+            </a:r>
+            <a:r>
+              <a:rPr lang="ko-Kore-KR" altLang="en-US" sz="1100" dirty="0"/>
+              <a:t>로 예외처리를하여 입력값에 정확성을 추구하였습니다</a:t>
+            </a:r>
+            <a:r>
+              <a:rPr lang="en-US" altLang="ko-Kore-KR" sz="1100" dirty="0"/>
+              <a:t>.</a:t>
+            </a:r>
+          </a:p>
+        </p:txBody>
+      </p:sp>
+      <p:pic>
+        <p:nvPicPr>
+          <p:cNvPr id="22" name="그림 21">
+            <a:extLst>
+              <a:ext uri="{FF2B5EF4-FFF2-40B4-BE49-F238E27FC236}">
+                <a16:creationId xmlns:a16="http://schemas.microsoft.com/office/drawing/2014/main" id="{0A1A8738-9CC0-C04A-9901-86DA02CDA59F}"/>
+              </a:ext>
+            </a:extLst>
+          </p:cNvPr>
+          <p:cNvPicPr>
+            <a:picLocks noChangeAspect="1"/>
+          </p:cNvPicPr>
+          <p:nvPr/>
+        </p:nvPicPr>
+        <p:blipFill>
+          <a:blip r:embed="rId3"/>
+          <a:stretch>
+            <a:fillRect/>
+          </a:stretch>
+        </p:blipFill>
+        <p:spPr>
+          <a:xfrm>
+            <a:off x="6304638" y="3737340"/>
+            <a:ext cx="2345680" cy="968400"/>
+          </a:xfrm>
+          <a:prstGeom prst="rect">
+            <a:avLst/>
+          </a:prstGeom>
+        </p:spPr>
+      </p:pic>
+      <p:pic>
+        <p:nvPicPr>
+          <p:cNvPr id="23" name="그림 22">
+            <a:extLst>
+              <a:ext uri="{FF2B5EF4-FFF2-40B4-BE49-F238E27FC236}">
+                <a16:creationId xmlns:a16="http://schemas.microsoft.com/office/drawing/2014/main" id="{A8CE7962-F5AC-8A49-BFC5-24EA5688B08E}"/>
+              </a:ext>
+            </a:extLst>
+          </p:cNvPr>
+          <p:cNvPicPr>
+            <a:picLocks noChangeAspect="1"/>
+          </p:cNvPicPr>
+          <p:nvPr/>
+        </p:nvPicPr>
+        <p:blipFill>
+          <a:blip r:embed="rId4"/>
+          <a:stretch>
+            <a:fillRect/>
+          </a:stretch>
+        </p:blipFill>
+        <p:spPr>
+          <a:xfrm>
+            <a:off x="8763185" y="3737340"/>
+            <a:ext cx="2344092" cy="656346"/>
+          </a:xfrm>
+          <a:prstGeom prst="rect">
+            <a:avLst/>
+          </a:prstGeom>
+        </p:spPr>
+      </p:pic>
+      <p:sp>
+        <p:nvSpPr>
+          <p:cNvPr id="29" name="오른쪽 중괄호[R] 28">
+            <a:extLst>
+              <a:ext uri="{FF2B5EF4-FFF2-40B4-BE49-F238E27FC236}">
+                <a16:creationId xmlns:a16="http://schemas.microsoft.com/office/drawing/2014/main" id="{C3A41118-C40B-CD40-AAE2-D8857C1166B4}"/>
+              </a:ext>
+            </a:extLst>
+          </p:cNvPr>
+          <p:cNvSpPr/>
+          <p:nvPr/>
+        </p:nvSpPr>
+        <p:spPr>
+          <a:xfrm>
+            <a:off x="3385998" y="4090048"/>
+            <a:ext cx="241918" cy="1372076"/>
+          </a:xfrm>
+          <a:prstGeom prst="rightBrace">
+            <a:avLst/>
+          </a:prstGeom>
+          <a:ln w="12700">
+            <a:solidFill>
+              <a:srgbClr val="FF7876"/>
+            </a:solidFill>
+          </a:ln>
+        </p:spPr>
+        <p:style>
+          <a:lnRef idx="1">
+            <a:schemeClr val="accent1"/>
+          </a:lnRef>
+          <a:fillRef idx="0">
+            <a:schemeClr val="accent1"/>
+          </a:fillRef>
+          <a:effectRef idx="0">
+            <a:schemeClr val="accent1"/>
+          </a:effectRef>
+          <a:fontRef idx="minor">
+            <a:schemeClr val="tx1"/>
+          </a:fontRef>
+        </p:style>
+        <p:txBody>
+          <a:bodyPr rtlCol="0" anchor="ctr"/>
+          <a:lstStyle/>
+          <a:p>
+            <a:pPr algn="ctr"/>
+            <a:endParaRPr kumimoji="1" lang="ko-Kore-KR" altLang="en-US" dirty="0"/>
+          </a:p>
+        </p:txBody>
+      </p:sp>
+      <p:cxnSp>
+        <p:nvCxnSpPr>
+          <p:cNvPr id="31" name="직선 화살표 연결선 30">
+            <a:extLst>
+              <a:ext uri="{FF2B5EF4-FFF2-40B4-BE49-F238E27FC236}">
+                <a16:creationId xmlns:a16="http://schemas.microsoft.com/office/drawing/2014/main" id="{900387BA-007B-5A4E-B535-70E54244B42F}"/>
+              </a:ext>
+            </a:extLst>
+          </p:cNvPr>
+          <p:cNvCxnSpPr>
+            <a:cxnSpLocks/>
+            <a:stCxn id="29" idx="1"/>
+            <a:endCxn id="35" idx="1"/>
+          </p:cNvCxnSpPr>
+          <p:nvPr/>
+        </p:nvCxnSpPr>
+        <p:spPr>
+          <a:xfrm>
+            <a:off x="3627916" y="4776086"/>
+            <a:ext cx="2676722" cy="746951"/>
+          </a:xfrm>
+          <a:prstGeom prst="straightConnector1">
+            <a:avLst/>
+          </a:prstGeom>
+          <a:ln w="12700">
+            <a:solidFill>
+              <a:srgbClr val="FF7876"/>
+            </a:solidFill>
+            <a:tailEnd type="triangle"/>
+          </a:ln>
+        </p:spPr>
+        <p:style>
+          <a:lnRef idx="1">
+            <a:schemeClr val="accent1"/>
+          </a:lnRef>
+          <a:fillRef idx="0">
+            <a:schemeClr val="accent1"/>
+          </a:fillRef>
+          <a:effectRef idx="0">
+            <a:schemeClr val="accent1"/>
+          </a:effectRef>
+          <a:fontRef idx="minor">
+            <a:schemeClr val="tx1"/>
+          </a:fontRef>
+        </p:style>
+      </p:cxnSp>
+      <p:sp>
+        <p:nvSpPr>
+          <p:cNvPr id="35" name="TextBox 34">
+            <a:extLst>
+              <a:ext uri="{FF2B5EF4-FFF2-40B4-BE49-F238E27FC236}">
+                <a16:creationId xmlns:a16="http://schemas.microsoft.com/office/drawing/2014/main" id="{9964B3BA-B6C4-D848-8969-72AFAECB804B}"/>
+              </a:ext>
+            </a:extLst>
+          </p:cNvPr>
+          <p:cNvSpPr txBox="1"/>
+          <p:nvPr/>
+        </p:nvSpPr>
+        <p:spPr>
+          <a:xfrm>
+            <a:off x="6304638" y="4799762"/>
+            <a:ext cx="4619610" cy="1446550"/>
+          </a:xfrm>
+          <a:prstGeom prst="rect">
+            <a:avLst/>
+          </a:prstGeom>
+          <a:noFill/>
+          <a:ln w="12700">
+            <a:solidFill>
+              <a:srgbClr val="FF7876"/>
+            </a:solidFill>
+          </a:ln>
+        </p:spPr>
+        <p:txBody>
+          <a:bodyPr wrap="square" rtlCol="0">
+            <a:spAutoFit/>
+          </a:bodyPr>
+          <a:lstStyle/>
+          <a:p>
+            <a:pPr algn="ctr"/>
+            <a:r>
+              <a:rPr lang="ko-Kore-KR" altLang="en-US" sz="1100" dirty="0"/>
+              <a:t>입력받은 값들을 검증하기 위한 부분입니다</a:t>
+            </a:r>
+            <a:r>
+              <a:rPr lang="en-US" altLang="ko-Kore-KR" sz="1100" dirty="0"/>
+              <a:t>.</a:t>
+            </a:r>
+          </a:p>
+          <a:p>
+            <a:pPr algn="ctr"/>
+            <a:r>
+              <a:rPr lang="ko-Kore-KR" altLang="en-US" sz="1100" dirty="0"/>
+              <a:t>입력받은 연도를 </a:t>
+            </a:r>
+            <a:r>
+              <a:rPr lang="en-US" altLang="ko-Kore-KR" sz="1100" dirty="0"/>
+              <a:t>1</a:t>
+            </a:r>
+            <a:r>
+              <a:rPr lang="en-US" altLang="ko-KR" sz="1100" dirty="0"/>
+              <a:t>2</a:t>
+            </a:r>
+            <a:r>
+              <a:rPr lang="ko-KR" altLang="en-US" sz="1100" dirty="0"/>
+              <a:t>로 나누어 </a:t>
+            </a:r>
+            <a:r>
+              <a:rPr lang="ko-KR" altLang="en-US" sz="1100" dirty="0" err="1"/>
+              <a:t>나머지값을</a:t>
+            </a:r>
+            <a:r>
+              <a:rPr lang="ko-KR" altLang="en-US" sz="1100" dirty="0"/>
+              <a:t> 구해</a:t>
+            </a:r>
+            <a:endParaRPr lang="en-US" altLang="ko-KR" sz="1100" dirty="0"/>
+          </a:p>
+          <a:p>
+            <a:pPr algn="ctr"/>
+            <a:r>
+              <a:rPr lang="ko-KR" altLang="en-US" sz="1100" dirty="0"/>
+              <a:t>띠의 인덱스와 일치하는지 진행합니다</a:t>
+            </a:r>
+            <a:r>
+              <a:rPr lang="en-US" altLang="ko-KR" sz="1100" dirty="0"/>
+              <a:t>.</a:t>
+            </a:r>
+          </a:p>
+          <a:p>
+            <a:pPr algn="ctr"/>
+            <a:r>
+              <a:rPr lang="en-US" altLang="ko-KR" sz="1100" dirty="0"/>
+              <a:t>00</a:t>
+            </a:r>
+            <a:r>
+              <a:rPr lang="ko-KR" altLang="en-US" sz="1100" dirty="0"/>
+              <a:t>년 이후엔 </a:t>
+            </a:r>
+            <a:r>
+              <a:rPr lang="en-US" altLang="ko-KR" sz="1100" dirty="0"/>
+              <a:t>12</a:t>
+            </a:r>
+            <a:r>
+              <a:rPr lang="ko-KR" altLang="en-US" sz="1100" dirty="0"/>
+              <a:t>로 나누는게 불가능하기에</a:t>
+            </a:r>
+            <a:endParaRPr lang="en-US" altLang="ko-KR" sz="1100" dirty="0"/>
+          </a:p>
+          <a:p>
+            <a:pPr algn="ctr"/>
+            <a:r>
+              <a:rPr lang="ko-Kore-KR" altLang="en-US" sz="1100" dirty="0"/>
+              <a:t>연도값이 </a:t>
+            </a:r>
+            <a:r>
+              <a:rPr lang="en-US" altLang="ko-Kore-KR" sz="1100" dirty="0"/>
+              <a:t>1</a:t>
+            </a:r>
+            <a:r>
+              <a:rPr lang="en-US" altLang="ko-KR" sz="1100" dirty="0"/>
+              <a:t>2</a:t>
+            </a:r>
+            <a:r>
+              <a:rPr lang="ko-KR" altLang="en-US" sz="1100" dirty="0" err="1"/>
+              <a:t>이하인경우</a:t>
+            </a:r>
+            <a:r>
+              <a:rPr lang="ko-KR" altLang="en-US" sz="1100" dirty="0"/>
+              <a:t> </a:t>
+            </a:r>
+            <a:r>
+              <a:rPr lang="en-US" altLang="ko-KR" sz="1100" dirty="0"/>
+              <a:t>100</a:t>
+            </a:r>
+            <a:r>
+              <a:rPr lang="ko-KR" altLang="en-US" sz="1100" dirty="0"/>
+              <a:t>을 더해 나머지를 구하게 하였습니다</a:t>
+            </a:r>
+            <a:r>
+              <a:rPr lang="en-US" altLang="ko-KR" sz="1100" dirty="0"/>
+              <a:t>.</a:t>
+            </a:r>
+          </a:p>
+          <a:p>
+            <a:pPr algn="ctr"/>
+            <a:r>
+              <a:rPr lang="ko-Kore-KR" altLang="en-US" sz="1100" dirty="0"/>
+              <a:t>이후 에러없이 진행되면 다음 셀을 실행하기 위해</a:t>
+            </a:r>
+            <a:endParaRPr lang="en-US" altLang="ko-Kore-KR" sz="1100" dirty="0"/>
+          </a:p>
+          <a:p>
+            <a:pPr algn="ctr"/>
+            <a:r>
+              <a:rPr lang="en-US" altLang="ko-Kore-KR" sz="1100" dirty="0" err="1"/>
+              <a:t>correct_input</a:t>
+            </a:r>
+            <a:r>
+              <a:rPr lang="ko-Kore-KR" altLang="en-US" sz="1100" dirty="0"/>
+              <a:t>에 </a:t>
+            </a:r>
+            <a:r>
+              <a:rPr lang="en-US" altLang="ko-Kore-KR" sz="1100" dirty="0"/>
+              <a:t>true</a:t>
+            </a:r>
+            <a:r>
+              <a:rPr lang="ko-Kore-KR" altLang="en-US" sz="1100" dirty="0"/>
+              <a:t>값을 넣어줍니다</a:t>
+            </a:r>
+            <a:r>
+              <a:rPr lang="en-US" altLang="ko-Kore-KR" sz="1100" dirty="0"/>
+              <a:t>.</a:t>
+            </a:r>
+          </a:p>
+          <a:p>
+            <a:pPr algn="ctr"/>
+            <a:r>
+              <a:rPr lang="ko-Kore-KR" altLang="en-US" sz="1100" dirty="0"/>
+              <a:t>에러 발생시 예외처리에 따라 진행됩니다</a:t>
+            </a:r>
+            <a:r>
+              <a:rPr lang="en-US" altLang="ko-Kore-KR" sz="1100" dirty="0"/>
+              <a:t>.</a:t>
+            </a:r>
+          </a:p>
+        </p:txBody>
+      </p:sp>
+    </p:spTree>
+    <p:extLst>
+      <p:ext uri="{BB962C8B-B14F-4D97-AF65-F5344CB8AC3E}">
+        <p14:creationId xmlns:p14="http://schemas.microsoft.com/office/powerpoint/2010/main" val="3607727893"/>
       </p:ext>
     </p:extLst>
   </p:cSld>

--- a/3장/20164091-송희령-3주차 과제.pptx
+++ b/3장/20164091-송희령-3주차 과제.pptx
@@ -17,7 +17,8 @@
     <p:sldId id="315" r:id="rId11"/>
     <p:sldId id="316" r:id="rId12"/>
     <p:sldId id="317" r:id="rId13"/>
-    <p:sldId id="258" r:id="rId14"/>
+    <p:sldId id="318" r:id="rId14"/>
+    <p:sldId id="258" r:id="rId15"/>
   </p:sldIdLst>
   <p:sldSz cx="12192000" cy="6858000"/>
   <p:notesSz cx="6858000" cy="9144000"/>
@@ -6076,6 +6077,276 @@
       </p:grpSpPr>
       <p:sp>
         <p:nvSpPr>
+          <p:cNvPr id="37" name="직사각형 36">
+            <a:extLst>
+              <a:ext uri="{FF2B5EF4-FFF2-40B4-BE49-F238E27FC236}">
+                <a16:creationId xmlns:a16="http://schemas.microsoft.com/office/drawing/2014/main" id="{3F15C60C-17FE-422D-AFCF-73C75A021362}"/>
+              </a:ext>
+            </a:extLst>
+          </p:cNvPr>
+          <p:cNvSpPr/>
+          <p:nvPr/>
+        </p:nvSpPr>
+        <p:spPr>
+          <a:xfrm>
+            <a:off x="3697172" y="332194"/>
+            <a:ext cx="4713765" cy="735842"/>
+          </a:xfrm>
+          <a:prstGeom prst="rect">
+            <a:avLst/>
+          </a:prstGeom>
+        </p:spPr>
+        <p:txBody>
+          <a:bodyPr wrap="square">
+            <a:spAutoFit/>
+          </a:bodyPr>
+          <a:lstStyle/>
+          <a:p>
+            <a:pPr algn="ctr" latinLnBrk="0">
+              <a:lnSpc>
+                <a:spcPct val="150000"/>
+              </a:lnSpc>
+              <a:defRPr/>
+            </a:pPr>
+            <a:r>
+              <a:rPr lang="en-US" altLang="ko-KR" sz="3200" b="1" i="1" kern="0" dirty="0">
+                <a:solidFill>
+                  <a:srgbClr val="FF7876"/>
+                </a:solidFill>
+              </a:rPr>
+              <a:t>3</a:t>
+            </a:r>
+          </a:p>
+        </p:txBody>
+      </p:sp>
+      <p:cxnSp>
+        <p:nvCxnSpPr>
+          <p:cNvPr id="38" name="직선 연결선 37">
+            <a:extLst>
+              <a:ext uri="{FF2B5EF4-FFF2-40B4-BE49-F238E27FC236}">
+                <a16:creationId xmlns:a16="http://schemas.microsoft.com/office/drawing/2014/main" id="{940134F4-F272-426A-B50B-8075427DF501}"/>
+              </a:ext>
+            </a:extLst>
+          </p:cNvPr>
+          <p:cNvCxnSpPr>
+            <a:cxnSpLocks/>
+          </p:cNvCxnSpPr>
+          <p:nvPr/>
+        </p:nvCxnSpPr>
+        <p:spPr>
+          <a:xfrm flipV="1">
+            <a:off x="843148" y="847712"/>
+            <a:ext cx="4769087" cy="1"/>
+          </a:xfrm>
+          <a:prstGeom prst="line">
+            <a:avLst/>
+          </a:prstGeom>
+          <a:ln w="6350">
+            <a:solidFill>
+              <a:srgbClr val="FF7876"/>
+            </a:solidFill>
+            <a:prstDash val="sysDash"/>
+            <a:tailEnd type="oval"/>
+          </a:ln>
+        </p:spPr>
+        <p:style>
+          <a:lnRef idx="1">
+            <a:schemeClr val="accent1"/>
+          </a:lnRef>
+          <a:fillRef idx="0">
+            <a:schemeClr val="accent1"/>
+          </a:fillRef>
+          <a:effectRef idx="0">
+            <a:schemeClr val="accent1"/>
+          </a:effectRef>
+          <a:fontRef idx="minor">
+            <a:schemeClr val="tx1"/>
+          </a:fontRef>
+        </p:style>
+      </p:cxnSp>
+      <p:cxnSp>
+        <p:nvCxnSpPr>
+          <p:cNvPr id="39" name="직선 연결선 38">
+            <a:extLst>
+              <a:ext uri="{FF2B5EF4-FFF2-40B4-BE49-F238E27FC236}">
+                <a16:creationId xmlns:a16="http://schemas.microsoft.com/office/drawing/2014/main" id="{55EBD739-0979-4546-8E6B-9CA8052FC540}"/>
+              </a:ext>
+            </a:extLst>
+          </p:cNvPr>
+          <p:cNvCxnSpPr>
+            <a:cxnSpLocks/>
+          </p:cNvCxnSpPr>
+          <p:nvPr/>
+        </p:nvCxnSpPr>
+        <p:spPr>
+          <a:xfrm flipH="1">
+            <a:off x="6579767" y="847712"/>
+            <a:ext cx="4692810" cy="0"/>
+          </a:xfrm>
+          <a:prstGeom prst="line">
+            <a:avLst/>
+          </a:prstGeom>
+          <a:ln w="6350">
+            <a:solidFill>
+              <a:srgbClr val="FF7876"/>
+            </a:solidFill>
+            <a:prstDash val="sysDash"/>
+            <a:tailEnd type="oval"/>
+          </a:ln>
+        </p:spPr>
+        <p:style>
+          <a:lnRef idx="1">
+            <a:schemeClr val="accent1"/>
+          </a:lnRef>
+          <a:fillRef idx="0">
+            <a:schemeClr val="accent1"/>
+          </a:fillRef>
+          <a:effectRef idx="0">
+            <a:schemeClr val="accent1"/>
+          </a:effectRef>
+          <a:fontRef idx="minor">
+            <a:schemeClr val="tx1"/>
+          </a:fontRef>
+        </p:style>
+      </p:cxnSp>
+      <p:sp>
+        <p:nvSpPr>
+          <p:cNvPr id="8" name="TextBox 7">
+            <a:extLst>
+              <a:ext uri="{FF2B5EF4-FFF2-40B4-BE49-F238E27FC236}">
+                <a16:creationId xmlns:a16="http://schemas.microsoft.com/office/drawing/2014/main" id="{C18154B9-4F65-4277-8C17-63D9702FC25F}"/>
+              </a:ext>
+            </a:extLst>
+          </p:cNvPr>
+          <p:cNvSpPr txBox="1"/>
+          <p:nvPr/>
+        </p:nvSpPr>
+        <p:spPr>
+          <a:xfrm>
+            <a:off x="765146" y="963122"/>
+            <a:ext cx="10507430" cy="261610"/>
+          </a:xfrm>
+          <a:prstGeom prst="rect">
+            <a:avLst/>
+          </a:prstGeom>
+          <a:noFill/>
+        </p:spPr>
+        <p:txBody>
+          <a:bodyPr wrap="square" rtlCol="0">
+            <a:spAutoFit/>
+          </a:bodyPr>
+          <a:lstStyle/>
+          <a:p>
+            <a:pPr algn="ctr"/>
+            <a:r>
+              <a:rPr lang="ko-KR" altLang="en-US" sz="1100" i="1" dirty="0">
+                <a:solidFill>
+                  <a:srgbClr val="FF7876"/>
+                </a:solidFill>
+              </a:rPr>
+              <a:t>임의의 프로그램</a:t>
+            </a:r>
+            <a:endParaRPr lang="en-US" altLang="ko-KR" sz="1100" i="1" dirty="0">
+              <a:solidFill>
+                <a:srgbClr val="FF7876"/>
+              </a:solidFill>
+            </a:endParaRPr>
+          </a:p>
+        </p:txBody>
+      </p:sp>
+      <p:sp>
+        <p:nvSpPr>
+          <p:cNvPr id="35" name="TextBox 34">
+            <a:extLst>
+              <a:ext uri="{FF2B5EF4-FFF2-40B4-BE49-F238E27FC236}">
+                <a16:creationId xmlns:a16="http://schemas.microsoft.com/office/drawing/2014/main" id="{9964B3BA-B6C4-D848-8969-72AFAECB804B}"/>
+              </a:ext>
+            </a:extLst>
+          </p:cNvPr>
+          <p:cNvSpPr txBox="1"/>
+          <p:nvPr/>
+        </p:nvSpPr>
+        <p:spPr>
+          <a:xfrm>
+            <a:off x="5787016" y="5106316"/>
+            <a:ext cx="4619610" cy="600164"/>
+          </a:xfrm>
+          <a:prstGeom prst="rect">
+            <a:avLst/>
+          </a:prstGeom>
+          <a:noFill/>
+          <a:ln w="12700">
+            <a:solidFill>
+              <a:srgbClr val="FF7876"/>
+            </a:solidFill>
+          </a:ln>
+        </p:spPr>
+        <p:txBody>
+          <a:bodyPr wrap="square" rtlCol="0">
+            <a:spAutoFit/>
+          </a:bodyPr>
+          <a:lstStyle/>
+          <a:p>
+            <a:pPr algn="ctr"/>
+            <a:r>
+              <a:rPr lang="ko-Kore-KR" altLang="en-US" sz="1100" dirty="0"/>
+              <a:t>오류로 입력한 경우 역시</a:t>
+            </a:r>
+            <a:endParaRPr lang="en-US" altLang="ko-Kore-KR" sz="1100" dirty="0"/>
+          </a:p>
+          <a:p>
+            <a:pPr algn="ctr"/>
+            <a:r>
+              <a:rPr lang="ko-Kore-KR" altLang="en-US" sz="1100" dirty="0"/>
+              <a:t>예외처리가 작동하여</a:t>
+            </a:r>
+            <a:endParaRPr lang="en-US" altLang="ko-Kore-KR" sz="1100" dirty="0"/>
+          </a:p>
+          <a:p>
+            <a:pPr algn="ctr"/>
+            <a:r>
+              <a:rPr lang="ko-Kore-KR" altLang="en-US" sz="1100" dirty="0"/>
+              <a:t>하단 셀이 작동못하는것을 볼 수 있습니다</a:t>
+            </a:r>
+            <a:r>
+              <a:rPr lang="en-US" altLang="ko-Kore-KR" sz="1100" dirty="0"/>
+              <a:t>.</a:t>
+            </a:r>
+          </a:p>
+        </p:txBody>
+      </p:sp>
+    </p:spTree>
+    <p:extLst>
+      <p:ext uri="{BB962C8B-B14F-4D97-AF65-F5344CB8AC3E}">
+        <p14:creationId xmlns:p14="http://schemas.microsoft.com/office/powerpoint/2010/main" val="1084114084"/>
+      </p:ext>
+    </p:extLst>
+  </p:cSld>
+  <p:clrMapOvr>
+    <a:masterClrMapping/>
+  </p:clrMapOvr>
+</p:sld>
+</file>
+
+<file path=ppt/slides/slide14.xml><?xml version="1.0" encoding="utf-8"?>
+<p:sld xmlns:a="http://schemas.openxmlformats.org/drawingml/2006/main" xmlns:r="http://schemas.openxmlformats.org/officeDocument/2006/relationships" xmlns:p="http://schemas.openxmlformats.org/presentationml/2006/main">
+  <p:cSld>
+    <p:spTree>
+      <p:nvGrpSpPr>
+        <p:cNvPr id="1" name=""/>
+        <p:cNvGrpSpPr/>
+        <p:nvPr/>
+      </p:nvGrpSpPr>
+      <p:grpSpPr>
+        <a:xfrm>
+          <a:off x="0" y="0"/>
+          <a:ext cx="0" cy="0"/>
+          <a:chOff x="0" y="0"/>
+          <a:chExt cx="0" cy="0"/>
+        </a:xfrm>
+      </p:grpSpPr>
+      <p:sp>
+        <p:nvSpPr>
           <p:cNvPr id="105" name="직사각형 104">
             <a:extLst>
               <a:ext uri="{FF2B5EF4-FFF2-40B4-BE49-F238E27FC236}">
